--- a/小组会议.pptx
+++ b/小组会议.pptx
@@ -5,33 +5,29 @@
     <p:sldMasterId id="2147483648" r:id="rId1"/>
   </p:sldMasterIdLst>
   <p:notesMasterIdLst>
-    <p:notesMasterId r:id="rId21"/>
+    <p:notesMasterId r:id="rId17"/>
   </p:notesMasterIdLst>
   <p:sldIdLst>
     <p:sldId id="256" r:id="rId2"/>
     <p:sldId id="281" r:id="rId3"/>
-    <p:sldId id="288" r:id="rId4"/>
-    <p:sldId id="293" r:id="rId5"/>
-    <p:sldId id="294" r:id="rId6"/>
-    <p:sldId id="305" r:id="rId7"/>
-    <p:sldId id="295" r:id="rId8"/>
-    <p:sldId id="296" r:id="rId9"/>
-    <p:sldId id="297" r:id="rId10"/>
-    <p:sldId id="298" r:id="rId11"/>
-    <p:sldId id="299" r:id="rId12"/>
-    <p:sldId id="300" r:id="rId13"/>
-    <p:sldId id="301" r:id="rId14"/>
-    <p:sldId id="302" r:id="rId15"/>
-    <p:sldId id="290" r:id="rId16"/>
-    <p:sldId id="291" r:id="rId17"/>
-    <p:sldId id="287" r:id="rId18"/>
-    <p:sldId id="303" r:id="rId19"/>
-    <p:sldId id="304" r:id="rId20"/>
+    <p:sldId id="282" r:id="rId4"/>
+    <p:sldId id="283" r:id="rId5"/>
+    <p:sldId id="293" r:id="rId6"/>
+    <p:sldId id="284" r:id="rId7"/>
+    <p:sldId id="294" r:id="rId8"/>
+    <p:sldId id="285" r:id="rId9"/>
+    <p:sldId id="286" r:id="rId10"/>
+    <p:sldId id="287" r:id="rId11"/>
+    <p:sldId id="288" r:id="rId12"/>
+    <p:sldId id="289" r:id="rId13"/>
+    <p:sldId id="290" r:id="rId14"/>
+    <p:sldId id="291" r:id="rId15"/>
+    <p:sldId id="292" r:id="rId16"/>
   </p:sldIdLst>
   <p:sldSz cx="12192000" cy="6858000"/>
   <p:notesSz cx="6858000" cy="9144000"/>
   <p:custDataLst>
-    <p:tags r:id="rId22"/>
+    <p:tags r:id="rId18"/>
   </p:custDataLst>
   <p:defaultTextStyle>
     <a:defPPr>
@@ -230,7 +226,7 @@
           <a:p>
             <a:fld id="{E86D8963-CFCD-4740-AF60-049850373CDF}" type="datetimeFigureOut">
               <a:rPr lang="zh-CN" altLang="en-US" smtClean="0"/>
-              <a:t>2018/10/16</a:t>
+              <a:t>2018/10/22</a:t>
             </a:fld>
             <a:endParaRPr lang="zh-CN" altLang="en-US"/>
           </a:p>
@@ -497,8 +493,176 @@
 </p:notesMaster>
 </file>
 
+<file path=ppt/notesSlides/notesSlide1.xml><?xml version="1.0" encoding="utf-8"?>
+<p:notes xmlns:a="http://schemas.openxmlformats.org/drawingml/2006/main" xmlns:r="http://schemas.openxmlformats.org/officeDocument/2006/relationships" xmlns:p="http://schemas.openxmlformats.org/presentationml/2006/main">
+  <p:cSld>
+    <p:spTree>
+      <p:nvGrpSpPr>
+        <p:cNvPr id="1" name=""/>
+        <p:cNvGrpSpPr/>
+        <p:nvPr/>
+      </p:nvGrpSpPr>
+      <p:grpSpPr>
+        <a:xfrm>
+          <a:off x="0" y="0"/>
+          <a:ext cx="0" cy="0"/>
+          <a:chOff x="0" y="0"/>
+          <a:chExt cx="0" cy="0"/>
+        </a:xfrm>
+      </p:grpSpPr>
+      <p:sp>
+        <p:nvSpPr>
+          <p:cNvPr id="2" name="幻灯片图像占位符 1"/>
+          <p:cNvSpPr>
+            <a:spLocks noGrp="1" noRot="1" noChangeAspect="1"/>
+          </p:cNvSpPr>
+          <p:nvPr>
+            <p:ph type="sldImg"/>
+          </p:nvPr>
+        </p:nvSpPr>
+        <p:spPr/>
+      </p:sp>
+      <p:sp>
+        <p:nvSpPr>
+          <p:cNvPr id="3" name="备注占位符 2"/>
+          <p:cNvSpPr>
+            <a:spLocks noGrp="1"/>
+          </p:cNvSpPr>
+          <p:nvPr>
+            <p:ph type="body" idx="1"/>
+          </p:nvPr>
+        </p:nvSpPr>
+        <p:spPr/>
+        <p:txBody>
+          <a:bodyPr/>
+          <a:lstStyle/>
+          <a:p>
+            <a:endParaRPr lang="zh-CN" altLang="en-US" dirty="0"/>
+          </a:p>
+        </p:txBody>
+      </p:sp>
+      <p:sp>
+        <p:nvSpPr>
+          <p:cNvPr id="4" name="灯片编号占位符 3"/>
+          <p:cNvSpPr>
+            <a:spLocks noGrp="1"/>
+          </p:cNvSpPr>
+          <p:nvPr>
+            <p:ph type="sldNum" sz="quarter" idx="5"/>
+          </p:nvPr>
+        </p:nvSpPr>
+        <p:spPr/>
+        <p:txBody>
+          <a:bodyPr/>
+          <a:lstStyle/>
+          <a:p>
+            <a:fld id="{E9E6FDB6-6D2B-46C1-9FA1-D82906A37C3A}" type="slidenum">
+              <a:rPr lang="zh-CN" altLang="en-US" smtClean="0"/>
+              <a:t>4</a:t>
+            </a:fld>
+            <a:endParaRPr lang="zh-CN" altLang="en-US"/>
+          </a:p>
+        </p:txBody>
+      </p:sp>
+    </p:spTree>
+    <p:extLst>
+      <p:ext uri="{BB962C8B-B14F-4D97-AF65-F5344CB8AC3E}">
+        <p14:creationId xmlns:p14="http://schemas.microsoft.com/office/powerpoint/2010/main" val="3088246150"/>
+      </p:ext>
+    </p:extLst>
+  </p:cSld>
+  <p:clrMapOvr>
+    <a:masterClrMapping/>
+  </p:clrMapOvr>
+</p:notes>
+</file>
+
+<file path=ppt/notesSlides/notesSlide2.xml><?xml version="1.0" encoding="utf-8"?>
+<p:notes xmlns:a="http://schemas.openxmlformats.org/drawingml/2006/main" xmlns:r="http://schemas.openxmlformats.org/officeDocument/2006/relationships" xmlns:p="http://schemas.openxmlformats.org/presentationml/2006/main">
+  <p:cSld>
+    <p:spTree>
+      <p:nvGrpSpPr>
+        <p:cNvPr id="1" name=""/>
+        <p:cNvGrpSpPr/>
+        <p:nvPr/>
+      </p:nvGrpSpPr>
+      <p:grpSpPr>
+        <a:xfrm>
+          <a:off x="0" y="0"/>
+          <a:ext cx="0" cy="0"/>
+          <a:chOff x="0" y="0"/>
+          <a:chExt cx="0" cy="0"/>
+        </a:xfrm>
+      </p:grpSpPr>
+      <p:sp>
+        <p:nvSpPr>
+          <p:cNvPr id="2" name="幻灯片图像占位符 1"/>
+          <p:cNvSpPr>
+            <a:spLocks noGrp="1" noRot="1" noChangeAspect="1"/>
+          </p:cNvSpPr>
+          <p:nvPr>
+            <p:ph type="sldImg"/>
+          </p:nvPr>
+        </p:nvSpPr>
+        <p:spPr/>
+      </p:sp>
+      <p:sp>
+        <p:nvSpPr>
+          <p:cNvPr id="3" name="备注占位符 2"/>
+          <p:cNvSpPr>
+            <a:spLocks noGrp="1"/>
+          </p:cNvSpPr>
+          <p:nvPr>
+            <p:ph type="body" idx="1"/>
+          </p:nvPr>
+        </p:nvSpPr>
+        <p:spPr/>
+        <p:txBody>
+          <a:bodyPr/>
+          <a:lstStyle/>
+          <a:p>
+            <a:endParaRPr lang="zh-CN" altLang="en-US" dirty="0"/>
+          </a:p>
+        </p:txBody>
+      </p:sp>
+      <p:sp>
+        <p:nvSpPr>
+          <p:cNvPr id="4" name="灯片编号占位符 3"/>
+          <p:cNvSpPr>
+            <a:spLocks noGrp="1"/>
+          </p:cNvSpPr>
+          <p:nvPr>
+            <p:ph type="sldNum" sz="quarter" idx="5"/>
+          </p:nvPr>
+        </p:nvSpPr>
+        <p:spPr/>
+        <p:txBody>
+          <a:bodyPr/>
+          <a:lstStyle/>
+          <a:p>
+            <a:fld id="{E9E6FDB6-6D2B-46C1-9FA1-D82906A37C3A}" type="slidenum">
+              <a:rPr lang="zh-CN" altLang="en-US" smtClean="0"/>
+              <a:t>5</a:t>
+            </a:fld>
+            <a:endParaRPr lang="zh-CN" altLang="en-US"/>
+          </a:p>
+        </p:txBody>
+      </p:sp>
+    </p:spTree>
+    <p:extLst>
+      <p:ext uri="{BB962C8B-B14F-4D97-AF65-F5344CB8AC3E}">
+        <p14:creationId xmlns:p14="http://schemas.microsoft.com/office/powerpoint/2010/main" val="1371141954"/>
+      </p:ext>
+    </p:extLst>
+  </p:cSld>
+  <p:clrMapOvr>
+    <a:masterClrMapping/>
+  </p:clrMapOvr>
+</p:notes>
+</file>
+
 <file path=ppt/slideLayouts/slideLayout1.xml><?xml version="1.0" encoding="utf-8"?>
-<p:sldLayout xmlns:a="http://schemas.openxmlformats.org/drawingml/2006/main" xmlns:r="http://schemas.openxmlformats.org/officeDocument/2006/relationships" xmlns:p="http://schemas.openxmlformats.org/presentationml/2006/main" showMasterSp="0" preserve="1" userDrawn="1">
+<p:sldLayout xmlns:a="http://schemas.openxmlformats.org/drawingml/2006/main" xmlns:r="http://schemas.openxmlformats.org/officeDocument/2006/relationships" xmlns:p="http://schemas.openxmlformats.org/presentationml/2006/main" preserve="1" userDrawn="1">
   <p:cSld name="标题幻灯片">
     <p:spTree>
       <p:nvGrpSpPr>
@@ -954,16 +1118,8 @@
 </file>
 
 <file path=ppt/slideLayouts/slideLayout2.xml><?xml version="1.0" encoding="utf-8"?>
-<p:sldLayout xmlns:a="http://schemas.openxmlformats.org/drawingml/2006/main" xmlns:r="http://schemas.openxmlformats.org/officeDocument/2006/relationships" xmlns:p="http://schemas.openxmlformats.org/presentationml/2006/main" showMasterSp="0" preserve="1" userDrawn="1">
+<p:sldLayout xmlns:a="http://schemas.openxmlformats.org/drawingml/2006/main" xmlns:r="http://schemas.openxmlformats.org/officeDocument/2006/relationships" xmlns:p="http://schemas.openxmlformats.org/presentationml/2006/main" preserve="1" userDrawn="1">
   <p:cSld name="1_节标题">
-    <p:bg>
-      <p:bgPr>
-        <a:solidFill>
-          <a:schemeClr val="accent1"/>
-        </a:solidFill>
-        <a:effectLst/>
-      </p:bgPr>
-    </p:bg>
     <p:spTree>
       <p:nvGrpSpPr>
         <p:cNvPr id="1" name=""/>
@@ -1330,7 +1486,7 @@
             <a:fld id="{6489D9C7-5DC6-4263-87FF-7C99F6FB63C3}" type="datetime1">
               <a:rPr lang="zh-CN" altLang="en-US" smtClean="0"/>
               <a:pPr/>
-              <a:t>2018/10/16</a:t>
+              <a:t>2018/10/22</a:t>
             </a:fld>
             <a:endParaRPr lang="zh-CN" altLang="en-US"/>
           </a:p>
@@ -1476,7 +1632,7 @@
             <a:fld id="{6489D9C7-5DC6-4263-87FF-7C99F6FB63C3}" type="datetime1">
               <a:rPr lang="zh-CN" altLang="en-US" smtClean="0"/>
               <a:pPr/>
-              <a:t>2018/10/16</a:t>
+              <a:t>2018/10/22</a:t>
             </a:fld>
             <a:endParaRPr lang="zh-CN" altLang="en-US"/>
           </a:p>
@@ -1555,7 +1711,7 @@
 </file>
 
 <file path=ppt/slideLayouts/slideLayout5.xml><?xml version="1.0" encoding="utf-8"?>
-<p:sldLayout xmlns:a="http://schemas.openxmlformats.org/drawingml/2006/main" xmlns:r="http://schemas.openxmlformats.org/officeDocument/2006/relationships" xmlns:p="http://schemas.openxmlformats.org/presentationml/2006/main" showMasterSp="0" type="blank" preserve="1">
+<p:sldLayout xmlns:a="http://schemas.openxmlformats.org/drawingml/2006/main" xmlns:r="http://schemas.openxmlformats.org/officeDocument/2006/relationships" xmlns:p="http://schemas.openxmlformats.org/presentationml/2006/main" type="blank" preserve="1">
   <p:cSld name="空白">
     <p:spTree>
       <p:nvGrpSpPr>
@@ -1585,7 +1741,7 @@
 </file>
 
 <file path=ppt/slideLayouts/slideLayout6.xml><?xml version="1.0" encoding="utf-8"?>
-<p:sldLayout xmlns:a="http://schemas.openxmlformats.org/drawingml/2006/main" xmlns:r="http://schemas.openxmlformats.org/officeDocument/2006/relationships" xmlns:p="http://schemas.openxmlformats.org/presentationml/2006/main" showMasterSp="0" preserve="1" userDrawn="1">
+<p:sldLayout xmlns:a="http://schemas.openxmlformats.org/drawingml/2006/main" xmlns:r="http://schemas.openxmlformats.org/officeDocument/2006/relationships" xmlns:p="http://schemas.openxmlformats.org/presentationml/2006/main" preserve="1" userDrawn="1">
   <p:cSld name="末尾幻灯片">
     <p:spTree>
       <p:nvGrpSpPr>
@@ -1786,9 +1942,23 @@
   <p:cSld>
     <p:bg>
       <p:bgPr>
-        <a:solidFill>
-          <a:schemeClr val="bg1"/>
-        </a:solidFill>
+        <a:blipFill dpi="0" rotWithShape="1">
+          <a:blip r:embed="rId8">
+            <a:extLst>
+              <a:ext uri="{BEBA8EAE-BF5A-486C-A8C5-ECC9F3942E4B}">
+                <a14:imgProps xmlns:a14="http://schemas.microsoft.com/office/drawing/2010/main">
+                  <a14:imgLayer r:embed="rId9">
+                    <a14:imgEffect>
+                      <a14:artisticPencilGrayscale/>
+                    </a14:imgEffect>
+                  </a14:imgLayer>
+                </a14:imgProps>
+              </a:ext>
+            </a:extLst>
+          </a:blip>
+          <a:srcRect/>
+          <a:tile tx="0" ty="0" sx="100000" sy="100000" flip="none" algn="tl"/>
+        </a:blipFill>
         <a:effectLst/>
       </p:bgPr>
     </p:bg>
@@ -1938,7 +2108,7 @@
             <a:fld id="{6489D9C7-5DC6-4263-87FF-7C99F6FB63C3}" type="datetime1">
               <a:rPr lang="zh-CN" altLang="en-US" smtClean="0"/>
               <a:pPr/>
-              <a:t>2018/10/16</a:t>
+              <a:t>2018/10/22</a:t>
             </a:fld>
             <a:endParaRPr lang="zh-CN" altLang="en-US"/>
           </a:p>
@@ -2432,21 +2602,39 @@
         </p:nvSpPr>
         <p:spPr>
           <a:xfrm>
-            <a:off x="713969" y="1273038"/>
+            <a:off x="713969" y="1689416"/>
             <a:ext cx="10998926" cy="1255908"/>
           </a:xfrm>
         </p:spPr>
         <p:txBody>
           <a:bodyPr>
-            <a:normAutofit/>
+            <a:normAutofit fontScale="90000"/>
           </a:bodyPr>
           <a:lstStyle/>
           <a:p>
             <a:r>
-              <a:rPr lang="zh-CN" altLang="en-US" dirty="0"/>
-              <a:t>推荐系统综述报告</a:t>
-            </a:r>
-            <a:endParaRPr lang="en-US" altLang="zh-CN" dirty="0"/>
+              <a:rPr lang="zh-CN" altLang="en-US" b="0" dirty="0"/>
+              <a:t>推荐系统</a:t>
+            </a:r>
+            <a:br>
+              <a:rPr lang="en-US" altLang="zh-CN" b="0" dirty="0"/>
+            </a:br>
+            <a:br>
+              <a:rPr lang="en-US" altLang="zh-CN" b="0" dirty="0"/>
+            </a:br>
+            <a:r>
+              <a:rPr lang="zh-CN" altLang="en-US" sz="2800" b="0" dirty="0">
+                <a:solidFill>
+                  <a:srgbClr val="FFFF00"/>
+                </a:solidFill>
+              </a:rPr>
+              <a:t>极深因子分解机模型</a:t>
+            </a:r>
+            <a:endParaRPr lang="zh-CN" altLang="en-US" b="0" dirty="0">
+              <a:solidFill>
+                <a:srgbClr val="FFFF00"/>
+              </a:solidFill>
+            </a:endParaRPr>
           </a:p>
         </p:txBody>
       </p:sp>
@@ -2462,7 +2650,7 @@
         </p:nvSpPr>
         <p:spPr>
           <a:xfrm>
-            <a:off x="4019167" y="3280864"/>
+            <a:off x="4019167" y="4343027"/>
             <a:ext cx="4388530" cy="296271"/>
           </a:xfrm>
         </p:spPr>
@@ -2471,10 +2659,10 @@
           <a:lstStyle/>
           <a:p>
             <a:r>
-              <a:rPr lang="zh-CN" altLang="en-US" sz="3200" dirty="0"/>
+              <a:rPr lang="zh-CN" altLang="en-US" sz="2400" dirty="0"/>
               <a:t>杜敏</a:t>
             </a:r>
-            <a:endParaRPr lang="en-US" altLang="zh-CN" sz="3200" dirty="0"/>
+            <a:endParaRPr lang="en-US" altLang="zh-CN" sz="2400" dirty="0"/>
           </a:p>
         </p:txBody>
       </p:sp>
@@ -2490,7 +2678,7 @@
         </p:nvSpPr>
         <p:spPr>
           <a:xfrm>
-            <a:off x="4019167" y="4329053"/>
+            <a:off x="4019167" y="4835239"/>
             <a:ext cx="4388530" cy="296271"/>
           </a:xfrm>
         </p:spPr>
@@ -2500,7 +2688,7 @@
           <a:p>
             <a:r>
               <a:rPr lang="en-US" altLang="zh-CN" sz="2400" dirty="0"/>
-              <a:t>2018/10/16</a:t>
+              <a:t>2018/10/23</a:t>
             </a:r>
             <a:endParaRPr lang="en-US" altLang="en-US" sz="2400" dirty="0"/>
           </a:p>
@@ -2541,7 +2729,7 @@
           <p:cNvPr id="2" name="文本框 1">
             <a:extLst>
               <a:ext uri="{FF2B5EF4-FFF2-40B4-BE49-F238E27FC236}">
-                <a16:creationId xmlns:a16="http://schemas.microsoft.com/office/drawing/2014/main" id="{DDAB0FE8-8504-43C0-86D3-F1CA90030D8D}"/>
+                <a16:creationId xmlns:a16="http://schemas.microsoft.com/office/drawing/2014/main" id="{344404D7-8C8B-4564-9EB3-6506639BABCF}"/>
               </a:ext>
             </a:extLst>
           </p:cNvPr>
@@ -2550,8 +2738,8 @@
         </p:nvSpPr>
         <p:spPr>
           <a:xfrm>
-            <a:off x="625150" y="634484"/>
-            <a:ext cx="5470850" cy="461665"/>
+            <a:off x="767444" y="1240822"/>
+            <a:ext cx="10363744" cy="646331"/>
           </a:xfrm>
           <a:prstGeom prst="rect">
             <a:avLst/>
@@ -2564,116 +2752,63 @@
           </a:bodyPr>
           <a:lstStyle/>
           <a:p>
-            <a:pPr marL="342900" indent="-342900">
-              <a:buFont typeface="Wingdings" panose="05000000000000000000" pitchFamily="2" charset="2"/>
-              <a:buChar char="l"/>
-            </a:pPr>
-            <a:r>
-              <a:rPr lang="zh-CN" altLang="en-US" sz="2400" dirty="0"/>
-              <a:t>基于循环神经网络</a:t>
-            </a:r>
-            <a:r>
-              <a:rPr lang="en-US" altLang="zh-CN" sz="2400" dirty="0"/>
-              <a:t>(RNN)</a:t>
-            </a:r>
-            <a:r>
-              <a:rPr lang="zh-CN" altLang="en-US" sz="2400" dirty="0"/>
-              <a:t>的推荐系统</a:t>
-            </a:r>
-            <a:endParaRPr lang="en-US" altLang="zh-CN" sz="2400" dirty="0"/>
-          </a:p>
-        </p:txBody>
-      </p:sp>
-      <p:sp>
-        <p:nvSpPr>
-          <p:cNvPr id="3" name="文本框 2">
+            <a:r>
+              <a:rPr lang="zh-CN" altLang="en-US" dirty="0">
+                <a:latin typeface="宋体" panose="02010600030101010101" pitchFamily="2" charset="-122"/>
+                <a:ea typeface="宋体" panose="02010600030101010101" pitchFamily="2" charset="-122"/>
+              </a:rPr>
+              <a:t>    将</a:t>
+            </a:r>
+            <a:r>
+              <a:rPr lang="en-US" altLang="zh-CN" b="1" dirty="0">
+                <a:solidFill>
+                  <a:srgbClr val="FF0000"/>
+                </a:solidFill>
+                <a:latin typeface="宋体" panose="02010600030101010101" pitchFamily="2" charset="-122"/>
+                <a:ea typeface="宋体" panose="02010600030101010101" pitchFamily="2" charset="-122"/>
+              </a:rPr>
+              <a:t>CIN</a:t>
+            </a:r>
+            <a:r>
+              <a:rPr lang="zh-CN" altLang="en-US" b="1" dirty="0">
+                <a:solidFill>
+                  <a:srgbClr val="FF0000"/>
+                </a:solidFill>
+                <a:latin typeface="宋体" panose="02010600030101010101" pitchFamily="2" charset="-122"/>
+                <a:ea typeface="宋体" panose="02010600030101010101" pitchFamily="2" charset="-122"/>
+              </a:rPr>
+              <a:t>与线性回归单元、全连接神经网络</a:t>
+            </a:r>
+            <a:r>
+              <a:rPr lang="zh-CN" altLang="en-US" dirty="0">
+                <a:latin typeface="宋体" panose="02010600030101010101" pitchFamily="2" charset="-122"/>
+                <a:ea typeface="宋体" panose="02010600030101010101" pitchFamily="2" charset="-122"/>
+              </a:rPr>
+              <a:t>单元组合在一起，得到最终的模型并命名为极深因子分解机</a:t>
+            </a:r>
+            <a:r>
+              <a:rPr lang="en-US" altLang="zh-CN" dirty="0">
+                <a:latin typeface="宋体" panose="02010600030101010101" pitchFamily="2" charset="-122"/>
+                <a:ea typeface="宋体" panose="02010600030101010101" pitchFamily="2" charset="-122"/>
+              </a:rPr>
+              <a:t>xDeepFM</a:t>
+            </a:r>
+            <a:r>
+              <a:rPr lang="zh-CN" altLang="en-US" dirty="0">
+                <a:latin typeface="宋体" panose="02010600030101010101" pitchFamily="2" charset="-122"/>
+                <a:ea typeface="宋体" panose="02010600030101010101" pitchFamily="2" charset="-122"/>
+              </a:rPr>
+              <a:t>，其结构如图所示。</a:t>
+            </a:r>
+          </a:p>
+        </p:txBody>
+      </p:sp>
+      <p:pic>
+        <p:nvPicPr>
+          <p:cNvPr id="4" name="图片 3">
             <a:extLst>
               <a:ext uri="{FF2B5EF4-FFF2-40B4-BE49-F238E27FC236}">
-                <a16:creationId xmlns:a16="http://schemas.microsoft.com/office/drawing/2014/main" id="{6714C99D-67E7-400A-B08F-5E8C1F111F19}"/>
-              </a:ext>
-            </a:extLst>
-          </p:cNvPr>
-          <p:cNvSpPr txBox="1"/>
-          <p:nvPr/>
-        </p:nvSpPr>
-        <p:spPr>
-          <a:xfrm>
-            <a:off x="789168" y="1679024"/>
-            <a:ext cx="3916457" cy="369332"/>
-          </a:xfrm>
-          <a:prstGeom prst="rect">
-            <a:avLst/>
-          </a:prstGeom>
-          <a:noFill/>
-        </p:spPr>
-        <p:txBody>
-          <a:bodyPr wrap="none" rtlCol="0">
-            <a:spAutoFit/>
-          </a:bodyPr>
-          <a:lstStyle/>
-          <a:p>
-            <a:r>
-              <a:rPr lang="en-US" altLang="zh-CN" dirty="0"/>
-              <a:t>RNN</a:t>
-            </a:r>
-            <a:r>
-              <a:rPr lang="zh-CN" altLang="en-US" dirty="0"/>
-              <a:t>擅长处理动态特征和序列特征。</a:t>
-            </a:r>
-          </a:p>
-        </p:txBody>
-      </p:sp>
-      <p:sp>
-        <p:nvSpPr>
-          <p:cNvPr id="8" name="AutoShape 2" descr="https://img-blog.csdn.net/20171204173707812?watermark/2/text/aHR0cDovL2Jsb2cuY3Nkbi5uZXQvY3NreXdpdA==/font/5a6L5L2T/fontsize/400/fill/I0JBQkFCMA==/dissolve/70/gravity/Center">
-            <a:extLst>
-              <a:ext uri="{FF2B5EF4-FFF2-40B4-BE49-F238E27FC236}">
-                <a16:creationId xmlns:a16="http://schemas.microsoft.com/office/drawing/2014/main" id="{0AB325FB-3B56-439D-9987-C7500E6CB8C1}"/>
-              </a:ext>
-            </a:extLst>
-          </p:cNvPr>
-          <p:cNvSpPr>
-            <a:spLocks noChangeAspect="1" noChangeArrowheads="1"/>
-          </p:cNvSpPr>
-          <p:nvPr/>
-        </p:nvSpPr>
-        <p:spPr bwMode="auto">
-          <a:xfrm>
-            <a:off x="5943600" y="3079102"/>
-            <a:ext cx="304800" cy="502298"/>
-          </a:xfrm>
-          <a:prstGeom prst="rect">
-            <a:avLst/>
-          </a:prstGeom>
-          <a:noFill/>
-          <a:extLst>
-            <a:ext uri="{909E8E84-426E-40DD-AFC4-6F175D3DCCD1}">
-              <a14:hiddenFill xmlns:a14="http://schemas.microsoft.com/office/drawing/2010/main">
-                <a:solidFill>
-                  <a:srgbClr val="FFFFFF"/>
-                </a:solidFill>
-              </a14:hiddenFill>
-            </a:ext>
-          </a:extLst>
-        </p:spPr>
-        <p:txBody>
-          <a:bodyPr vert="horz" wrap="square" lIns="91440" tIns="45720" rIns="91440" bIns="45720" numCol="1" anchor="t" anchorCtr="0" compatLnSpc="1">
-            <a:prstTxWarp prst="textNoShape">
-              <a:avLst/>
-            </a:prstTxWarp>
-          </a:bodyPr>
-          <a:lstStyle/>
-          <a:p>
-            <a:endParaRPr lang="zh-CN" altLang="en-US"/>
-          </a:p>
-        </p:txBody>
-      </p:sp>
-      <p:pic>
-        <p:nvPicPr>
-          <p:cNvPr id="6" name="图片 5">
-            <a:extLst>
-              <a:ext uri="{FF2B5EF4-FFF2-40B4-BE49-F238E27FC236}">
-                <a16:creationId xmlns:a16="http://schemas.microsoft.com/office/drawing/2014/main" id="{7ACD87A1-15CC-4FBA-8595-A82DD9404E10}"/>
+                <a16:creationId xmlns:a16="http://schemas.microsoft.com/office/drawing/2014/main" id="{EA2E3544-BA41-4A46-B60C-FE6BA9936D3D}"/>
               </a:ext>
             </a:extLst>
           </p:cNvPr>
@@ -2690,18 +2825,199 @@
         </p:blipFill>
         <p:spPr>
           <a:xfrm>
-            <a:off x="855864" y="2384544"/>
-            <a:ext cx="10480272" cy="3419096"/>
+            <a:off x="6096000" y="2040391"/>
+            <a:ext cx="5789244" cy="3565010"/>
           </a:xfrm>
           <a:prstGeom prst="rect">
             <a:avLst/>
           </a:prstGeom>
         </p:spPr>
       </p:pic>
+      <p:sp>
+        <p:nvSpPr>
+          <p:cNvPr id="5" name="文本框 4">
+            <a:extLst>
+              <a:ext uri="{FF2B5EF4-FFF2-40B4-BE49-F238E27FC236}">
+                <a16:creationId xmlns:a16="http://schemas.microsoft.com/office/drawing/2014/main" id="{07B88D04-165F-4A88-99F8-3A2F18B92BB3}"/>
+              </a:ext>
+            </a:extLst>
+          </p:cNvPr>
+          <p:cNvSpPr txBox="1"/>
+          <p:nvPr/>
+        </p:nvSpPr>
+        <p:spPr>
+          <a:xfrm>
+            <a:off x="489857" y="2189081"/>
+            <a:ext cx="5606143" cy="3416320"/>
+          </a:xfrm>
+          <a:prstGeom prst="rect">
+            <a:avLst/>
+          </a:prstGeom>
+          <a:noFill/>
+        </p:spPr>
+        <p:txBody>
+          <a:bodyPr wrap="square" rtlCol="0">
+            <a:spAutoFit/>
+          </a:bodyPr>
+          <a:lstStyle/>
+          <a:p>
+            <a:r>
+              <a:rPr lang="zh-CN" altLang="en-US" b="1" dirty="0">
+                <a:latin typeface="宋体" panose="02010600030101010101" pitchFamily="2" charset="-122"/>
+                <a:ea typeface="宋体" panose="02010600030101010101" pitchFamily="2" charset="-122"/>
+              </a:rPr>
+              <a:t>    集成的</a:t>
+            </a:r>
+            <a:r>
+              <a:rPr lang="en-US" altLang="zh-CN" b="1" dirty="0">
+                <a:latin typeface="宋体" panose="02010600030101010101" pitchFamily="2" charset="-122"/>
+                <a:ea typeface="宋体" panose="02010600030101010101" pitchFamily="2" charset="-122"/>
+              </a:rPr>
+              <a:t>CIN</a:t>
+            </a:r>
+            <a:r>
+              <a:rPr lang="zh-CN" altLang="en-US" b="1" dirty="0">
+                <a:latin typeface="宋体" panose="02010600030101010101" pitchFamily="2" charset="-122"/>
+                <a:ea typeface="宋体" panose="02010600030101010101" pitchFamily="2" charset="-122"/>
+              </a:rPr>
+              <a:t>和</a:t>
+            </a:r>
+            <a:r>
+              <a:rPr lang="en-US" altLang="zh-CN" b="1" dirty="0">
+                <a:latin typeface="宋体" panose="02010600030101010101" pitchFamily="2" charset="-122"/>
+                <a:ea typeface="宋体" panose="02010600030101010101" pitchFamily="2" charset="-122"/>
+              </a:rPr>
+              <a:t>DNN</a:t>
+            </a:r>
+            <a:r>
+              <a:rPr lang="zh-CN" altLang="en-US" b="1" dirty="0">
+                <a:latin typeface="宋体" panose="02010600030101010101" pitchFamily="2" charset="-122"/>
+                <a:ea typeface="宋体" panose="02010600030101010101" pitchFamily="2" charset="-122"/>
+              </a:rPr>
+              <a:t>两个模块能够帮助模型同时以显式和隐式的方式学习高阶的特征交互，而集成的线性模块和深度神经模块也让模型兼具记忆与泛化的学习能力。</a:t>
+            </a:r>
+            <a:endParaRPr lang="en-US" altLang="zh-CN" b="1" dirty="0">
+              <a:latin typeface="宋体" panose="02010600030101010101" pitchFamily="2" charset="-122"/>
+              <a:ea typeface="宋体" panose="02010600030101010101" pitchFamily="2" charset="-122"/>
+            </a:endParaRPr>
+          </a:p>
+          <a:p>
+            <a:endParaRPr lang="en-US" altLang="zh-CN" dirty="0">
+              <a:latin typeface="宋体" panose="02010600030101010101" pitchFamily="2" charset="-122"/>
+              <a:ea typeface="宋体" panose="02010600030101010101" pitchFamily="2" charset="-122"/>
+            </a:endParaRPr>
+          </a:p>
+          <a:p>
+            <a:r>
+              <a:rPr lang="zh-CN" altLang="en-US" dirty="0">
+                <a:latin typeface="宋体" panose="02010600030101010101" pitchFamily="2" charset="-122"/>
+                <a:ea typeface="宋体" panose="02010600030101010101" pitchFamily="2" charset="-122"/>
+              </a:rPr>
+              <a:t>    值得一提的是，为了提高模型的通用性</a:t>
+            </a:r>
+            <a:r>
+              <a:rPr lang="en-US" altLang="zh-CN" dirty="0">
+                <a:latin typeface="宋体" panose="02010600030101010101" pitchFamily="2" charset="-122"/>
+                <a:ea typeface="宋体" panose="02010600030101010101" pitchFamily="2" charset="-122"/>
+              </a:rPr>
+              <a:t>,xDeepFM</a:t>
+            </a:r>
+            <a:r>
+              <a:rPr lang="zh-CN" altLang="en-US" dirty="0">
+                <a:latin typeface="宋体" panose="02010600030101010101" pitchFamily="2" charset="-122"/>
+                <a:ea typeface="宋体" panose="02010600030101010101" pitchFamily="2" charset="-122"/>
+              </a:rPr>
+              <a:t>中不同的模块共享相同的输入数据。而在具体的应用场景下，不同的模块也可以接入各自不同的输入数据，例如，线性模块中依旧可以接入很多根据先验知识提取的交叉特征来提高记忆能力，而在</a:t>
+            </a:r>
+            <a:r>
+              <a:rPr lang="en-US" altLang="zh-CN" dirty="0">
+                <a:latin typeface="宋体" panose="02010600030101010101" pitchFamily="2" charset="-122"/>
+                <a:ea typeface="宋体" panose="02010600030101010101" pitchFamily="2" charset="-122"/>
+              </a:rPr>
+              <a:t>CIN</a:t>
+            </a:r>
+            <a:r>
+              <a:rPr lang="zh-CN" altLang="en-US" dirty="0">
+                <a:latin typeface="宋体" panose="02010600030101010101" pitchFamily="2" charset="-122"/>
+                <a:ea typeface="宋体" panose="02010600030101010101" pitchFamily="2" charset="-122"/>
+              </a:rPr>
+              <a:t>或者</a:t>
+            </a:r>
+            <a:r>
+              <a:rPr lang="en-US" altLang="zh-CN" dirty="0">
+                <a:latin typeface="宋体" panose="02010600030101010101" pitchFamily="2" charset="-122"/>
+                <a:ea typeface="宋体" panose="02010600030101010101" pitchFamily="2" charset="-122"/>
+              </a:rPr>
+              <a:t>DNN</a:t>
+            </a:r>
+            <a:r>
+              <a:rPr lang="zh-CN" altLang="en-US" dirty="0">
+                <a:latin typeface="宋体" panose="02010600030101010101" pitchFamily="2" charset="-122"/>
+                <a:ea typeface="宋体" panose="02010600030101010101" pitchFamily="2" charset="-122"/>
+              </a:rPr>
+              <a:t>中，为了减少模型的计算复杂度，可以只导入一部分稀疏的特征子集。</a:t>
+            </a:r>
+          </a:p>
+        </p:txBody>
+      </p:sp>
+      <p:sp>
+        <p:nvSpPr>
+          <p:cNvPr id="6" name="矩形: 圆角 5">
+            <a:extLst>
+              <a:ext uri="{FF2B5EF4-FFF2-40B4-BE49-F238E27FC236}">
+                <a16:creationId xmlns:a16="http://schemas.microsoft.com/office/drawing/2014/main" id="{2AF0C1B9-2133-4A37-909F-065F98A58EEB}"/>
+              </a:ext>
+            </a:extLst>
+          </p:cNvPr>
+          <p:cNvSpPr/>
+          <p:nvPr/>
+        </p:nvSpPr>
+        <p:spPr>
+          <a:xfrm>
+            <a:off x="661307" y="253093"/>
+            <a:ext cx="2612572" cy="685801"/>
+          </a:xfrm>
+          <a:prstGeom prst="roundRect">
+            <a:avLst/>
+          </a:prstGeom>
+        </p:spPr>
+        <p:style>
+          <a:lnRef idx="2">
+            <a:schemeClr val="accent1">
+              <a:shade val="50000"/>
+            </a:schemeClr>
+          </a:lnRef>
+          <a:fillRef idx="1">
+            <a:schemeClr val="accent1"/>
+          </a:fillRef>
+          <a:effectRef idx="0">
+            <a:schemeClr val="accent1"/>
+          </a:effectRef>
+          <a:fontRef idx="minor">
+            <a:schemeClr val="lt1"/>
+          </a:fontRef>
+        </p:style>
+        <p:txBody>
+          <a:bodyPr rtlCol="0" anchor="ctr"/>
+          <a:lstStyle/>
+          <a:p>
+            <a:pPr algn="ctr"/>
+            <a:r>
+              <a:rPr lang="en-US" altLang="zh-CN" sz="2000" b="1" dirty="0"/>
+              <a:t>xDeepFM</a:t>
+            </a:r>
+            <a:r>
+              <a:rPr lang="zh-CN" altLang="en-US" sz="2000" b="1" dirty="0"/>
+              <a:t>模型</a:t>
+            </a:r>
+            <a:endParaRPr lang="zh-CN" altLang="en-US" sz="2000" dirty="0"/>
+          </a:p>
+        </p:txBody>
+      </p:sp>
     </p:spTree>
     <p:extLst>
       <p:ext uri="{BB962C8B-B14F-4D97-AF65-F5344CB8AC3E}">
-        <p14:creationId xmlns:p14="http://schemas.microsoft.com/office/powerpoint/2010/main" val="2640311660"/>
+        <p14:creationId xmlns:p14="http://schemas.microsoft.com/office/powerpoint/2010/main" val="914554120"/>
       </p:ext>
     </p:extLst>
   </p:cSld>
@@ -2730,10 +3046,60 @@
       </p:grpSpPr>
       <p:sp>
         <p:nvSpPr>
-          <p:cNvPr id="2" name="文本框 1">
+          <p:cNvPr id="2" name="矩形: 圆角 1">
             <a:extLst>
               <a:ext uri="{FF2B5EF4-FFF2-40B4-BE49-F238E27FC236}">
-                <a16:creationId xmlns:a16="http://schemas.microsoft.com/office/drawing/2014/main" id="{DDAB0FE8-8504-43C0-86D3-F1CA90030D8D}"/>
+                <a16:creationId xmlns:a16="http://schemas.microsoft.com/office/drawing/2014/main" id="{9B744106-28B1-49FE-B587-766E36831040}"/>
+              </a:ext>
+            </a:extLst>
+          </p:cNvPr>
+          <p:cNvSpPr/>
+          <p:nvPr/>
+        </p:nvSpPr>
+        <p:spPr>
+          <a:xfrm>
+            <a:off x="636815" y="293914"/>
+            <a:ext cx="1314450" cy="498022"/>
+          </a:xfrm>
+          <a:prstGeom prst="roundRect">
+            <a:avLst/>
+          </a:prstGeom>
+        </p:spPr>
+        <p:style>
+          <a:lnRef idx="2">
+            <a:schemeClr val="accent1">
+              <a:shade val="50000"/>
+            </a:schemeClr>
+          </a:lnRef>
+          <a:fillRef idx="1">
+            <a:schemeClr val="accent1"/>
+          </a:fillRef>
+          <a:effectRef idx="0">
+            <a:schemeClr val="accent1"/>
+          </a:effectRef>
+          <a:fontRef idx="minor">
+            <a:schemeClr val="lt1"/>
+          </a:fontRef>
+        </p:style>
+        <p:txBody>
+          <a:bodyPr rtlCol="0" anchor="ctr"/>
+          <a:lstStyle/>
+          <a:p>
+            <a:pPr algn="ctr"/>
+            <a:r>
+              <a:rPr lang="zh-CN" altLang="en-US" b="1" dirty="0"/>
+              <a:t>实验结果</a:t>
+            </a:r>
+            <a:endParaRPr lang="zh-CN" altLang="en-US" dirty="0"/>
+          </a:p>
+        </p:txBody>
+      </p:sp>
+      <p:sp>
+        <p:nvSpPr>
+          <p:cNvPr id="3" name="文本框 2">
+            <a:extLst>
+              <a:ext uri="{FF2B5EF4-FFF2-40B4-BE49-F238E27FC236}">
+                <a16:creationId xmlns:a16="http://schemas.microsoft.com/office/drawing/2014/main" id="{BE62400E-4345-4138-8C3B-222DDCDEE8EA}"/>
               </a:ext>
             </a:extLst>
           </p:cNvPr>
@@ -2742,8 +3108,8 @@
         </p:nvSpPr>
         <p:spPr>
           <a:xfrm>
-            <a:off x="625150" y="634484"/>
-            <a:ext cx="6550091" cy="461665"/>
+            <a:off x="636815" y="1306286"/>
+            <a:ext cx="10379527" cy="1477328"/>
           </a:xfrm>
           <a:prstGeom prst="rect">
             <a:avLst/>
@@ -2756,141 +3122,160 @@
           </a:bodyPr>
           <a:lstStyle/>
           <a:p>
-            <a:pPr marL="342900" indent="-342900">
-              <a:buFont typeface="Wingdings" panose="05000000000000000000" pitchFamily="2" charset="2"/>
-              <a:buChar char="l"/>
-            </a:pPr>
-            <a:r>
-              <a:rPr lang="zh-CN" altLang="en-US" sz="2400" dirty="0"/>
-              <a:t>基于深层语义相似性模型</a:t>
-            </a:r>
-            <a:r>
-              <a:rPr lang="en-US" altLang="zh-CN" sz="2400" dirty="0"/>
-              <a:t>(DSSM)</a:t>
-            </a:r>
-            <a:r>
-              <a:rPr lang="zh-CN" altLang="en-US" sz="2400" dirty="0"/>
-              <a:t>的推荐系统</a:t>
-            </a:r>
-            <a:endParaRPr lang="en-US" altLang="zh-CN" sz="2400" dirty="0"/>
-          </a:p>
-        </p:txBody>
-      </p:sp>
-      <p:sp>
-        <p:nvSpPr>
-          <p:cNvPr id="3" name="文本框 2">
-            <a:extLst>
-              <a:ext uri="{FF2B5EF4-FFF2-40B4-BE49-F238E27FC236}">
-                <a16:creationId xmlns:a16="http://schemas.microsoft.com/office/drawing/2014/main" id="{6714C99D-67E7-400A-B08F-5E8C1F111F19}"/>
-              </a:ext>
-            </a:extLst>
-          </p:cNvPr>
-          <p:cNvSpPr txBox="1"/>
-          <p:nvPr/>
-        </p:nvSpPr>
-        <p:spPr>
-          <a:xfrm>
-            <a:off x="951093" y="1621874"/>
-            <a:ext cx="8712642" cy="923330"/>
-          </a:xfrm>
-          <a:prstGeom prst="rect">
-            <a:avLst/>
-          </a:prstGeom>
-          <a:noFill/>
-        </p:spPr>
-        <p:txBody>
-          <a:bodyPr wrap="none" rtlCol="0">
-            <a:spAutoFit/>
-          </a:bodyPr>
-          <a:lstStyle/>
-          <a:p>
-            <a:r>
-              <a:rPr lang="zh-CN" altLang="en-US" dirty="0"/>
-              <a:t>深层语义相似度模型被广泛用于信息检索领域。</a:t>
-            </a:r>
-            <a:endParaRPr lang="en-US" altLang="zh-CN" dirty="0"/>
-          </a:p>
-          <a:p>
-            <a:r>
-              <a:rPr lang="zh-CN" altLang="en-US" dirty="0"/>
-              <a:t>它将不同的条目映射进共同的低维空间，用</a:t>
-            </a:r>
-            <a:r>
-              <a:rPr lang="en-US" altLang="zh-CN" dirty="0"/>
-              <a:t>Cosine</a:t>
-            </a:r>
-            <a:r>
-              <a:rPr lang="zh-CN" altLang="en-US" dirty="0"/>
-              <a:t>函数计算他们的相似度。</a:t>
-            </a:r>
-            <a:endParaRPr lang="en-US" altLang="zh-CN" dirty="0"/>
-          </a:p>
-          <a:p>
-            <a:r>
-              <a:rPr lang="zh-CN" altLang="en-US" dirty="0"/>
-              <a:t>基本的</a:t>
-            </a:r>
-            <a:r>
-              <a:rPr lang="en-US" altLang="zh-CN" dirty="0"/>
-              <a:t>DSSM</a:t>
-            </a:r>
-            <a:r>
-              <a:rPr lang="zh-CN" altLang="en-US" dirty="0"/>
-              <a:t>由</a:t>
-            </a:r>
-            <a:r>
-              <a:rPr lang="en-US" altLang="zh-CN" dirty="0"/>
-              <a:t>MLP</a:t>
-            </a:r>
-            <a:r>
-              <a:rPr lang="zh-CN" altLang="en-US" dirty="0"/>
-              <a:t>组成，卷积和池化层也可以很容易的加入以实现更复杂的功能。</a:t>
-            </a:r>
-          </a:p>
-        </p:txBody>
-      </p:sp>
-      <p:sp>
-        <p:nvSpPr>
-          <p:cNvPr id="8" name="AutoShape 2" descr="https://img-blog.csdn.net/20171204173707812?watermark/2/text/aHR0cDovL2Jsb2cuY3Nkbi5uZXQvY3NreXdpdA==/font/5a6L5L2T/fontsize/400/fill/I0JBQkFCMA==/dissolve/70/gravity/Center">
-            <a:extLst>
-              <a:ext uri="{FF2B5EF4-FFF2-40B4-BE49-F238E27FC236}">
-                <a16:creationId xmlns:a16="http://schemas.microsoft.com/office/drawing/2014/main" id="{0AB325FB-3B56-439D-9987-C7500E6CB8C1}"/>
-              </a:ext>
-            </a:extLst>
-          </p:cNvPr>
-          <p:cNvSpPr>
-            <a:spLocks noChangeAspect="1" noChangeArrowheads="1"/>
-          </p:cNvSpPr>
-          <p:nvPr/>
-        </p:nvSpPr>
-        <p:spPr bwMode="auto">
-          <a:xfrm>
-            <a:off x="5943600" y="3079102"/>
-            <a:ext cx="304800" cy="502298"/>
-          </a:xfrm>
-          <a:prstGeom prst="rect">
-            <a:avLst/>
-          </a:prstGeom>
-          <a:noFill/>
-          <a:extLst>
-            <a:ext uri="{909E8E84-426E-40DD-AFC4-6F175D3DCCD1}">
-              <a14:hiddenFill xmlns:a14="http://schemas.microsoft.com/office/drawing/2010/main">
+            <a:r>
+              <a:rPr lang="zh-CN" altLang="en-US" dirty="0">
+                <a:latin typeface="宋体" panose="02010600030101010101" pitchFamily="2" charset="-122"/>
+                <a:ea typeface="宋体" panose="02010600030101010101" pitchFamily="2" charset="-122"/>
+              </a:rPr>
+              <a:t>    作者在</a:t>
+            </a:r>
+            <a:r>
+              <a:rPr lang="en-US" altLang="zh-CN" b="1" dirty="0">
                 <a:solidFill>
-                  <a:srgbClr val="FFFFFF"/>
+                  <a:srgbClr val="FF0000"/>
                 </a:solidFill>
-              </a14:hiddenFill>
-            </a:ext>
-          </a:extLst>
-        </p:spPr>
-        <p:txBody>
-          <a:bodyPr vert="horz" wrap="square" lIns="91440" tIns="45720" rIns="91440" bIns="45720" numCol="1" anchor="t" anchorCtr="0" compatLnSpc="1">
-            <a:prstTxWarp prst="textNoShape">
-              <a:avLst/>
-            </a:prstTxWarp>
-          </a:bodyPr>
-          <a:lstStyle/>
-          <a:p>
-            <a:endParaRPr lang="zh-CN" altLang="en-US"/>
+                <a:latin typeface="宋体" panose="02010600030101010101" pitchFamily="2" charset="-122"/>
+                <a:ea typeface="宋体" panose="02010600030101010101" pitchFamily="2" charset="-122"/>
+              </a:rPr>
+              <a:t>Criteo</a:t>
+            </a:r>
+            <a:r>
+              <a:rPr lang="zh-CN" altLang="en-US" b="1" dirty="0">
+                <a:solidFill>
+                  <a:srgbClr val="FF0000"/>
+                </a:solidFill>
+                <a:latin typeface="宋体" panose="02010600030101010101" pitchFamily="2" charset="-122"/>
+                <a:ea typeface="宋体" panose="02010600030101010101" pitchFamily="2" charset="-122"/>
+              </a:rPr>
+              <a:t>、大众点评和必应新闻</a:t>
+            </a:r>
+            <a:r>
+              <a:rPr lang="zh-CN" altLang="en-US" dirty="0">
+                <a:latin typeface="宋体" panose="02010600030101010101" pitchFamily="2" charset="-122"/>
+                <a:ea typeface="宋体" panose="02010600030101010101" pitchFamily="2" charset="-122"/>
+              </a:rPr>
+              <a:t>等三个数据集上对上述模型进行评测，这三个数据集分别对应广告推荐、餐馆推荐和新闻推荐等不同的应用场景。所采用的</a:t>
+            </a:r>
+            <a:r>
+              <a:rPr lang="zh-CN" altLang="en-US" b="1" dirty="0">
+                <a:solidFill>
+                  <a:srgbClr val="FF0000"/>
+                </a:solidFill>
+                <a:latin typeface="宋体" panose="02010600030101010101" pitchFamily="2" charset="-122"/>
+                <a:ea typeface="宋体" panose="02010600030101010101" pitchFamily="2" charset="-122"/>
+              </a:rPr>
+              <a:t>评测指标为</a:t>
+            </a:r>
+            <a:r>
+              <a:rPr lang="en-US" altLang="zh-CN" b="1" dirty="0">
+                <a:solidFill>
+                  <a:srgbClr val="FF0000"/>
+                </a:solidFill>
+                <a:latin typeface="宋体" panose="02010600030101010101" pitchFamily="2" charset="-122"/>
+                <a:ea typeface="宋体" panose="02010600030101010101" pitchFamily="2" charset="-122"/>
+              </a:rPr>
+              <a:t>AUC</a:t>
+            </a:r>
+            <a:r>
+              <a:rPr lang="zh-CN" altLang="en-US" b="1" dirty="0">
+                <a:solidFill>
+                  <a:srgbClr val="FF0000"/>
+                </a:solidFill>
+                <a:latin typeface="宋体" panose="02010600030101010101" pitchFamily="2" charset="-122"/>
+                <a:ea typeface="宋体" panose="02010600030101010101" pitchFamily="2" charset="-122"/>
+              </a:rPr>
+              <a:t>和</a:t>
+            </a:r>
+            <a:r>
+              <a:rPr lang="en-US" altLang="zh-CN" b="1" dirty="0">
+                <a:solidFill>
+                  <a:srgbClr val="FF0000"/>
+                </a:solidFill>
+                <a:latin typeface="宋体" panose="02010600030101010101" pitchFamily="2" charset="-122"/>
+                <a:ea typeface="宋体" panose="02010600030101010101" pitchFamily="2" charset="-122"/>
+              </a:rPr>
+              <a:t>LogLoss</a:t>
+            </a:r>
+            <a:r>
+              <a:rPr lang="zh-CN" altLang="en-US" dirty="0">
+                <a:latin typeface="宋体" panose="02010600030101010101" pitchFamily="2" charset="-122"/>
+                <a:ea typeface="宋体" panose="02010600030101010101" pitchFamily="2" charset="-122"/>
+              </a:rPr>
+              <a:t>。我们将</a:t>
+            </a:r>
+            <a:r>
+              <a:rPr lang="en-US" altLang="zh-CN" dirty="0">
+                <a:latin typeface="宋体" panose="02010600030101010101" pitchFamily="2" charset="-122"/>
+                <a:ea typeface="宋体" panose="02010600030101010101" pitchFamily="2" charset="-122"/>
+              </a:rPr>
+              <a:t>xDeepFM</a:t>
+            </a:r>
+            <a:r>
+              <a:rPr lang="zh-CN" altLang="en-US" dirty="0">
+                <a:latin typeface="宋体" panose="02010600030101010101" pitchFamily="2" charset="-122"/>
+                <a:ea typeface="宋体" panose="02010600030101010101" pitchFamily="2" charset="-122"/>
+              </a:rPr>
+              <a:t>与多种当前主流的深度推荐模型进行对比，结果如表所示。在三个数据集上，</a:t>
+            </a:r>
+            <a:r>
+              <a:rPr lang="en-US" altLang="zh-CN" dirty="0">
+                <a:latin typeface="宋体" panose="02010600030101010101" pitchFamily="2" charset="-122"/>
+                <a:ea typeface="宋体" panose="02010600030101010101" pitchFamily="2" charset="-122"/>
+              </a:rPr>
+              <a:t>xDeepFM</a:t>
+            </a:r>
+            <a:r>
+              <a:rPr lang="zh-CN" altLang="en-US" dirty="0">
+                <a:latin typeface="宋体" panose="02010600030101010101" pitchFamily="2" charset="-122"/>
+                <a:ea typeface="宋体" panose="02010600030101010101" pitchFamily="2" charset="-122"/>
+              </a:rPr>
+              <a:t>模型在</a:t>
+            </a:r>
+            <a:r>
+              <a:rPr lang="en-US" altLang="zh-CN" dirty="0">
+                <a:latin typeface="宋体" panose="02010600030101010101" pitchFamily="2" charset="-122"/>
+                <a:ea typeface="宋体" panose="02010600030101010101" pitchFamily="2" charset="-122"/>
+              </a:rPr>
+              <a:t>AUC</a:t>
+            </a:r>
+            <a:r>
+              <a:rPr lang="zh-CN" altLang="en-US" dirty="0">
+                <a:latin typeface="宋体" panose="02010600030101010101" pitchFamily="2" charset="-122"/>
+                <a:ea typeface="宋体" panose="02010600030101010101" pitchFamily="2" charset="-122"/>
+              </a:rPr>
+              <a:t>和</a:t>
+            </a:r>
+            <a:r>
+              <a:rPr lang="en-US" altLang="zh-CN" dirty="0">
+                <a:latin typeface="宋体" panose="02010600030101010101" pitchFamily="2" charset="-122"/>
+                <a:ea typeface="宋体" panose="02010600030101010101" pitchFamily="2" charset="-122"/>
+              </a:rPr>
+              <a:t>LogLoss</a:t>
+            </a:r>
+            <a:r>
+              <a:rPr lang="zh-CN" altLang="en-US" dirty="0">
+                <a:latin typeface="宋体" panose="02010600030101010101" pitchFamily="2" charset="-122"/>
+                <a:ea typeface="宋体" panose="02010600030101010101" pitchFamily="2" charset="-122"/>
+              </a:rPr>
+              <a:t>上均超过了其它基准模型。这说明，</a:t>
+            </a:r>
+            <a:r>
+              <a:rPr lang="zh-CN" altLang="en-US" b="1" dirty="0">
+                <a:solidFill>
+                  <a:srgbClr val="FF0000"/>
+                </a:solidFill>
+                <a:latin typeface="宋体" panose="02010600030101010101" pitchFamily="2" charset="-122"/>
+                <a:ea typeface="宋体" panose="02010600030101010101" pitchFamily="2" charset="-122"/>
+              </a:rPr>
+              <a:t>结合显式和隐式的特征交互能够有效提高推荐系统的准确性</a:t>
+            </a:r>
+            <a:r>
+              <a:rPr lang="zh-CN" altLang="en-US" dirty="0">
+                <a:latin typeface="宋体" panose="02010600030101010101" pitchFamily="2" charset="-122"/>
+                <a:ea typeface="宋体" panose="02010600030101010101" pitchFamily="2" charset="-122"/>
+              </a:rPr>
+              <a:t>。</a:t>
+            </a:r>
           </a:p>
         </p:txBody>
       </p:sp>
@@ -2899,7 +3284,7 @@
           <p:cNvPr id="4" name="图片 3">
             <a:extLst>
               <a:ext uri="{FF2B5EF4-FFF2-40B4-BE49-F238E27FC236}">
-                <a16:creationId xmlns:a16="http://schemas.microsoft.com/office/drawing/2014/main" id="{FEE298E9-028E-4F12-893D-6C877B8B2026}"/>
+                <a16:creationId xmlns:a16="http://schemas.microsoft.com/office/drawing/2014/main" id="{D1EA390C-0403-4E06-81CB-9A223C3F9966}"/>
               </a:ext>
             </a:extLst>
           </p:cNvPr>
@@ -2916,8 +3301,8 @@
         </p:blipFill>
         <p:spPr>
           <a:xfrm>
-            <a:off x="805604" y="2935557"/>
-            <a:ext cx="10275992" cy="3243360"/>
+            <a:off x="353599" y="2957142"/>
+            <a:ext cx="11484801" cy="3105150"/>
           </a:xfrm>
           <a:prstGeom prst="rect">
             <a:avLst/>
@@ -2927,7 +3312,7 @@
     </p:spTree>
     <p:extLst>
       <p:ext uri="{BB962C8B-B14F-4D97-AF65-F5344CB8AC3E}">
-        <p14:creationId xmlns:p14="http://schemas.microsoft.com/office/powerpoint/2010/main" val="3531663293"/>
+        <p14:creationId xmlns:p14="http://schemas.microsoft.com/office/powerpoint/2010/main" val="3353151546"/>
       </p:ext>
     </p:extLst>
   </p:cSld>
@@ -2959,7 +3344,7 @@
           <p:cNvPr id="2" name="文本框 1">
             <a:extLst>
               <a:ext uri="{FF2B5EF4-FFF2-40B4-BE49-F238E27FC236}">
-                <a16:creationId xmlns:a16="http://schemas.microsoft.com/office/drawing/2014/main" id="{DDAB0FE8-8504-43C0-86D3-F1CA90030D8D}"/>
+                <a16:creationId xmlns:a16="http://schemas.microsoft.com/office/drawing/2014/main" id="{BD041402-C623-43F9-B325-6CBA5F3B1FE9}"/>
               </a:ext>
             </a:extLst>
           </p:cNvPr>
@@ -2968,8 +3353,8 @@
         </p:nvSpPr>
         <p:spPr>
           <a:xfrm>
-            <a:off x="625150" y="634484"/>
-            <a:ext cx="5887617" cy="461665"/>
+            <a:off x="555171" y="1087997"/>
+            <a:ext cx="11081656" cy="1200329"/>
           </a:xfrm>
           <a:prstGeom prst="rect">
             <a:avLst/>
@@ -2982,77 +3367,165 @@
           </a:bodyPr>
           <a:lstStyle/>
           <a:p>
-            <a:pPr marL="342900" indent="-342900">
-              <a:buFont typeface="Wingdings" panose="05000000000000000000" pitchFamily="2" charset="2"/>
-              <a:buChar char="l"/>
-            </a:pPr>
-            <a:r>
-              <a:rPr lang="zh-CN" altLang="en-US" sz="2400" dirty="0"/>
-              <a:t>基于受限波尔茨曼机</a:t>
-            </a:r>
-            <a:r>
-              <a:rPr lang="en-US" altLang="zh-CN" sz="2400" dirty="0"/>
-              <a:t>(RBM)</a:t>
-            </a:r>
-            <a:r>
-              <a:rPr lang="zh-CN" altLang="en-US" sz="2400" dirty="0"/>
-              <a:t>的推荐系统</a:t>
-            </a:r>
-            <a:endParaRPr lang="en-US" altLang="zh-CN" sz="2400" dirty="0"/>
-          </a:p>
-        </p:txBody>
-      </p:sp>
-      <p:sp>
-        <p:nvSpPr>
-          <p:cNvPr id="8" name="AutoShape 2" descr="https://img-blog.csdn.net/20171204173707812?watermark/2/text/aHR0cDovL2Jsb2cuY3Nkbi5uZXQvY3NreXdpdA==/font/5a6L5L2T/fontsize/400/fill/I0JBQkFCMA==/dissolve/70/gravity/Center">
+            <a:r>
+              <a:rPr lang="zh-CN" altLang="en-US" dirty="0">
+                <a:latin typeface="宋体" panose="02010600030101010101" pitchFamily="2" charset="-122"/>
+                <a:ea typeface="宋体" panose="02010600030101010101" pitchFamily="2" charset="-122"/>
+              </a:rPr>
+              <a:t>    同时，作者还</a:t>
+            </a:r>
+            <a:r>
+              <a:rPr lang="zh-CN" altLang="en-US" b="1" dirty="0">
+                <a:solidFill>
+                  <a:srgbClr val="FF0000"/>
+                </a:solidFill>
+                <a:latin typeface="宋体" panose="02010600030101010101" pitchFamily="2" charset="-122"/>
+                <a:ea typeface="宋体" panose="02010600030101010101" pitchFamily="2" charset="-122"/>
+              </a:rPr>
+              <a:t>关注不同的基本单元模型的学习能力</a:t>
+            </a:r>
+            <a:r>
+              <a:rPr lang="zh-CN" altLang="en-US" dirty="0">
+                <a:latin typeface="宋体" panose="02010600030101010101" pitchFamily="2" charset="-122"/>
+                <a:ea typeface="宋体" panose="02010600030101010101" pitchFamily="2" charset="-122"/>
+              </a:rPr>
+              <a:t>。作者对比了</a:t>
+            </a:r>
+            <a:r>
+              <a:rPr lang="en-US" altLang="zh-CN" dirty="0">
+                <a:latin typeface="宋体" panose="02010600030101010101" pitchFamily="2" charset="-122"/>
+                <a:ea typeface="宋体" panose="02010600030101010101" pitchFamily="2" charset="-122"/>
+              </a:rPr>
+              <a:t>FM</a:t>
+            </a:r>
+            <a:r>
+              <a:rPr lang="zh-CN" altLang="en-US" dirty="0">
+                <a:latin typeface="宋体" panose="02010600030101010101" pitchFamily="2" charset="-122"/>
+                <a:ea typeface="宋体" panose="02010600030101010101" pitchFamily="2" charset="-122"/>
+              </a:rPr>
+              <a:t>、</a:t>
+            </a:r>
+            <a:r>
+              <a:rPr lang="en-US" altLang="zh-CN" dirty="0">
+                <a:latin typeface="宋体" panose="02010600030101010101" pitchFamily="2" charset="-122"/>
+                <a:ea typeface="宋体" panose="02010600030101010101" pitchFamily="2" charset="-122"/>
+              </a:rPr>
+              <a:t>DNN</a:t>
+            </a:r>
+            <a:r>
+              <a:rPr lang="zh-CN" altLang="en-US" dirty="0">
+                <a:latin typeface="宋体" panose="02010600030101010101" pitchFamily="2" charset="-122"/>
+                <a:ea typeface="宋体" panose="02010600030101010101" pitchFamily="2" charset="-122"/>
+              </a:rPr>
+              <a:t>、</a:t>
+            </a:r>
+            <a:r>
+              <a:rPr lang="en-US" altLang="zh-CN" dirty="0">
+                <a:latin typeface="宋体" panose="02010600030101010101" pitchFamily="2" charset="-122"/>
+                <a:ea typeface="宋体" panose="02010600030101010101" pitchFamily="2" charset="-122"/>
+              </a:rPr>
+              <a:t>CrossNet</a:t>
+            </a:r>
+            <a:r>
+              <a:rPr lang="zh-CN" altLang="en-US" dirty="0">
+                <a:latin typeface="宋体" panose="02010600030101010101" pitchFamily="2" charset="-122"/>
+                <a:ea typeface="宋体" panose="02010600030101010101" pitchFamily="2" charset="-122"/>
+              </a:rPr>
+              <a:t>和</a:t>
+            </a:r>
+            <a:r>
+              <a:rPr lang="en-US" altLang="zh-CN" dirty="0">
+                <a:latin typeface="宋体" panose="02010600030101010101" pitchFamily="2" charset="-122"/>
+                <a:ea typeface="宋体" panose="02010600030101010101" pitchFamily="2" charset="-122"/>
+              </a:rPr>
+              <a:t>CIN</a:t>
+            </a:r>
+            <a:r>
+              <a:rPr lang="zh-CN" altLang="en-US" dirty="0">
+                <a:latin typeface="宋体" panose="02010600030101010101" pitchFamily="2" charset="-122"/>
+                <a:ea typeface="宋体" panose="02010600030101010101" pitchFamily="2" charset="-122"/>
+              </a:rPr>
+              <a:t>在三个数据集上单独学习的结果，它们分别对应只有二阶特征交互、隐式特征交互、特殊的显式特征交互和基于向量的显式特征交互模式。实验结果如表所示。</a:t>
+            </a:r>
+            <a:r>
+              <a:rPr lang="zh-CN" altLang="en-US" b="1" dirty="0">
+                <a:latin typeface="宋体" panose="02010600030101010101" pitchFamily="2" charset="-122"/>
+                <a:ea typeface="宋体" panose="02010600030101010101" pitchFamily="2" charset="-122"/>
+              </a:rPr>
+              <a:t>在</a:t>
+            </a:r>
+            <a:r>
+              <a:rPr lang="en-US" altLang="zh-CN" b="1" dirty="0">
+                <a:latin typeface="宋体" panose="02010600030101010101" pitchFamily="2" charset="-122"/>
+                <a:ea typeface="宋体" panose="02010600030101010101" pitchFamily="2" charset="-122"/>
+              </a:rPr>
+              <a:t>Criteo</a:t>
+            </a:r>
+            <a:r>
+              <a:rPr lang="zh-CN" altLang="en-US" b="1" dirty="0">
+                <a:latin typeface="宋体" panose="02010600030101010101" pitchFamily="2" charset="-122"/>
+                <a:ea typeface="宋体" panose="02010600030101010101" pitchFamily="2" charset="-122"/>
+              </a:rPr>
+              <a:t>上，</a:t>
+            </a:r>
+            <a:r>
+              <a:rPr lang="en-US" altLang="zh-CN" b="1" dirty="0">
+                <a:latin typeface="宋体" panose="02010600030101010101" pitchFamily="2" charset="-122"/>
+                <a:ea typeface="宋体" panose="02010600030101010101" pitchFamily="2" charset="-122"/>
+              </a:rPr>
+              <a:t>CIN</a:t>
+            </a:r>
+            <a:r>
+              <a:rPr lang="zh-CN" altLang="en-US" b="1" dirty="0">
+                <a:latin typeface="宋体" panose="02010600030101010101" pitchFamily="2" charset="-122"/>
+                <a:ea typeface="宋体" panose="02010600030101010101" pitchFamily="2" charset="-122"/>
+              </a:rPr>
+              <a:t>和</a:t>
+            </a:r>
+            <a:r>
+              <a:rPr lang="en-US" altLang="zh-CN" b="1" dirty="0">
+                <a:latin typeface="宋体" panose="02010600030101010101" pitchFamily="2" charset="-122"/>
+                <a:ea typeface="宋体" panose="02010600030101010101" pitchFamily="2" charset="-122"/>
+              </a:rPr>
+              <a:t>DNN</a:t>
+            </a:r>
+            <a:r>
+              <a:rPr lang="zh-CN" altLang="en-US" b="1" dirty="0">
+                <a:latin typeface="宋体" panose="02010600030101010101" pitchFamily="2" charset="-122"/>
+                <a:ea typeface="宋体" panose="02010600030101010101" pitchFamily="2" charset="-122"/>
+              </a:rPr>
+              <a:t>的表现比较接近，而在大众点评和必应新闻数据集上，</a:t>
+            </a:r>
+            <a:r>
+              <a:rPr lang="en-US" altLang="zh-CN" b="1" dirty="0">
+                <a:latin typeface="宋体" panose="02010600030101010101" pitchFamily="2" charset="-122"/>
+                <a:ea typeface="宋体" panose="02010600030101010101" pitchFamily="2" charset="-122"/>
+              </a:rPr>
+              <a:t>CIN</a:t>
+            </a:r>
+            <a:r>
+              <a:rPr lang="zh-CN" altLang="en-US" b="1" dirty="0">
+                <a:latin typeface="宋体" panose="02010600030101010101" pitchFamily="2" charset="-122"/>
+                <a:ea typeface="宋体" panose="02010600030101010101" pitchFamily="2" charset="-122"/>
+              </a:rPr>
+              <a:t>比其它三个单元模型表现的要好</a:t>
+            </a:r>
+            <a:r>
+              <a:rPr lang="zh-CN" altLang="en-US" dirty="0">
+                <a:latin typeface="宋体" panose="02010600030101010101" pitchFamily="2" charset="-122"/>
+                <a:ea typeface="宋体" panose="02010600030101010101" pitchFamily="2" charset="-122"/>
+              </a:rPr>
+              <a:t>。</a:t>
+            </a:r>
+          </a:p>
+        </p:txBody>
+      </p:sp>
+      <p:pic>
+        <p:nvPicPr>
+          <p:cNvPr id="3" name="图片 2">
             <a:extLst>
               <a:ext uri="{FF2B5EF4-FFF2-40B4-BE49-F238E27FC236}">
-                <a16:creationId xmlns:a16="http://schemas.microsoft.com/office/drawing/2014/main" id="{0AB325FB-3B56-439D-9987-C7500E6CB8C1}"/>
-              </a:ext>
-            </a:extLst>
-          </p:cNvPr>
-          <p:cNvSpPr>
-            <a:spLocks noChangeAspect="1" noChangeArrowheads="1"/>
-          </p:cNvSpPr>
-          <p:nvPr/>
-        </p:nvSpPr>
-        <p:spPr bwMode="auto">
-          <a:xfrm>
-            <a:off x="5943600" y="3079102"/>
-            <a:ext cx="304800" cy="502298"/>
-          </a:xfrm>
-          <a:prstGeom prst="rect">
-            <a:avLst/>
-          </a:prstGeom>
-          <a:noFill/>
-          <a:extLst>
-            <a:ext uri="{909E8E84-426E-40DD-AFC4-6F175D3DCCD1}">
-              <a14:hiddenFill xmlns:a14="http://schemas.microsoft.com/office/drawing/2010/main">
-                <a:solidFill>
-                  <a:srgbClr val="FFFFFF"/>
-                </a:solidFill>
-              </a14:hiddenFill>
-            </a:ext>
-          </a:extLst>
-        </p:spPr>
-        <p:txBody>
-          <a:bodyPr vert="horz" wrap="square" lIns="91440" tIns="45720" rIns="91440" bIns="45720" numCol="1" anchor="t" anchorCtr="0" compatLnSpc="1">
-            <a:prstTxWarp prst="textNoShape">
-              <a:avLst/>
-            </a:prstTxWarp>
-          </a:bodyPr>
-          <a:lstStyle/>
-          <a:p>
-            <a:endParaRPr lang="zh-CN" altLang="en-US"/>
-          </a:p>
-        </p:txBody>
-      </p:sp>
-      <p:pic>
-        <p:nvPicPr>
-          <p:cNvPr id="5" name="图片 4">
-            <a:extLst>
-              <a:ext uri="{FF2B5EF4-FFF2-40B4-BE49-F238E27FC236}">
-                <a16:creationId xmlns:a16="http://schemas.microsoft.com/office/drawing/2014/main" id="{8B866AE7-BC77-4E23-8D3D-3CEB6CDA7601}"/>
+                <a16:creationId xmlns:a16="http://schemas.microsoft.com/office/drawing/2014/main" id="{4CF73F51-5F60-463B-B08A-59BD00D03992}"/>
               </a:ext>
             </a:extLst>
           </p:cNvPr>
@@ -3069,18 +3542,68 @@
         </p:blipFill>
         <p:spPr>
           <a:xfrm>
-            <a:off x="875356" y="1789136"/>
-            <a:ext cx="10746087" cy="3584528"/>
+            <a:off x="4100511" y="2388450"/>
+            <a:ext cx="3990975" cy="4362450"/>
           </a:xfrm>
           <a:prstGeom prst="rect">
             <a:avLst/>
           </a:prstGeom>
         </p:spPr>
       </p:pic>
+      <p:sp>
+        <p:nvSpPr>
+          <p:cNvPr id="4" name="矩形: 圆角 3">
+            <a:extLst>
+              <a:ext uri="{FF2B5EF4-FFF2-40B4-BE49-F238E27FC236}">
+                <a16:creationId xmlns:a16="http://schemas.microsoft.com/office/drawing/2014/main" id="{70113A2C-7D2F-4DC2-A3D3-9348657E3AD4}"/>
+              </a:ext>
+            </a:extLst>
+          </p:cNvPr>
+          <p:cNvSpPr/>
+          <p:nvPr/>
+        </p:nvSpPr>
+        <p:spPr>
+          <a:xfrm>
+            <a:off x="636815" y="293914"/>
+            <a:ext cx="1314450" cy="498022"/>
+          </a:xfrm>
+          <a:prstGeom prst="roundRect">
+            <a:avLst/>
+          </a:prstGeom>
+        </p:spPr>
+        <p:style>
+          <a:lnRef idx="2">
+            <a:schemeClr val="accent1">
+              <a:shade val="50000"/>
+            </a:schemeClr>
+          </a:lnRef>
+          <a:fillRef idx="1">
+            <a:schemeClr val="accent1"/>
+          </a:fillRef>
+          <a:effectRef idx="0">
+            <a:schemeClr val="accent1"/>
+          </a:effectRef>
+          <a:fontRef idx="minor">
+            <a:schemeClr val="lt1"/>
+          </a:fontRef>
+        </p:style>
+        <p:txBody>
+          <a:bodyPr rtlCol="0" anchor="ctr"/>
+          <a:lstStyle/>
+          <a:p>
+            <a:pPr algn="ctr"/>
+            <a:r>
+              <a:rPr lang="zh-CN" altLang="en-US" b="1" dirty="0"/>
+              <a:t>实验结果</a:t>
+            </a:r>
+            <a:endParaRPr lang="zh-CN" altLang="en-US" dirty="0"/>
+          </a:p>
+        </p:txBody>
+      </p:sp>
     </p:spTree>
     <p:extLst>
       <p:ext uri="{BB962C8B-B14F-4D97-AF65-F5344CB8AC3E}">
-        <p14:creationId xmlns:p14="http://schemas.microsoft.com/office/powerpoint/2010/main" val="2934059853"/>
+        <p14:creationId xmlns:p14="http://schemas.microsoft.com/office/powerpoint/2010/main" val="441908850"/>
       </p:ext>
     </p:extLst>
   </p:cSld>
@@ -3112,7 +3635,7 @@
           <p:cNvPr id="2" name="文本框 1">
             <a:extLst>
               <a:ext uri="{FF2B5EF4-FFF2-40B4-BE49-F238E27FC236}">
-                <a16:creationId xmlns:a16="http://schemas.microsoft.com/office/drawing/2014/main" id="{DDAB0FE8-8504-43C0-86D3-F1CA90030D8D}"/>
+                <a16:creationId xmlns:a16="http://schemas.microsoft.com/office/drawing/2014/main" id="{99D9AA6F-3590-49E3-ADFC-9A9E469A01E8}"/>
               </a:ext>
             </a:extLst>
           </p:cNvPr>
@@ -3121,8 +3644,8 @@
         </p:nvSpPr>
         <p:spPr>
           <a:xfrm>
-            <a:off x="625150" y="634484"/>
-            <a:ext cx="9778483" cy="461665"/>
+            <a:off x="910318" y="1133604"/>
+            <a:ext cx="10948305" cy="1200329"/>
           </a:xfrm>
           <a:prstGeom prst="rect">
             <a:avLst/>
@@ -3135,76 +3658,44 @@
           </a:bodyPr>
           <a:lstStyle/>
           <a:p>
-            <a:pPr marL="342900" indent="-342900">
-              <a:buFont typeface="Wingdings" panose="05000000000000000000" pitchFamily="2" charset="2"/>
-              <a:buChar char="l"/>
-            </a:pPr>
-            <a:r>
-              <a:rPr lang="zh-CN" altLang="en-US" sz="2400" dirty="0"/>
-              <a:t>基于神经自回归分布估计</a:t>
-            </a:r>
-            <a:r>
-              <a:rPr lang="en-US" altLang="zh-CN" sz="2400" dirty="0"/>
-              <a:t>(NADE)</a:t>
-            </a:r>
-            <a:r>
-              <a:rPr lang="zh-CN" altLang="en-US" sz="2400" dirty="0"/>
-              <a:t>和生成式对抗网络</a:t>
-            </a:r>
-            <a:r>
-              <a:rPr lang="en-US" altLang="zh-CN" sz="2400" dirty="0"/>
-              <a:t>(GAN)</a:t>
-            </a:r>
-            <a:r>
-              <a:rPr lang="zh-CN" altLang="en-US" sz="2400" dirty="0"/>
-              <a:t>的推荐系统</a:t>
-            </a:r>
-            <a:endParaRPr lang="en-US" altLang="zh-CN" sz="2400" dirty="0"/>
-          </a:p>
-        </p:txBody>
-      </p:sp>
-      <p:sp>
-        <p:nvSpPr>
-          <p:cNvPr id="8" name="AutoShape 2" descr="https://img-blog.csdn.net/20171204173707812?watermark/2/text/aHR0cDovL2Jsb2cuY3Nkbi5uZXQvY3NreXdpdA==/font/5a6L5L2T/fontsize/400/fill/I0JBQkFCMA==/dissolve/70/gravity/Center">
-            <a:extLst>
-              <a:ext uri="{FF2B5EF4-FFF2-40B4-BE49-F238E27FC236}">
-                <a16:creationId xmlns:a16="http://schemas.microsoft.com/office/drawing/2014/main" id="{0AB325FB-3B56-439D-9987-C7500E6CB8C1}"/>
-              </a:ext>
-            </a:extLst>
-          </p:cNvPr>
-          <p:cNvSpPr>
-            <a:spLocks noChangeAspect="1" noChangeArrowheads="1"/>
-          </p:cNvSpPr>
-          <p:nvPr/>
-        </p:nvSpPr>
-        <p:spPr bwMode="auto">
-          <a:xfrm>
-            <a:off x="5943600" y="3079102"/>
-            <a:ext cx="304800" cy="502298"/>
-          </a:xfrm>
-          <a:prstGeom prst="rect">
-            <a:avLst/>
-          </a:prstGeom>
-          <a:noFill/>
-          <a:extLst>
-            <a:ext uri="{909E8E84-426E-40DD-AFC4-6F175D3DCCD1}">
-              <a14:hiddenFill xmlns:a14="http://schemas.microsoft.com/office/drawing/2010/main">
+            <a:r>
+              <a:rPr lang="zh-CN" altLang="en-US" dirty="0">
+                <a:latin typeface="宋体" panose="02010600030101010101" pitchFamily="2" charset="-122"/>
+                <a:ea typeface="宋体" panose="02010600030101010101" pitchFamily="2" charset="-122"/>
+              </a:rPr>
+              <a:t>    除此之外，作者还</a:t>
+            </a:r>
+            <a:r>
+              <a:rPr lang="zh-CN" altLang="en-US" b="1" dirty="0">
                 <a:solidFill>
-                  <a:srgbClr val="FFFFFF"/>
+                  <a:srgbClr val="FF0000"/>
                 </a:solidFill>
-              </a14:hiddenFill>
-            </a:ext>
-          </a:extLst>
-        </p:spPr>
-        <p:txBody>
-          <a:bodyPr vert="horz" wrap="square" lIns="91440" tIns="45720" rIns="91440" bIns="45720" numCol="1" anchor="t" anchorCtr="0" compatLnSpc="1">
-            <a:prstTxWarp prst="textNoShape">
-              <a:avLst/>
-            </a:prstTxWarp>
-          </a:bodyPr>
-          <a:lstStyle/>
-          <a:p>
-            <a:endParaRPr lang="zh-CN" altLang="en-US"/>
+                <a:latin typeface="宋体" panose="02010600030101010101" pitchFamily="2" charset="-122"/>
+                <a:ea typeface="宋体" panose="02010600030101010101" pitchFamily="2" charset="-122"/>
+              </a:rPr>
+              <a:t>探讨了神经网络中的超参数对模型的影响</a:t>
+            </a:r>
+            <a:r>
+              <a:rPr lang="zh-CN" altLang="en-US" dirty="0">
+                <a:latin typeface="宋体" panose="02010600030101010101" pitchFamily="2" charset="-122"/>
+                <a:ea typeface="宋体" panose="02010600030101010101" pitchFamily="2" charset="-122"/>
+              </a:rPr>
+              <a:t>，例如网络的深度、网络的宽度以及激活函数的选取等等。值得一提的是，目前最优的网络结构并不需要做到很深，通常在</a:t>
+            </a:r>
+            <a:r>
+              <a:rPr lang="en-US" altLang="zh-CN" dirty="0">
+                <a:latin typeface="宋体" panose="02010600030101010101" pitchFamily="2" charset="-122"/>
+                <a:ea typeface="宋体" panose="02010600030101010101" pitchFamily="2" charset="-122"/>
+              </a:rPr>
+              <a:t>3</a:t>
+            </a:r>
+            <a:r>
+              <a:rPr lang="zh-CN" altLang="en-US" dirty="0">
+                <a:latin typeface="宋体" panose="02010600030101010101" pitchFamily="2" charset="-122"/>
+                <a:ea typeface="宋体" panose="02010600030101010101" pitchFamily="2" charset="-122"/>
+              </a:rPr>
+              <a:t>层左右即可，原因可能是现实环境中需要的有效特征交互阶数本质上并不高，也有可能是神经网络的优化方法还不足以训练出良好的更深层次的网络。</a:t>
+            </a:r>
           </a:p>
         </p:txBody>
       </p:sp>
@@ -3213,7 +3704,7 @@
           <p:cNvPr id="3" name="图片 2">
             <a:extLst>
               <a:ext uri="{FF2B5EF4-FFF2-40B4-BE49-F238E27FC236}">
-                <a16:creationId xmlns:a16="http://schemas.microsoft.com/office/drawing/2014/main" id="{6301C4A9-6018-44F3-A381-18472CCED516}"/>
+                <a16:creationId xmlns:a16="http://schemas.microsoft.com/office/drawing/2014/main" id="{99F74024-45E5-49D5-AA74-114F847ACB0D}"/>
               </a:ext>
             </a:extLst>
           </p:cNvPr>
@@ -3230,18 +3721,98 @@
         </p:blipFill>
         <p:spPr>
           <a:xfrm>
-            <a:off x="802432" y="1530482"/>
-            <a:ext cx="10587135" cy="4431461"/>
+            <a:off x="413180" y="2675601"/>
+            <a:ext cx="5415986" cy="3192414"/>
           </a:xfrm>
           <a:prstGeom prst="rect">
             <a:avLst/>
           </a:prstGeom>
         </p:spPr>
       </p:pic>
+      <p:pic>
+        <p:nvPicPr>
+          <p:cNvPr id="4" name="图片 3">
+            <a:extLst>
+              <a:ext uri="{FF2B5EF4-FFF2-40B4-BE49-F238E27FC236}">
+                <a16:creationId xmlns:a16="http://schemas.microsoft.com/office/drawing/2014/main" id="{1CA5EF17-E7D0-4EEC-A751-05CF75CB5A8C}"/>
+              </a:ext>
+            </a:extLst>
+          </p:cNvPr>
+          <p:cNvPicPr>
+            <a:picLocks noChangeAspect="1"/>
+          </p:cNvPicPr>
+          <p:nvPr/>
+        </p:nvPicPr>
+        <p:blipFill>
+          <a:blip r:embed="rId3"/>
+          <a:stretch>
+            <a:fillRect/>
+          </a:stretch>
+        </p:blipFill>
+        <p:spPr>
+          <a:xfrm>
+            <a:off x="6362836" y="2675601"/>
+            <a:ext cx="5394349" cy="3223453"/>
+          </a:xfrm>
+          <a:prstGeom prst="rect">
+            <a:avLst/>
+          </a:prstGeom>
+        </p:spPr>
+      </p:pic>
+      <p:sp>
+        <p:nvSpPr>
+          <p:cNvPr id="5" name="矩形: 圆角 4">
+            <a:extLst>
+              <a:ext uri="{FF2B5EF4-FFF2-40B4-BE49-F238E27FC236}">
+                <a16:creationId xmlns:a16="http://schemas.microsoft.com/office/drawing/2014/main" id="{C641286E-4F6F-48B7-8986-1FF6863D639C}"/>
+              </a:ext>
+            </a:extLst>
+          </p:cNvPr>
+          <p:cNvSpPr/>
+          <p:nvPr/>
+        </p:nvSpPr>
+        <p:spPr>
+          <a:xfrm>
+            <a:off x="636815" y="293914"/>
+            <a:ext cx="1314450" cy="498022"/>
+          </a:xfrm>
+          <a:prstGeom prst="roundRect">
+            <a:avLst/>
+          </a:prstGeom>
+        </p:spPr>
+        <p:style>
+          <a:lnRef idx="2">
+            <a:schemeClr val="accent1">
+              <a:shade val="50000"/>
+            </a:schemeClr>
+          </a:lnRef>
+          <a:fillRef idx="1">
+            <a:schemeClr val="accent1"/>
+          </a:fillRef>
+          <a:effectRef idx="0">
+            <a:schemeClr val="accent1"/>
+          </a:effectRef>
+          <a:fontRef idx="minor">
+            <a:schemeClr val="lt1"/>
+          </a:fontRef>
+        </p:style>
+        <p:txBody>
+          <a:bodyPr rtlCol="0" anchor="ctr"/>
+          <a:lstStyle/>
+          <a:p>
+            <a:pPr algn="ctr"/>
+            <a:r>
+              <a:rPr lang="zh-CN" altLang="en-US" b="1" dirty="0"/>
+              <a:t>实验结果</a:t>
+            </a:r>
+            <a:endParaRPr lang="zh-CN" altLang="en-US" dirty="0"/>
+          </a:p>
+        </p:txBody>
+      </p:sp>
     </p:spTree>
     <p:extLst>
       <p:ext uri="{BB962C8B-B14F-4D97-AF65-F5344CB8AC3E}">
-        <p14:creationId xmlns:p14="http://schemas.microsoft.com/office/powerpoint/2010/main" val="1502624375"/>
+        <p14:creationId xmlns:p14="http://schemas.microsoft.com/office/powerpoint/2010/main" val="1464443121"/>
       </p:ext>
     </p:extLst>
   </p:cSld>
@@ -3270,10 +3841,10 @@
       </p:grpSpPr>
       <p:sp>
         <p:nvSpPr>
-          <p:cNvPr id="2" name="文本框 1">
+          <p:cNvPr id="3" name="文本框 2">
             <a:extLst>
               <a:ext uri="{FF2B5EF4-FFF2-40B4-BE49-F238E27FC236}">
-                <a16:creationId xmlns:a16="http://schemas.microsoft.com/office/drawing/2014/main" id="{DDAB0FE8-8504-43C0-86D3-F1CA90030D8D}"/>
+                <a16:creationId xmlns:a16="http://schemas.microsoft.com/office/drawing/2014/main" id="{F7562D4A-AEF7-4657-A54C-7167269C3902}"/>
               </a:ext>
             </a:extLst>
           </p:cNvPr>
@@ -3282,8 +3853,8 @@
         </p:nvSpPr>
         <p:spPr>
           <a:xfrm>
-            <a:off x="625150" y="634484"/>
-            <a:ext cx="5159829" cy="461665"/>
+            <a:off x="636815" y="1450522"/>
+            <a:ext cx="2056973" cy="369332"/>
           </a:xfrm>
           <a:prstGeom prst="rect">
             <a:avLst/>
@@ -3291,99 +3862,71 @@
           <a:noFill/>
         </p:spPr>
         <p:txBody>
-          <a:bodyPr wrap="square" rtlCol="0">
-            <a:spAutoFit/>
-          </a:bodyPr>
-          <a:lstStyle/>
-          <a:p>
-            <a:pPr marL="342900" indent="-342900">
-              <a:buFont typeface="Wingdings" panose="05000000000000000000" pitchFamily="2" charset="2"/>
-              <a:buChar char="l"/>
-            </a:pPr>
-            <a:r>
-              <a:rPr lang="zh-CN" altLang="en-US" sz="2400" dirty="0"/>
-              <a:t>基于混合模型的推荐系统</a:t>
-            </a:r>
-            <a:endParaRPr lang="en-US" altLang="zh-CN" sz="2400" dirty="0"/>
-          </a:p>
-        </p:txBody>
-      </p:sp>
-      <p:sp>
-        <p:nvSpPr>
-          <p:cNvPr id="8" name="AutoShape 2" descr="https://img-blog.csdn.net/20171204173707812?watermark/2/text/aHR0cDovL2Jsb2cuY3Nkbi5uZXQvY3NreXdpdA==/font/5a6L5L2T/fontsize/400/fill/I0JBQkFCMA==/dissolve/70/gravity/Center">
-            <a:extLst>
-              <a:ext uri="{FF2B5EF4-FFF2-40B4-BE49-F238E27FC236}">
-                <a16:creationId xmlns:a16="http://schemas.microsoft.com/office/drawing/2014/main" id="{0AB325FB-3B56-439D-9987-C7500E6CB8C1}"/>
-              </a:ext>
-            </a:extLst>
-          </p:cNvPr>
-          <p:cNvSpPr>
-            <a:spLocks noChangeAspect="1" noChangeArrowheads="1"/>
-          </p:cNvSpPr>
-          <p:nvPr/>
-        </p:nvSpPr>
-        <p:spPr bwMode="auto">
-          <a:xfrm>
-            <a:off x="5943600" y="3079102"/>
-            <a:ext cx="304800" cy="502298"/>
-          </a:xfrm>
-          <a:prstGeom prst="rect">
-            <a:avLst/>
-          </a:prstGeom>
-          <a:noFill/>
-          <a:extLst>
-            <a:ext uri="{909E8E84-426E-40DD-AFC4-6F175D3DCCD1}">
-              <a14:hiddenFill xmlns:a14="http://schemas.microsoft.com/office/drawing/2010/main">
-                <a:solidFill>
-                  <a:srgbClr val="FFFFFF"/>
-                </a:solidFill>
-              </a14:hiddenFill>
-            </a:ext>
-          </a:extLst>
-        </p:spPr>
-        <p:txBody>
-          <a:bodyPr vert="horz" wrap="square" lIns="91440" tIns="45720" rIns="91440" bIns="45720" numCol="1" anchor="t" anchorCtr="0" compatLnSpc="1">
-            <a:prstTxWarp prst="textNoShape">
-              <a:avLst/>
-            </a:prstTxWarp>
-          </a:bodyPr>
-          <a:lstStyle/>
-          <a:p>
-            <a:endParaRPr lang="zh-CN" altLang="en-US"/>
-          </a:p>
-        </p:txBody>
-      </p:sp>
-      <p:sp>
-        <p:nvSpPr>
-          <p:cNvPr id="4" name="文本框 3">
-            <a:extLst>
-              <a:ext uri="{FF2B5EF4-FFF2-40B4-BE49-F238E27FC236}">
-                <a16:creationId xmlns:a16="http://schemas.microsoft.com/office/drawing/2014/main" id="{06D3A2B1-9134-4324-9747-CABB9F093EDB}"/>
-              </a:ext>
-            </a:extLst>
-          </p:cNvPr>
-          <p:cNvSpPr txBox="1"/>
-          <p:nvPr/>
-        </p:nvSpPr>
-        <p:spPr>
-          <a:xfrm>
-            <a:off x="1017037" y="1576874"/>
-            <a:ext cx="3416320" cy="369332"/>
-          </a:xfrm>
-          <a:prstGeom prst="rect">
-            <a:avLst/>
-          </a:prstGeom>
-          <a:noFill/>
-        </p:spPr>
-        <p:txBody>
           <a:bodyPr wrap="none" rtlCol="0">
             <a:spAutoFit/>
           </a:bodyPr>
           <a:lstStyle/>
           <a:p>
             <a:r>
+              <a:rPr lang="en-US" altLang="zh-CN" dirty="0"/>
+              <a:t>1.</a:t>
+            </a:r>
+            <a:r>
               <a:rPr lang="zh-CN" altLang="en-US" dirty="0"/>
-              <a:t>同时使用多种以上模型进行推荐</a:t>
+              <a:t> 计算复杂度偏高</a:t>
+            </a:r>
+          </a:p>
+        </p:txBody>
+      </p:sp>
+      <p:sp>
+        <p:nvSpPr>
+          <p:cNvPr id="4" name="矩形: 圆角 3">
+            <a:extLst>
+              <a:ext uri="{FF2B5EF4-FFF2-40B4-BE49-F238E27FC236}">
+                <a16:creationId xmlns:a16="http://schemas.microsoft.com/office/drawing/2014/main" id="{7A30E719-0C16-4287-A1B6-1618DB733BCC}"/>
+              </a:ext>
+            </a:extLst>
+          </p:cNvPr>
+          <p:cNvSpPr/>
+          <p:nvPr/>
+        </p:nvSpPr>
+        <p:spPr>
+          <a:xfrm>
+            <a:off x="636815" y="236763"/>
+            <a:ext cx="2277835" cy="685801"/>
+          </a:xfrm>
+          <a:prstGeom prst="roundRect">
+            <a:avLst/>
+          </a:prstGeom>
+        </p:spPr>
+        <p:style>
+          <a:lnRef idx="2">
+            <a:schemeClr val="accent1">
+              <a:shade val="50000"/>
+            </a:schemeClr>
+          </a:lnRef>
+          <a:fillRef idx="1">
+            <a:schemeClr val="accent1"/>
+          </a:fillRef>
+          <a:effectRef idx="0">
+            <a:schemeClr val="accent1"/>
+          </a:effectRef>
+          <a:fontRef idx="minor">
+            <a:schemeClr val="lt1"/>
+          </a:fontRef>
+        </p:style>
+        <p:txBody>
+          <a:bodyPr rtlCol="0" anchor="ctr"/>
+          <a:lstStyle/>
+          <a:p>
+            <a:pPr algn="ctr"/>
+            <a:r>
+              <a:rPr lang="zh-CN" altLang="en-US" b="1" dirty="0">
+                <a:solidFill>
+                  <a:schemeClr val="bg1"/>
+                </a:solidFill>
+              </a:rPr>
+              <a:t>该模型存在的问题</a:t>
             </a:r>
           </a:p>
         </p:txBody>
@@ -3391,7 +3934,7 @@
     </p:spTree>
     <p:extLst>
       <p:ext uri="{BB962C8B-B14F-4D97-AF65-F5344CB8AC3E}">
-        <p14:creationId xmlns:p14="http://schemas.microsoft.com/office/powerpoint/2010/main" val="1530817141"/>
+        <p14:creationId xmlns:p14="http://schemas.microsoft.com/office/powerpoint/2010/main" val="1843427802"/>
       </p:ext>
     </p:extLst>
   </p:cSld>
@@ -3420,10 +3963,10 @@
       </p:grpSpPr>
       <p:sp>
         <p:nvSpPr>
-          <p:cNvPr id="4" name="文本框 3">
+          <p:cNvPr id="3" name="文本框 2">
             <a:extLst>
               <a:ext uri="{FF2B5EF4-FFF2-40B4-BE49-F238E27FC236}">
-                <a16:creationId xmlns:a16="http://schemas.microsoft.com/office/drawing/2014/main" id="{2EA04F05-E280-456D-B6F3-2AC3B5D9E43E}"/>
+                <a16:creationId xmlns:a16="http://schemas.microsoft.com/office/drawing/2014/main" id="{CFC23CAF-9C81-40C5-9C5C-71FE847A16E4}"/>
               </a:ext>
             </a:extLst>
           </p:cNvPr>
@@ -3432,8 +3975,8 @@
         </p:nvSpPr>
         <p:spPr>
           <a:xfrm>
-            <a:off x="3657599" y="1063689"/>
-            <a:ext cx="4493538" cy="523220"/>
+            <a:off x="3466682" y="2705725"/>
+            <a:ext cx="6179736" cy="1446550"/>
           </a:xfrm>
           <a:prstGeom prst="rect">
             <a:avLst/>
@@ -3441,1542 +3984,26 @@
           <a:noFill/>
         </p:spPr>
         <p:txBody>
-          <a:bodyPr wrap="none" rtlCol="0">
-            <a:spAutoFit/>
-          </a:bodyPr>
-          <a:lstStyle/>
-          <a:p>
-            <a:pPr algn="ctr"/>
-            <a:r>
-              <a:rPr lang="zh-CN" altLang="en-US" sz="2800" dirty="0">
-                <a:solidFill>
-                  <a:srgbClr val="00B050"/>
-                </a:solidFill>
-                <a:latin typeface="华文彩云" panose="02010800040101010101" pitchFamily="2" charset="-122"/>
-                <a:ea typeface="华文彩云" panose="02010800040101010101" pitchFamily="2" charset="-122"/>
-              </a:rPr>
-              <a:t>推荐系统的评价</a:t>
-            </a:r>
-            <a:r>
-              <a:rPr lang="zh-CN" altLang="en-US" sz="2800" dirty="0">
-                <a:solidFill>
-                  <a:srgbClr val="C00000"/>
-                </a:solidFill>
-                <a:latin typeface="华文彩云" panose="02010800040101010101" pitchFamily="2" charset="-122"/>
-                <a:ea typeface="华文彩云" panose="02010800040101010101" pitchFamily="2" charset="-122"/>
-              </a:rPr>
-              <a:t>方法</a:t>
-            </a:r>
-            <a:r>
-              <a:rPr lang="zh-CN" altLang="en-US" sz="2800" dirty="0">
-                <a:solidFill>
-                  <a:srgbClr val="00B050"/>
-                </a:solidFill>
-                <a:latin typeface="华文彩云" panose="02010800040101010101" pitchFamily="2" charset="-122"/>
-                <a:ea typeface="华文彩云" panose="02010800040101010101" pitchFamily="2" charset="-122"/>
-              </a:rPr>
-              <a:t>和</a:t>
-            </a:r>
-            <a:r>
-              <a:rPr lang="zh-CN" altLang="en-US" sz="2800" dirty="0">
-                <a:solidFill>
-                  <a:srgbClr val="C00000"/>
-                </a:solidFill>
-                <a:latin typeface="华文彩云" panose="02010800040101010101" pitchFamily="2" charset="-122"/>
-                <a:ea typeface="华文彩云" panose="02010800040101010101" pitchFamily="2" charset="-122"/>
-              </a:rPr>
-              <a:t>指标</a:t>
-            </a:r>
-          </a:p>
-        </p:txBody>
-      </p:sp>
-      <p:sp>
-        <p:nvSpPr>
-          <p:cNvPr id="5" name="矩形: 圆角 4">
-            <a:extLst>
-              <a:ext uri="{FF2B5EF4-FFF2-40B4-BE49-F238E27FC236}">
-                <a16:creationId xmlns:a16="http://schemas.microsoft.com/office/drawing/2014/main" id="{453C9BB8-FA5E-4C99-8928-2E68E15F57D4}"/>
-              </a:ext>
-            </a:extLst>
-          </p:cNvPr>
-          <p:cNvSpPr/>
-          <p:nvPr/>
-        </p:nvSpPr>
-        <p:spPr>
-          <a:xfrm>
-            <a:off x="1567542" y="3191069"/>
-            <a:ext cx="1194318" cy="475861"/>
-          </a:xfrm>
-          <a:prstGeom prst="roundRect">
-            <a:avLst/>
-          </a:prstGeom>
-          <a:solidFill>
-            <a:srgbClr val="235787"/>
-          </a:solidFill>
-        </p:spPr>
-        <p:style>
-          <a:lnRef idx="2">
-            <a:schemeClr val="accent1">
-              <a:shade val="50000"/>
-            </a:schemeClr>
-          </a:lnRef>
-          <a:fillRef idx="1">
-            <a:schemeClr val="accent1"/>
-          </a:fillRef>
-          <a:effectRef idx="0">
-            <a:schemeClr val="accent1"/>
-          </a:effectRef>
-          <a:fontRef idx="minor">
-            <a:schemeClr val="lt1"/>
-          </a:fontRef>
-        </p:style>
-        <p:txBody>
-          <a:bodyPr rtlCol="0" anchor="ctr"/>
-          <a:lstStyle/>
-          <a:p>
-            <a:pPr algn="ctr"/>
-            <a:r>
-              <a:rPr lang="zh-CN" altLang="en-US" dirty="0"/>
-              <a:t>离线评测</a:t>
-            </a:r>
-          </a:p>
-        </p:txBody>
-      </p:sp>
-      <p:sp>
-        <p:nvSpPr>
-          <p:cNvPr id="6" name="矩形: 圆角 5">
-            <a:extLst>
-              <a:ext uri="{FF2B5EF4-FFF2-40B4-BE49-F238E27FC236}">
-                <a16:creationId xmlns:a16="http://schemas.microsoft.com/office/drawing/2014/main" id="{ED1A9CBC-7A91-4A61-B441-A13498FDDF57}"/>
-              </a:ext>
-            </a:extLst>
-          </p:cNvPr>
-          <p:cNvSpPr/>
-          <p:nvPr/>
-        </p:nvSpPr>
-        <p:spPr>
-          <a:xfrm>
-            <a:off x="3623387" y="3191069"/>
-            <a:ext cx="1194318" cy="475861"/>
-          </a:xfrm>
-          <a:prstGeom prst="roundRect">
-            <a:avLst/>
-          </a:prstGeom>
-          <a:solidFill>
-            <a:srgbClr val="235787"/>
-          </a:solidFill>
-        </p:spPr>
-        <p:style>
-          <a:lnRef idx="2">
-            <a:schemeClr val="accent1">
-              <a:shade val="50000"/>
-            </a:schemeClr>
-          </a:lnRef>
-          <a:fillRef idx="1">
-            <a:schemeClr val="accent1"/>
-          </a:fillRef>
-          <a:effectRef idx="0">
-            <a:schemeClr val="accent1"/>
-          </a:effectRef>
-          <a:fontRef idx="minor">
-            <a:schemeClr val="lt1"/>
-          </a:fontRef>
-        </p:style>
-        <p:txBody>
-          <a:bodyPr rtlCol="0" anchor="ctr"/>
-          <a:lstStyle/>
-          <a:p>
-            <a:pPr algn="ctr"/>
-            <a:r>
-              <a:rPr lang="zh-CN" altLang="en-US" dirty="0"/>
-              <a:t>在线评测</a:t>
-            </a:r>
-          </a:p>
-        </p:txBody>
-      </p:sp>
-      <p:sp>
-        <p:nvSpPr>
-          <p:cNvPr id="7" name="矩形: 圆角 6">
-            <a:extLst>
-              <a:ext uri="{FF2B5EF4-FFF2-40B4-BE49-F238E27FC236}">
-                <a16:creationId xmlns:a16="http://schemas.microsoft.com/office/drawing/2014/main" id="{D90F2B24-87BD-45CE-A356-9CEEE848F448}"/>
-              </a:ext>
-            </a:extLst>
-          </p:cNvPr>
-          <p:cNvSpPr/>
-          <p:nvPr/>
-        </p:nvSpPr>
-        <p:spPr>
-          <a:xfrm>
-            <a:off x="5607698" y="3191068"/>
-            <a:ext cx="1194318" cy="475861"/>
-          </a:xfrm>
-          <a:prstGeom prst="roundRect">
-            <a:avLst/>
-          </a:prstGeom>
-          <a:solidFill>
-            <a:srgbClr val="235787"/>
-          </a:solidFill>
-        </p:spPr>
-        <p:style>
-          <a:lnRef idx="2">
-            <a:schemeClr val="accent1">
-              <a:shade val="50000"/>
-            </a:schemeClr>
-          </a:lnRef>
-          <a:fillRef idx="1">
-            <a:schemeClr val="accent1"/>
-          </a:fillRef>
-          <a:effectRef idx="0">
-            <a:schemeClr val="accent1"/>
-          </a:effectRef>
-          <a:fontRef idx="minor">
-            <a:schemeClr val="lt1"/>
-          </a:fontRef>
-        </p:style>
-        <p:txBody>
-          <a:bodyPr rtlCol="0" anchor="ctr"/>
-          <a:lstStyle/>
-          <a:p>
-            <a:pPr algn="ctr"/>
-            <a:r>
-              <a:rPr lang="zh-CN" altLang="en-US" dirty="0"/>
-              <a:t>用户调研</a:t>
-            </a:r>
-          </a:p>
-        </p:txBody>
-      </p:sp>
-      <p:sp>
-        <p:nvSpPr>
-          <p:cNvPr id="8" name="矩形: 圆角 7">
-            <a:extLst>
-              <a:ext uri="{FF2B5EF4-FFF2-40B4-BE49-F238E27FC236}">
-                <a16:creationId xmlns:a16="http://schemas.microsoft.com/office/drawing/2014/main" id="{72767235-43C8-4E6D-88E9-6036C34D8205}"/>
-              </a:ext>
-            </a:extLst>
-          </p:cNvPr>
-          <p:cNvSpPr/>
-          <p:nvPr/>
-        </p:nvSpPr>
-        <p:spPr>
-          <a:xfrm>
-            <a:off x="7831494" y="3191068"/>
-            <a:ext cx="1194318" cy="475861"/>
-          </a:xfrm>
-          <a:prstGeom prst="roundRect">
-            <a:avLst/>
-          </a:prstGeom>
-          <a:solidFill>
-            <a:srgbClr val="235787"/>
-          </a:solidFill>
-        </p:spPr>
-        <p:style>
-          <a:lnRef idx="2">
-            <a:schemeClr val="accent1">
-              <a:shade val="50000"/>
-            </a:schemeClr>
-          </a:lnRef>
-          <a:fillRef idx="1">
-            <a:schemeClr val="accent1"/>
-          </a:fillRef>
-          <a:effectRef idx="0">
-            <a:schemeClr val="accent1"/>
-          </a:effectRef>
-          <a:fontRef idx="minor">
-            <a:schemeClr val="lt1"/>
-          </a:fontRef>
-        </p:style>
-        <p:txBody>
-          <a:bodyPr rtlCol="0" anchor="ctr"/>
-          <a:lstStyle/>
-          <a:p>
-            <a:pPr algn="ctr"/>
-            <a:r>
-              <a:rPr lang="zh-CN" altLang="en-US" dirty="0"/>
-              <a:t>准确度</a:t>
-            </a:r>
-          </a:p>
-        </p:txBody>
-      </p:sp>
-      <p:sp>
-        <p:nvSpPr>
-          <p:cNvPr id="9" name="矩形: 圆角 8">
-            <a:extLst>
-              <a:ext uri="{FF2B5EF4-FFF2-40B4-BE49-F238E27FC236}">
-                <a16:creationId xmlns:a16="http://schemas.microsoft.com/office/drawing/2014/main" id="{655BB4A1-1BD7-4C33-87DF-392D1173FFA1}"/>
-              </a:ext>
-            </a:extLst>
-          </p:cNvPr>
-          <p:cNvSpPr/>
-          <p:nvPr/>
-        </p:nvSpPr>
-        <p:spPr>
-          <a:xfrm>
-            <a:off x="9647854" y="3191068"/>
-            <a:ext cx="1194318" cy="475861"/>
-          </a:xfrm>
-          <a:prstGeom prst="roundRect">
-            <a:avLst/>
-          </a:prstGeom>
-          <a:solidFill>
-            <a:srgbClr val="235787"/>
-          </a:solidFill>
-        </p:spPr>
-        <p:style>
-          <a:lnRef idx="2">
-            <a:schemeClr val="accent1">
-              <a:shade val="50000"/>
-            </a:schemeClr>
-          </a:lnRef>
-          <a:fillRef idx="1">
-            <a:schemeClr val="accent1"/>
-          </a:fillRef>
-          <a:effectRef idx="0">
-            <a:schemeClr val="accent1"/>
-          </a:effectRef>
-          <a:fontRef idx="minor">
-            <a:schemeClr val="lt1"/>
-          </a:fontRef>
-        </p:style>
-        <p:txBody>
-          <a:bodyPr rtlCol="0" anchor="ctr"/>
-          <a:lstStyle/>
-          <a:p>
-            <a:pPr algn="ctr"/>
-            <a:r>
-              <a:rPr lang="zh-CN" altLang="en-US" dirty="0"/>
-              <a:t>可用性</a:t>
-            </a:r>
-          </a:p>
-        </p:txBody>
-      </p:sp>
-      <p:cxnSp>
-        <p:nvCxnSpPr>
-          <p:cNvPr id="11" name="直接箭头连接符 10">
-            <a:extLst>
-              <a:ext uri="{FF2B5EF4-FFF2-40B4-BE49-F238E27FC236}">
-                <a16:creationId xmlns:a16="http://schemas.microsoft.com/office/drawing/2014/main" id="{ACC71A40-0723-4C6F-BC2D-A9EA8198E9F5}"/>
-              </a:ext>
-            </a:extLst>
-          </p:cNvPr>
-          <p:cNvCxnSpPr>
-            <a:cxnSpLocks/>
-          </p:cNvCxnSpPr>
-          <p:nvPr/>
-        </p:nvCxnSpPr>
-        <p:spPr>
-          <a:xfrm flipH="1">
-            <a:off x="2341985" y="1586909"/>
-            <a:ext cx="4002831" cy="1482862"/>
-          </a:xfrm>
-          <a:prstGeom prst="straightConnector1">
-            <a:avLst/>
-          </a:prstGeom>
-          <a:ln>
-            <a:tailEnd type="triangle"/>
-          </a:ln>
-        </p:spPr>
-        <p:style>
-          <a:lnRef idx="1">
-            <a:schemeClr val="accent1"/>
-          </a:lnRef>
-          <a:fillRef idx="0">
-            <a:schemeClr val="accent1"/>
-          </a:fillRef>
-          <a:effectRef idx="0">
-            <a:schemeClr val="accent1"/>
-          </a:effectRef>
-          <a:fontRef idx="minor">
-            <a:schemeClr val="tx1"/>
-          </a:fontRef>
-        </p:style>
-      </p:cxnSp>
-      <p:cxnSp>
-        <p:nvCxnSpPr>
-          <p:cNvPr id="14" name="直接箭头连接符 13">
-            <a:extLst>
-              <a:ext uri="{FF2B5EF4-FFF2-40B4-BE49-F238E27FC236}">
-                <a16:creationId xmlns:a16="http://schemas.microsoft.com/office/drawing/2014/main" id="{15CA99FF-34FC-4E4B-8F51-4BFC2303E467}"/>
-              </a:ext>
-            </a:extLst>
-          </p:cNvPr>
-          <p:cNvCxnSpPr/>
-          <p:nvPr/>
-        </p:nvCxnSpPr>
-        <p:spPr>
-          <a:xfrm flipH="1">
-            <a:off x="4721290" y="1647557"/>
-            <a:ext cx="1623526" cy="1394223"/>
-          </a:xfrm>
-          <a:prstGeom prst="straightConnector1">
-            <a:avLst/>
-          </a:prstGeom>
-          <a:ln>
-            <a:tailEnd type="triangle"/>
-          </a:ln>
-        </p:spPr>
-        <p:style>
-          <a:lnRef idx="1">
-            <a:schemeClr val="accent1"/>
-          </a:lnRef>
-          <a:fillRef idx="0">
-            <a:schemeClr val="accent1"/>
-          </a:fillRef>
-          <a:effectRef idx="0">
-            <a:schemeClr val="accent1"/>
-          </a:effectRef>
-          <a:fontRef idx="minor">
-            <a:schemeClr val="tx1"/>
-          </a:fontRef>
-        </p:style>
-      </p:cxnSp>
-      <p:cxnSp>
-        <p:nvCxnSpPr>
-          <p:cNvPr id="16" name="直接箭头连接符 15">
-            <a:extLst>
-              <a:ext uri="{FF2B5EF4-FFF2-40B4-BE49-F238E27FC236}">
-                <a16:creationId xmlns:a16="http://schemas.microsoft.com/office/drawing/2014/main" id="{E833A274-9FF7-4D62-9BC7-4B55F2BC764A}"/>
-              </a:ext>
-            </a:extLst>
-          </p:cNvPr>
-          <p:cNvCxnSpPr/>
-          <p:nvPr/>
-        </p:nvCxnSpPr>
-        <p:spPr>
-          <a:xfrm flipH="1">
-            <a:off x="6279502" y="1631228"/>
-            <a:ext cx="223935" cy="1438543"/>
-          </a:xfrm>
-          <a:prstGeom prst="straightConnector1">
-            <a:avLst/>
-          </a:prstGeom>
-          <a:ln>
-            <a:tailEnd type="triangle"/>
-          </a:ln>
-        </p:spPr>
-        <p:style>
-          <a:lnRef idx="1">
-            <a:schemeClr val="accent1"/>
-          </a:lnRef>
-          <a:fillRef idx="0">
-            <a:schemeClr val="accent1"/>
-          </a:fillRef>
-          <a:effectRef idx="0">
-            <a:schemeClr val="accent1"/>
-          </a:effectRef>
-          <a:fontRef idx="minor">
-            <a:schemeClr val="tx1"/>
-          </a:fontRef>
-        </p:style>
-      </p:cxnSp>
-      <p:cxnSp>
-        <p:nvCxnSpPr>
-          <p:cNvPr id="18" name="直接箭头连接符 17">
-            <a:extLst>
-              <a:ext uri="{FF2B5EF4-FFF2-40B4-BE49-F238E27FC236}">
-                <a16:creationId xmlns:a16="http://schemas.microsoft.com/office/drawing/2014/main" id="{1FB64224-8FC3-4567-8E35-5C2B658B6BB4}"/>
-              </a:ext>
-            </a:extLst>
-          </p:cNvPr>
-          <p:cNvCxnSpPr/>
-          <p:nvPr/>
-        </p:nvCxnSpPr>
-        <p:spPr>
-          <a:xfrm>
-            <a:off x="7557796" y="1586909"/>
-            <a:ext cx="1045028" cy="1370895"/>
-          </a:xfrm>
-          <a:prstGeom prst="straightConnector1">
-            <a:avLst/>
-          </a:prstGeom>
-          <a:ln>
-            <a:tailEnd type="triangle"/>
-          </a:ln>
-        </p:spPr>
-        <p:style>
-          <a:lnRef idx="1">
-            <a:schemeClr val="accent1"/>
-          </a:lnRef>
-          <a:fillRef idx="0">
-            <a:schemeClr val="accent1"/>
-          </a:fillRef>
-          <a:effectRef idx="0">
-            <a:schemeClr val="accent1"/>
-          </a:effectRef>
-          <a:fontRef idx="minor">
-            <a:schemeClr val="tx1"/>
-          </a:fontRef>
-        </p:style>
-      </p:cxnSp>
-      <p:cxnSp>
-        <p:nvCxnSpPr>
-          <p:cNvPr id="20" name="直接箭头连接符 19">
-            <a:extLst>
-              <a:ext uri="{FF2B5EF4-FFF2-40B4-BE49-F238E27FC236}">
-                <a16:creationId xmlns:a16="http://schemas.microsoft.com/office/drawing/2014/main" id="{426FA2C3-00F5-4CB2-8A4F-053EBA4B456D}"/>
-              </a:ext>
-            </a:extLst>
-          </p:cNvPr>
-          <p:cNvCxnSpPr/>
-          <p:nvPr/>
-        </p:nvCxnSpPr>
-        <p:spPr>
-          <a:xfrm>
-            <a:off x="7707934" y="1586909"/>
-            <a:ext cx="2313144" cy="1454871"/>
-          </a:xfrm>
-          <a:prstGeom prst="straightConnector1">
-            <a:avLst/>
-          </a:prstGeom>
-          <a:ln>
-            <a:tailEnd type="triangle"/>
-          </a:ln>
-        </p:spPr>
-        <p:style>
-          <a:lnRef idx="1">
-            <a:schemeClr val="accent1"/>
-          </a:lnRef>
-          <a:fillRef idx="0">
-            <a:schemeClr val="accent1"/>
-          </a:fillRef>
-          <a:effectRef idx="0">
-            <a:schemeClr val="accent1"/>
-          </a:effectRef>
-          <a:fontRef idx="minor">
-            <a:schemeClr val="tx1"/>
-          </a:fontRef>
-        </p:style>
-      </p:cxnSp>
-    </p:spTree>
-    <p:extLst>
-      <p:ext uri="{BB962C8B-B14F-4D97-AF65-F5344CB8AC3E}">
-        <p14:creationId xmlns:p14="http://schemas.microsoft.com/office/powerpoint/2010/main" val="1375544893"/>
-      </p:ext>
-    </p:extLst>
-  </p:cSld>
-  <p:clrMapOvr>
-    <a:masterClrMapping/>
-  </p:clrMapOvr>
-</p:sld>
-</file>
-
-<file path=ppt/slides/slide16.xml><?xml version="1.0" encoding="utf-8"?>
-<p:sld xmlns:a="http://schemas.openxmlformats.org/drawingml/2006/main" xmlns:r="http://schemas.openxmlformats.org/officeDocument/2006/relationships" xmlns:p="http://schemas.openxmlformats.org/presentationml/2006/main">
-  <p:cSld>
-    <p:spTree>
-      <p:nvGrpSpPr>
-        <p:cNvPr id="1" name=""/>
-        <p:cNvGrpSpPr/>
-        <p:nvPr/>
-      </p:nvGrpSpPr>
-      <p:grpSpPr>
-        <a:xfrm>
-          <a:off x="0" y="0"/>
-          <a:ext cx="0" cy="0"/>
-          <a:chOff x="0" y="0"/>
-          <a:chExt cx="0" cy="0"/>
-        </a:xfrm>
-      </p:grpSpPr>
-      <p:sp>
-        <p:nvSpPr>
-          <p:cNvPr id="4" name="文本框 3">
-            <a:extLst>
-              <a:ext uri="{FF2B5EF4-FFF2-40B4-BE49-F238E27FC236}">
-                <a16:creationId xmlns:a16="http://schemas.microsoft.com/office/drawing/2014/main" id="{2EA04F05-E280-456D-B6F3-2AC3B5D9E43E}"/>
-              </a:ext>
-            </a:extLst>
-          </p:cNvPr>
-          <p:cNvSpPr txBox="1"/>
-          <p:nvPr/>
-        </p:nvSpPr>
-        <p:spPr>
-          <a:xfrm>
-            <a:off x="3855795" y="727435"/>
-            <a:ext cx="4905649" cy="584775"/>
-          </a:xfrm>
-          <a:prstGeom prst="rect">
-            <a:avLst/>
-          </a:prstGeom>
-          <a:noFill/>
-        </p:spPr>
-        <p:txBody>
           <a:bodyPr wrap="square" rtlCol="0">
             <a:spAutoFit/>
           </a:bodyPr>
           <a:lstStyle/>
           <a:p>
-            <a:pPr algn="ctr"/>
-            <a:r>
-              <a:rPr lang="zh-CN" altLang="en-US" sz="3200" dirty="0">
-                <a:solidFill>
-                  <a:srgbClr val="00B050"/>
-                </a:solidFill>
-                <a:latin typeface="华文彩云" panose="02010800040101010101" pitchFamily="2" charset="-122"/>
-                <a:ea typeface="华文彩云" panose="02010800040101010101" pitchFamily="2" charset="-122"/>
-              </a:rPr>
-              <a:t>推荐系统目前面临的问题</a:t>
-            </a:r>
-            <a:endParaRPr lang="zh-CN" altLang="en-US" sz="3200" dirty="0">
-              <a:solidFill>
-                <a:srgbClr val="C00000"/>
-              </a:solidFill>
-              <a:latin typeface="华文彩云" panose="02010800040101010101" pitchFamily="2" charset="-122"/>
-              <a:ea typeface="华文彩云" panose="02010800040101010101" pitchFamily="2" charset="-122"/>
-            </a:endParaRPr>
-          </a:p>
-        </p:txBody>
-      </p:sp>
-      <p:sp>
-        <p:nvSpPr>
-          <p:cNvPr id="15" name="文本框 14">
-            <a:extLst>
-              <a:ext uri="{FF2B5EF4-FFF2-40B4-BE49-F238E27FC236}">
-                <a16:creationId xmlns:a16="http://schemas.microsoft.com/office/drawing/2014/main" id="{7E56CA49-2A45-4031-8639-4A1DE62B1763}"/>
-              </a:ext>
-            </a:extLst>
-          </p:cNvPr>
-          <p:cNvSpPr txBox="1"/>
-          <p:nvPr/>
-        </p:nvSpPr>
-        <p:spPr>
-          <a:xfrm>
-            <a:off x="1632857" y="1786039"/>
-            <a:ext cx="9395928" cy="4493538"/>
-          </a:xfrm>
-          <a:prstGeom prst="rect">
-            <a:avLst/>
-          </a:prstGeom>
-          <a:noFill/>
-        </p:spPr>
-        <p:txBody>
-          <a:bodyPr wrap="square" rtlCol="0">
-            <a:spAutoFit/>
-          </a:bodyPr>
-          <a:lstStyle/>
-          <a:p>
-            <a:pPr marL="342900" indent="-342900">
-              <a:buFont typeface="Wingdings" panose="05000000000000000000" pitchFamily="2" charset="2"/>
-              <a:buChar char="n"/>
-            </a:pPr>
-            <a:r>
-              <a:rPr lang="zh-CN" altLang="en-US" sz="2000" b="1" dirty="0">
-                <a:solidFill>
-                  <a:srgbClr val="7030A0"/>
-                </a:solidFill>
-              </a:rPr>
-              <a:t>数据稀疏性：</a:t>
-            </a:r>
-            <a:endParaRPr lang="en-US" altLang="zh-CN" sz="2000" b="1" dirty="0">
-              <a:solidFill>
-                <a:srgbClr val="7030A0"/>
-              </a:solidFill>
-            </a:endParaRPr>
-          </a:p>
-          <a:p>
-            <a:r>
-              <a:rPr lang="en-US" altLang="zh-CN" sz="2000" b="1" dirty="0">
-                <a:solidFill>
-                  <a:srgbClr val="7030A0"/>
-                </a:solidFill>
-              </a:rPr>
-              <a:t>     </a:t>
-            </a:r>
-            <a:r>
-              <a:rPr lang="zh-CN" altLang="en-US" dirty="0"/>
-              <a:t>可以采用降维技术，比如奇异值分解（</a:t>
-            </a:r>
-            <a:r>
-              <a:rPr lang="en-US" altLang="zh-CN" dirty="0"/>
-              <a:t>SVD</a:t>
-            </a:r>
-            <a:r>
-              <a:rPr lang="zh-CN" altLang="en-US" dirty="0"/>
-              <a:t>）来解决。</a:t>
-            </a:r>
-            <a:endParaRPr lang="en-US" altLang="zh-CN" dirty="0"/>
-          </a:p>
-          <a:p>
-            <a:endParaRPr lang="en-US" altLang="zh-CN" dirty="0"/>
-          </a:p>
-          <a:p>
-            <a:pPr marL="342900" indent="-342900">
-              <a:buFont typeface="Wingdings" panose="05000000000000000000" pitchFamily="2" charset="2"/>
-              <a:buChar char="n"/>
-            </a:pPr>
-            <a:r>
-              <a:rPr lang="zh-CN" altLang="en-US" sz="2000" b="1" dirty="0">
-                <a:solidFill>
-                  <a:srgbClr val="7030A0"/>
-                </a:solidFill>
-              </a:rPr>
-              <a:t>冷启动问题：</a:t>
-            </a:r>
-            <a:endParaRPr lang="en-US" altLang="zh-CN" sz="2000" b="1" dirty="0">
-              <a:solidFill>
-                <a:srgbClr val="7030A0"/>
-              </a:solidFill>
-            </a:endParaRPr>
-          </a:p>
-          <a:p>
-            <a:r>
-              <a:rPr lang="zh-CN" altLang="en-US" dirty="0"/>
-              <a:t>    </a:t>
-            </a:r>
-            <a:r>
-              <a:rPr lang="en-US" altLang="zh-CN" dirty="0"/>
-              <a:t>  </a:t>
-            </a:r>
-            <a:r>
-              <a:rPr lang="zh-CN" altLang="en-US" dirty="0"/>
-              <a:t>可以分为用户冷启动、物品冷启动、系统冷启动三类。</a:t>
-            </a:r>
-            <a:endParaRPr lang="en-US" altLang="zh-CN" dirty="0"/>
-          </a:p>
-          <a:p>
-            <a:endParaRPr lang="en-US" altLang="zh-CN" dirty="0"/>
-          </a:p>
-          <a:p>
-            <a:pPr marL="342900" indent="-342900">
-              <a:buFont typeface="Wingdings" panose="05000000000000000000" pitchFamily="2" charset="2"/>
-              <a:buChar char="n"/>
-            </a:pPr>
-            <a:r>
-              <a:rPr lang="zh-CN" altLang="en-US" sz="2000" b="1" dirty="0">
-                <a:solidFill>
-                  <a:srgbClr val="7030A0"/>
-                </a:solidFill>
-              </a:rPr>
-              <a:t>同义词问题：</a:t>
-            </a:r>
-            <a:endParaRPr lang="en-US" altLang="zh-CN" sz="2000" b="1" dirty="0">
-              <a:solidFill>
-                <a:srgbClr val="7030A0"/>
-              </a:solidFill>
-            </a:endParaRPr>
-          </a:p>
-          <a:p>
-            <a:r>
-              <a:rPr lang="en-US" altLang="zh-CN" sz="2000" b="1" dirty="0">
-                <a:solidFill>
-                  <a:srgbClr val="7030A0"/>
-                </a:solidFill>
-              </a:rPr>
-              <a:t>     </a:t>
-            </a:r>
-            <a:r>
-              <a:rPr lang="zh-CN" altLang="en-US" dirty="0"/>
-              <a:t>可以用同义词挖掘、利用 </a:t>
-            </a:r>
-            <a:r>
-              <a:rPr lang="en-US" altLang="zh-CN" dirty="0"/>
-              <a:t>SVD </a:t>
-            </a:r>
-            <a:r>
-              <a:rPr lang="zh-CN" altLang="en-US" dirty="0"/>
-              <a:t>进行语义分析来解决。</a:t>
-            </a:r>
-            <a:endParaRPr lang="en-US" altLang="zh-CN" dirty="0"/>
-          </a:p>
-          <a:p>
-            <a:pPr marL="342900" indent="-342900">
-              <a:buAutoNum type="arabicPeriod"/>
-            </a:pPr>
-            <a:endParaRPr lang="en-US" altLang="zh-CN" dirty="0"/>
-          </a:p>
-          <a:p>
-            <a:pPr marL="342900" indent="-342900">
-              <a:buFont typeface="Wingdings" panose="05000000000000000000" pitchFamily="2" charset="2"/>
-              <a:buChar char="n"/>
-            </a:pPr>
-            <a:r>
-              <a:rPr lang="en-US" altLang="zh-CN" sz="2000" b="1" dirty="0">
-                <a:solidFill>
-                  <a:srgbClr val="7030A0"/>
-                </a:solidFill>
-              </a:rPr>
-              <a:t>Gray Sheep(</a:t>
-            </a:r>
-            <a:r>
-              <a:rPr lang="zh-CN" altLang="en-US" sz="2000" b="1" dirty="0">
-                <a:solidFill>
-                  <a:srgbClr val="7030A0"/>
-                </a:solidFill>
-              </a:rPr>
-              <a:t>灰羊问题</a:t>
-            </a:r>
-            <a:r>
-              <a:rPr lang="en-US" altLang="zh-CN" sz="2000" b="1" dirty="0">
-                <a:solidFill>
-                  <a:srgbClr val="7030A0"/>
-                </a:solidFill>
-              </a:rPr>
-              <a:t>)</a:t>
-            </a:r>
-            <a:r>
-              <a:rPr lang="zh-CN" altLang="en-US" sz="2000" b="1" dirty="0">
-                <a:solidFill>
-                  <a:srgbClr val="7030A0"/>
-                </a:solidFill>
-              </a:rPr>
-              <a:t>： </a:t>
-            </a:r>
-            <a:r>
-              <a:rPr lang="en-US" altLang="zh-CN" sz="1400" dirty="0"/>
-              <a:t>(</a:t>
-            </a:r>
-            <a:r>
-              <a:rPr lang="zh-CN" altLang="en-US" sz="1400" dirty="0"/>
-              <a:t>异类</a:t>
-            </a:r>
-            <a:r>
-              <a:rPr lang="en-US" altLang="zh-CN" sz="1400" dirty="0"/>
-              <a:t>)</a:t>
-            </a:r>
-          </a:p>
-          <a:p>
-            <a:r>
-              <a:rPr lang="en-US" altLang="zh-CN" sz="2000" b="1" dirty="0">
-                <a:solidFill>
-                  <a:srgbClr val="7030A0"/>
-                </a:solidFill>
-              </a:rPr>
-              <a:t>     </a:t>
-            </a:r>
-            <a:r>
-              <a:rPr lang="zh-CN" altLang="en-US" dirty="0"/>
-              <a:t>一般采用混合推荐技术来解决。</a:t>
-            </a:r>
-            <a:endParaRPr lang="en-US" altLang="zh-CN" dirty="0"/>
-          </a:p>
-          <a:p>
-            <a:pPr marL="342900" indent="-342900">
-              <a:buAutoNum type="arabicPeriod"/>
-            </a:pPr>
-            <a:endParaRPr lang="en-US" altLang="zh-CN" dirty="0"/>
-          </a:p>
-          <a:p>
-            <a:pPr marL="342900" indent="-342900">
-              <a:buFont typeface="Wingdings" panose="05000000000000000000" pitchFamily="2" charset="2"/>
-              <a:buChar char="n"/>
-            </a:pPr>
-            <a:r>
-              <a:rPr lang="en-US" altLang="zh-CN" sz="2000" b="1" dirty="0">
-                <a:solidFill>
-                  <a:srgbClr val="7030A0"/>
-                </a:solidFill>
-              </a:rPr>
-              <a:t>Shilling Attack(</a:t>
-            </a:r>
-            <a:r>
-              <a:rPr lang="zh-CN" altLang="en-US" sz="2000" b="1" dirty="0">
-                <a:solidFill>
-                  <a:srgbClr val="7030A0"/>
-                </a:solidFill>
-              </a:rPr>
-              <a:t>先令攻击</a:t>
-            </a:r>
-            <a:r>
-              <a:rPr lang="en-US" altLang="zh-CN" sz="2000" b="1" dirty="0">
-                <a:solidFill>
-                  <a:srgbClr val="7030A0"/>
-                </a:solidFill>
-              </a:rPr>
-              <a:t>)</a:t>
-            </a:r>
-            <a:r>
-              <a:rPr lang="zh-CN" altLang="en-US" dirty="0"/>
-              <a:t>：</a:t>
-            </a:r>
-            <a:r>
-              <a:rPr lang="zh-CN" altLang="en-US" sz="1400" dirty="0"/>
-              <a:t>（对自己有利的东西打高分，对竞争者的东西打低分）</a:t>
-            </a:r>
-            <a:endParaRPr lang="en-US" altLang="zh-CN" sz="1400" dirty="0"/>
-          </a:p>
-          <a:p>
-            <a:r>
-              <a:rPr lang="en-US" altLang="zh-CN" dirty="0"/>
-              <a:t>     </a:t>
-            </a:r>
-            <a:r>
-              <a:rPr lang="zh-CN" altLang="en-US" dirty="0"/>
-              <a:t>被动的方法可以采用 </a:t>
-            </a:r>
-            <a:r>
-              <a:rPr lang="en-US" altLang="zh-CN" dirty="0"/>
-              <a:t>Item-Based</a:t>
-            </a:r>
-            <a:r>
-              <a:rPr lang="zh-CN" altLang="en-US" dirty="0"/>
-              <a:t>或者混合模型；</a:t>
-            </a:r>
-            <a:endParaRPr lang="en-US" altLang="zh-CN" dirty="0"/>
-          </a:p>
-          <a:p>
-            <a:r>
-              <a:rPr lang="en-US" altLang="zh-CN" dirty="0"/>
-              <a:t>     </a:t>
-            </a:r>
-            <a:r>
-              <a:rPr lang="zh-CN" altLang="en-US" dirty="0"/>
-              <a:t>主动地方法可以用</a:t>
-            </a:r>
-            <a:r>
-              <a:rPr lang="en-US" altLang="zh-CN" dirty="0"/>
-              <a:t>AntiSpam(</a:t>
-            </a:r>
-            <a:r>
-              <a:rPr lang="zh-CN" altLang="en-US" dirty="0"/>
-              <a:t>反垃圾邮件</a:t>
-            </a:r>
-            <a:r>
-              <a:rPr lang="en-US" altLang="zh-CN" dirty="0"/>
-              <a:t>)</a:t>
-            </a:r>
-            <a:r>
-              <a:rPr lang="zh-CN" altLang="en-US" dirty="0"/>
-              <a:t>去识别和去除作弊者的影响。</a:t>
-            </a:r>
-            <a:endParaRPr lang="en-US" altLang="zh-CN" dirty="0"/>
+            <a:r>
+              <a:rPr lang="en-US" altLang="zh-CN" sz="8800" dirty="0"/>
+              <a:t>Thank you</a:t>
+            </a:r>
+            <a:r>
+              <a:rPr lang="zh-CN" altLang="en-US" sz="8800" dirty="0"/>
+              <a:t>！</a:t>
+            </a:r>
           </a:p>
         </p:txBody>
       </p:sp>
     </p:spTree>
     <p:extLst>
       <p:ext uri="{BB962C8B-B14F-4D97-AF65-F5344CB8AC3E}">
-        <p14:creationId xmlns:p14="http://schemas.microsoft.com/office/powerpoint/2010/main" val="255718644"/>
-      </p:ext>
-    </p:extLst>
-  </p:cSld>
-  <p:clrMapOvr>
-    <a:masterClrMapping/>
-  </p:clrMapOvr>
-</p:sld>
-</file>
-
-<file path=ppt/slides/slide17.xml><?xml version="1.0" encoding="utf-8"?>
-<p:sld xmlns:a="http://schemas.openxmlformats.org/drawingml/2006/main" xmlns:r="http://schemas.openxmlformats.org/officeDocument/2006/relationships" xmlns:p="http://schemas.openxmlformats.org/presentationml/2006/main">
-  <p:cSld>
-    <p:spTree>
-      <p:nvGrpSpPr>
-        <p:cNvPr id="1" name=""/>
-        <p:cNvGrpSpPr/>
-        <p:nvPr/>
-      </p:nvGrpSpPr>
-      <p:grpSpPr>
-        <a:xfrm>
-          <a:off x="0" y="0"/>
-          <a:ext cx="0" cy="0"/>
-          <a:chOff x="0" y="0"/>
-          <a:chExt cx="0" cy="0"/>
-        </a:xfrm>
-      </p:grpSpPr>
-      <p:sp>
-        <p:nvSpPr>
-          <p:cNvPr id="5" name="文本框 4">
-            <a:extLst>
-              <a:ext uri="{FF2B5EF4-FFF2-40B4-BE49-F238E27FC236}">
-                <a16:creationId xmlns:a16="http://schemas.microsoft.com/office/drawing/2014/main" id="{6C517CB8-6957-4607-AFCF-B1FE0DBBFC47}"/>
-              </a:ext>
-            </a:extLst>
-          </p:cNvPr>
-          <p:cNvSpPr txBox="1"/>
-          <p:nvPr/>
-        </p:nvSpPr>
-        <p:spPr>
-          <a:xfrm>
-            <a:off x="903925" y="2082788"/>
-            <a:ext cx="10975291" cy="4278094"/>
-          </a:xfrm>
-          <a:prstGeom prst="rect">
-            <a:avLst/>
-          </a:prstGeom>
-          <a:noFill/>
-        </p:spPr>
-        <p:txBody>
-          <a:bodyPr wrap="square" rtlCol="0">
-            <a:spAutoFit/>
-          </a:bodyPr>
-          <a:lstStyle/>
-          <a:p>
-            <a:pPr marL="285750" indent="-285750">
-              <a:buFont typeface="Wingdings" panose="05000000000000000000" pitchFamily="2" charset="2"/>
-              <a:buChar char="p"/>
-            </a:pPr>
-            <a:r>
-              <a:rPr lang="zh-CN" altLang="en-US" sz="1600" dirty="0"/>
-              <a:t>更深层次的理解</a:t>
-            </a:r>
-            <a:r>
-              <a:rPr lang="zh-CN" altLang="en-US" sz="1600" b="1" dirty="0">
-                <a:solidFill>
-                  <a:srgbClr val="7030A0"/>
-                </a:solidFill>
-              </a:rPr>
-              <a:t>用户意图</a:t>
-            </a:r>
-            <a:r>
-              <a:rPr lang="zh-CN" altLang="en-US" sz="1600" dirty="0"/>
-              <a:t>，从社交媒体及现实世界提取并研究用户足迹目前研究还很少，</a:t>
-            </a:r>
-            <a:endParaRPr lang="en-US" altLang="zh-CN" sz="1600" dirty="0"/>
-          </a:p>
-          <a:p>
-            <a:r>
-              <a:rPr lang="zh-CN" altLang="en-US" sz="1600" dirty="0"/>
-              <a:t>     充分利用这些次要的信息将有助于实现更加精确的推荐系统。比如</a:t>
-            </a:r>
-            <a:r>
-              <a:rPr lang="zh-CN" altLang="en-US" sz="1600" dirty="0">
-                <a:solidFill>
-                  <a:srgbClr val="FF0000"/>
-                </a:solidFill>
-              </a:rPr>
-              <a:t>基于用户评论的推荐</a:t>
-            </a:r>
-            <a:r>
-              <a:rPr lang="zh-CN" altLang="en-US" sz="1600" dirty="0"/>
-              <a:t>。</a:t>
-            </a:r>
-            <a:endParaRPr lang="en-US" altLang="zh-CN" sz="1600" dirty="0"/>
-          </a:p>
-          <a:p>
-            <a:endParaRPr lang="zh-CN" altLang="en-US" sz="1600" dirty="0"/>
-          </a:p>
-          <a:p>
-            <a:pPr marL="285750" indent="-285750">
-              <a:buFont typeface="Wingdings" panose="05000000000000000000" pitchFamily="2" charset="2"/>
-              <a:buChar char="p"/>
-            </a:pPr>
-            <a:r>
-              <a:rPr lang="zh-CN" altLang="en-US" sz="1600" dirty="0"/>
-              <a:t>推荐系统中的</a:t>
-            </a:r>
-            <a:r>
-              <a:rPr lang="zh-CN" altLang="en-US" sz="1600" b="1" dirty="0">
-                <a:solidFill>
-                  <a:srgbClr val="7030A0"/>
-                </a:solidFill>
-              </a:rPr>
-              <a:t>特征工程</a:t>
-            </a:r>
-            <a:r>
-              <a:rPr lang="zh-CN" altLang="en-US" sz="1600" dirty="0"/>
-              <a:t>研究还较少，目前主要通过手工选择特征，而深度神经网络是一个比较有潜力的特征工程工具。</a:t>
-            </a:r>
-            <a:endParaRPr lang="en-US" altLang="zh-CN" sz="1600" dirty="0"/>
-          </a:p>
-          <a:p>
-            <a:pPr marL="285750" indent="-285750">
-              <a:buFont typeface="Wingdings" panose="05000000000000000000" pitchFamily="2" charset="2"/>
-              <a:buChar char="p"/>
-            </a:pPr>
-            <a:endParaRPr lang="zh-CN" altLang="en-US" sz="1600" dirty="0"/>
-          </a:p>
-          <a:p>
-            <a:pPr marL="285750" indent="-285750">
-              <a:buFont typeface="Wingdings" panose="05000000000000000000" pitchFamily="2" charset="2"/>
-              <a:buChar char="p"/>
-            </a:pPr>
-            <a:r>
-              <a:rPr lang="zh-CN" altLang="en-US" sz="1600" b="1" dirty="0">
-                <a:solidFill>
-                  <a:srgbClr val="7030A0"/>
-                </a:solidFill>
-              </a:rPr>
-              <a:t>动态时间</a:t>
-            </a:r>
-            <a:r>
-              <a:rPr lang="en-US" altLang="zh-CN" sz="1600" dirty="0"/>
-              <a:t>(Temporal Dynamics)</a:t>
-            </a:r>
-          </a:p>
-          <a:p>
-            <a:r>
-              <a:rPr lang="en-US" altLang="zh-CN" sz="1600" dirty="0"/>
-              <a:t>     </a:t>
-            </a:r>
-            <a:r>
-              <a:rPr lang="zh-CN" altLang="en-US" sz="1600" dirty="0"/>
-              <a:t>长时间跟踪用户交互不太可行，但是跟踪用户短期交互是可行的，</a:t>
-            </a:r>
-            <a:r>
-              <a:rPr lang="en-US" altLang="zh-CN" sz="1600" dirty="0"/>
-              <a:t>RNN</a:t>
-            </a:r>
-            <a:r>
-              <a:rPr lang="zh-CN" altLang="en-US" sz="1600" dirty="0"/>
-              <a:t>在会话建模</a:t>
-            </a:r>
-            <a:r>
-              <a:rPr lang="en-US" altLang="zh-CN" sz="1600" dirty="0"/>
-              <a:t>(session modeling)</a:t>
-            </a:r>
-            <a:r>
-              <a:rPr lang="zh-CN" altLang="en-US" sz="1600" dirty="0"/>
-              <a:t>上的优势可以做  这一工作。另外深度序列建模对于系统演变的时间动态性建模也很有潜力。</a:t>
-            </a:r>
-            <a:endParaRPr lang="en-US" altLang="zh-CN" sz="1600" dirty="0"/>
-          </a:p>
-          <a:p>
-            <a:endParaRPr lang="zh-CN" altLang="en-US" sz="1600" dirty="0"/>
-          </a:p>
-          <a:p>
-            <a:pPr marL="285750" indent="-285750">
-              <a:buFont typeface="Wingdings" panose="05000000000000000000" pitchFamily="2" charset="2"/>
-              <a:buChar char="p"/>
-            </a:pPr>
-            <a:r>
-              <a:rPr lang="zh-CN" altLang="en-US" sz="1600" b="1" dirty="0">
-                <a:solidFill>
-                  <a:srgbClr val="7030A0"/>
-                </a:solidFill>
-              </a:rPr>
-              <a:t>跨领域的推荐系统</a:t>
-            </a:r>
-            <a:endParaRPr lang="en-US" altLang="zh-CN" sz="1600" b="1" dirty="0">
-              <a:solidFill>
-                <a:srgbClr val="7030A0"/>
-              </a:solidFill>
-            </a:endParaRPr>
-          </a:p>
-          <a:p>
-            <a:r>
-              <a:rPr lang="en-US" altLang="zh-CN" sz="1600" dirty="0"/>
-              <a:t>     </a:t>
-            </a:r>
-            <a:r>
-              <a:rPr lang="zh-CN" altLang="en-US" sz="1600" dirty="0"/>
-              <a:t>如使用迁移学习，将在一个领域学习到的推荐模型演变应用在另一个推荐领域，目前这一方式的研究还很少。</a:t>
-            </a:r>
-            <a:endParaRPr lang="en-US" altLang="zh-CN" sz="1600" dirty="0"/>
-          </a:p>
-          <a:p>
-            <a:endParaRPr lang="en-US" altLang="zh-CN" sz="1600" dirty="0"/>
-          </a:p>
-          <a:p>
-            <a:pPr marL="285750" indent="-285750">
-              <a:buFont typeface="Wingdings" panose="05000000000000000000" pitchFamily="2" charset="2"/>
-              <a:buChar char="p"/>
-            </a:pPr>
-            <a:r>
-              <a:rPr lang="zh-CN" altLang="en-US" sz="1600" b="1" dirty="0">
-                <a:solidFill>
-                  <a:srgbClr val="7030A0"/>
-                </a:solidFill>
-              </a:rPr>
-              <a:t>可解释性</a:t>
-            </a:r>
-            <a:endParaRPr lang="en-US" altLang="zh-CN" sz="1600" b="1" dirty="0">
-              <a:solidFill>
-                <a:srgbClr val="7030A0"/>
-              </a:solidFill>
-            </a:endParaRPr>
-          </a:p>
-          <a:p>
-            <a:pPr marL="285750" indent="-285750">
-              <a:buFont typeface="Wingdings" panose="05000000000000000000" pitchFamily="2" charset="2"/>
-              <a:buChar char="p"/>
-            </a:pPr>
-            <a:endParaRPr lang="en-US" altLang="zh-CN" sz="1600" b="1" dirty="0">
-              <a:solidFill>
-                <a:srgbClr val="7030A0"/>
-              </a:solidFill>
-            </a:endParaRPr>
-          </a:p>
-          <a:p>
-            <a:pPr marL="285750" indent="-285750">
-              <a:buFont typeface="Wingdings" panose="05000000000000000000" pitchFamily="2" charset="2"/>
-              <a:buChar char="p"/>
-            </a:pPr>
-            <a:r>
-              <a:rPr lang="zh-CN" altLang="en-US" sz="1600" b="1" dirty="0">
-                <a:solidFill>
-                  <a:srgbClr val="7030A0"/>
-                </a:solidFill>
-              </a:rPr>
-              <a:t>用户交互</a:t>
-            </a:r>
-            <a:endParaRPr lang="en-US" altLang="zh-CN" sz="1600" b="1" dirty="0">
-              <a:solidFill>
-                <a:srgbClr val="7030A0"/>
-              </a:solidFill>
-            </a:endParaRPr>
-          </a:p>
-          <a:p>
-            <a:pPr marL="285750" indent="-285750">
-              <a:buFont typeface="Wingdings" panose="05000000000000000000" pitchFamily="2" charset="2"/>
-              <a:buChar char="p"/>
-            </a:pPr>
-            <a:endParaRPr lang="en-US" altLang="zh-CN" sz="1600" b="1" dirty="0">
-              <a:solidFill>
-                <a:srgbClr val="7030A0"/>
-              </a:solidFill>
-            </a:endParaRPr>
-          </a:p>
-          <a:p>
-            <a:pPr marL="285750" indent="-285750">
-              <a:buFont typeface="Wingdings" panose="05000000000000000000" pitchFamily="2" charset="2"/>
-              <a:buChar char="p"/>
-            </a:pPr>
-            <a:r>
-              <a:rPr lang="zh-CN" altLang="en-US" sz="1600" b="1" dirty="0">
-                <a:solidFill>
-                  <a:srgbClr val="7030A0"/>
-                </a:solidFill>
-              </a:rPr>
-              <a:t>长尾效应（</a:t>
-            </a:r>
-            <a:r>
-              <a:rPr lang="zh-CN" altLang="en-US" sz="1400" b="1" dirty="0"/>
-              <a:t>小群体容易被忽略的问题</a:t>
-            </a:r>
-            <a:r>
-              <a:rPr lang="zh-CN" altLang="en-US" sz="1600" b="1" dirty="0">
-                <a:solidFill>
-                  <a:srgbClr val="7030A0"/>
-                </a:solidFill>
-              </a:rPr>
-              <a:t>）</a:t>
-            </a:r>
-          </a:p>
-        </p:txBody>
-      </p:sp>
-      <p:sp>
-        <p:nvSpPr>
-          <p:cNvPr id="2" name="矩形 1">
-            <a:extLst>
-              <a:ext uri="{FF2B5EF4-FFF2-40B4-BE49-F238E27FC236}">
-                <a16:creationId xmlns:a16="http://schemas.microsoft.com/office/drawing/2014/main" id="{0B0325FB-203E-48ED-AC64-46F80FC40878}"/>
-              </a:ext>
-            </a:extLst>
-          </p:cNvPr>
-          <p:cNvSpPr/>
-          <p:nvPr/>
-        </p:nvSpPr>
-        <p:spPr>
-          <a:xfrm>
-            <a:off x="4862946" y="497118"/>
-            <a:ext cx="3057247" cy="584775"/>
-          </a:xfrm>
-          <a:prstGeom prst="rect">
-            <a:avLst/>
-          </a:prstGeom>
-        </p:spPr>
-        <p:txBody>
-          <a:bodyPr wrap="none">
-            <a:spAutoFit/>
-          </a:bodyPr>
-          <a:lstStyle/>
-          <a:p>
-            <a:r>
-              <a:rPr lang="zh-CN" altLang="en-US" sz="3200" dirty="0">
-                <a:solidFill>
-                  <a:srgbClr val="00B050"/>
-                </a:solidFill>
-                <a:latin typeface="华文彩云" panose="02010800040101010101" pitchFamily="2" charset="-122"/>
-                <a:ea typeface="华文彩云" panose="02010800040101010101" pitchFamily="2" charset="-122"/>
-              </a:rPr>
-              <a:t>未来的研究方向</a:t>
-            </a:r>
-          </a:p>
-        </p:txBody>
-      </p:sp>
-    </p:spTree>
-    <p:extLst>
-      <p:ext uri="{BB962C8B-B14F-4D97-AF65-F5344CB8AC3E}">
-        <p14:creationId xmlns:p14="http://schemas.microsoft.com/office/powerpoint/2010/main" val="1745120252"/>
-      </p:ext>
-    </p:extLst>
-  </p:cSld>
-  <p:clrMapOvr>
-    <a:masterClrMapping/>
-  </p:clrMapOvr>
-</p:sld>
-</file>
-
-<file path=ppt/slides/slide18.xml><?xml version="1.0" encoding="utf-8"?>
-<p:sld xmlns:a="http://schemas.openxmlformats.org/drawingml/2006/main" xmlns:r="http://schemas.openxmlformats.org/officeDocument/2006/relationships" xmlns:p="http://schemas.openxmlformats.org/presentationml/2006/main">
-  <p:cSld>
-    <p:spTree>
-      <p:nvGrpSpPr>
-        <p:cNvPr id="1" name=""/>
-        <p:cNvGrpSpPr/>
-        <p:nvPr/>
-      </p:nvGrpSpPr>
-      <p:grpSpPr>
-        <a:xfrm>
-          <a:off x="0" y="0"/>
-          <a:ext cx="0" cy="0"/>
-          <a:chOff x="0" y="0"/>
-          <a:chExt cx="0" cy="0"/>
-        </a:xfrm>
-      </p:grpSpPr>
-      <p:sp>
-        <p:nvSpPr>
-          <p:cNvPr id="2" name="文本框 1">
-            <a:extLst>
-              <a:ext uri="{FF2B5EF4-FFF2-40B4-BE49-F238E27FC236}">
-                <a16:creationId xmlns:a16="http://schemas.microsoft.com/office/drawing/2014/main" id="{9223C966-66EA-4082-B2DA-0E9494FDABD5}"/>
-              </a:ext>
-            </a:extLst>
-          </p:cNvPr>
-          <p:cNvSpPr txBox="1"/>
-          <p:nvPr/>
-        </p:nvSpPr>
-        <p:spPr>
-          <a:xfrm>
-            <a:off x="671804" y="1859339"/>
-            <a:ext cx="11103725" cy="3139321"/>
-          </a:xfrm>
-          <a:prstGeom prst="rect">
-            <a:avLst/>
-          </a:prstGeom>
-          <a:noFill/>
-        </p:spPr>
-        <p:txBody>
-          <a:bodyPr wrap="square" rtlCol="0">
-            <a:spAutoFit/>
-          </a:bodyPr>
-          <a:lstStyle/>
-          <a:p>
-            <a:pPr marL="285750" indent="-285750">
-              <a:buFont typeface="Wingdings" panose="05000000000000000000" pitchFamily="2" charset="2"/>
-              <a:buChar char="p"/>
-            </a:pPr>
-            <a:r>
-              <a:rPr lang="zh-CN" altLang="en-US" dirty="0">
-                <a:solidFill>
-                  <a:srgbClr val="7030A0"/>
-                </a:solidFill>
-              </a:rPr>
-              <a:t>多任务学习</a:t>
-            </a:r>
-            <a:endParaRPr lang="en-US" altLang="zh-CN" dirty="0">
-              <a:solidFill>
-                <a:srgbClr val="7030A0"/>
-              </a:solidFill>
-            </a:endParaRPr>
-          </a:p>
-          <a:p>
-            <a:pPr marL="285750" indent="-285750">
-              <a:buFont typeface="Wingdings" panose="05000000000000000000" pitchFamily="2" charset="2"/>
-              <a:buChar char="p"/>
-            </a:pPr>
-            <a:endParaRPr lang="zh-CN" altLang="en-US" dirty="0"/>
-          </a:p>
-          <a:p>
-            <a:pPr marL="285750" indent="-285750">
-              <a:buFont typeface="Wingdings" panose="05000000000000000000" pitchFamily="2" charset="2"/>
-              <a:buChar char="p"/>
-            </a:pPr>
-            <a:r>
-              <a:rPr lang="zh-CN" altLang="en-US" dirty="0">
-                <a:solidFill>
-                  <a:srgbClr val="7030A0"/>
-                </a:solidFill>
-              </a:rPr>
-              <a:t>注意力机制</a:t>
-            </a:r>
-            <a:endParaRPr lang="en-US" altLang="zh-CN" dirty="0">
-              <a:solidFill>
-                <a:srgbClr val="7030A0"/>
-              </a:solidFill>
-            </a:endParaRPr>
-          </a:p>
-          <a:p>
-            <a:r>
-              <a:rPr lang="zh-CN" altLang="en-US" dirty="0"/>
-              <a:t>     可以帮助网络用来更好的记忆输入信息，通过将信息量较少的信息过滤，保留最值得关注的信息，</a:t>
-            </a:r>
-            <a:endParaRPr lang="en-US" altLang="zh-CN" dirty="0"/>
-          </a:p>
-          <a:p>
-            <a:r>
-              <a:rPr lang="en-US" altLang="zh-CN" dirty="0"/>
-              <a:t>     </a:t>
-            </a:r>
-            <a:r>
-              <a:rPr lang="zh-CN" altLang="en-US" dirty="0"/>
-              <a:t>给模型提供更好的可解释性。</a:t>
-            </a:r>
-            <a:endParaRPr lang="en-US" altLang="zh-CN" dirty="0"/>
-          </a:p>
-          <a:p>
-            <a:endParaRPr lang="zh-CN" altLang="en-US" dirty="0"/>
-          </a:p>
-          <a:p>
-            <a:pPr marL="285750" indent="-285750">
-              <a:buFont typeface="Wingdings" panose="05000000000000000000" pitchFamily="2" charset="2"/>
-              <a:buChar char="p"/>
-            </a:pPr>
-            <a:r>
-              <a:rPr lang="zh-CN" altLang="en-US" dirty="0">
-                <a:solidFill>
-                  <a:srgbClr val="7030A0"/>
-                </a:solidFill>
-              </a:rPr>
-              <a:t>可测量性</a:t>
-            </a:r>
-            <a:endParaRPr lang="en-US" altLang="zh-CN" dirty="0">
-              <a:solidFill>
-                <a:srgbClr val="7030A0"/>
-              </a:solidFill>
-            </a:endParaRPr>
-          </a:p>
-          <a:p>
-            <a:r>
-              <a:rPr lang="zh-CN" altLang="en-US" dirty="0"/>
-              <a:t>     为了使推荐系统更加高效，未来需要探索以下问题：</a:t>
-            </a:r>
-            <a:endParaRPr lang="en-US" altLang="zh-CN" dirty="0"/>
-          </a:p>
-          <a:p>
-            <a:pPr marL="742950" lvl="1" indent="-285750">
-              <a:buFont typeface="Wingdings" panose="05000000000000000000" pitchFamily="2" charset="2"/>
-              <a:buChar char="Ø"/>
-            </a:pPr>
-            <a:r>
-              <a:rPr lang="zh-CN" altLang="en-US" dirty="0"/>
-              <a:t>对于如持续不断到来的用户选择数据和选项数据之类的流数据进行增量学习的方法</a:t>
-            </a:r>
-            <a:endParaRPr lang="en-US" altLang="zh-CN" dirty="0"/>
-          </a:p>
-          <a:p>
-            <a:pPr marL="742950" lvl="1" indent="-285750">
-              <a:buFont typeface="Wingdings" panose="05000000000000000000" pitchFamily="2" charset="2"/>
-              <a:buChar char="Ø"/>
-            </a:pPr>
-            <a:r>
-              <a:rPr lang="zh-CN" altLang="en-US" dirty="0"/>
-              <a:t>对于高维传感器和多媒体数据如何进行高效计算</a:t>
-            </a:r>
-            <a:endParaRPr lang="en-US" altLang="zh-CN" dirty="0"/>
-          </a:p>
-          <a:p>
-            <a:pPr marL="742950" lvl="1" indent="-285750">
-              <a:buFont typeface="Wingdings" panose="05000000000000000000" pitchFamily="2" charset="2"/>
-              <a:buChar char="Ø"/>
-            </a:pPr>
-            <a:r>
-              <a:rPr lang="zh-CN" altLang="en-US" dirty="0"/>
-              <a:t>随着模型参数的增长，如何平衡模型复杂度和可测量性</a:t>
-            </a:r>
-          </a:p>
-        </p:txBody>
-      </p:sp>
-      <p:sp>
-        <p:nvSpPr>
-          <p:cNvPr id="3" name="矩形 2">
-            <a:extLst>
-              <a:ext uri="{FF2B5EF4-FFF2-40B4-BE49-F238E27FC236}">
-                <a16:creationId xmlns:a16="http://schemas.microsoft.com/office/drawing/2014/main" id="{66B0BB8A-9AD6-4C78-9BA9-8CE10C2A027D}"/>
-              </a:ext>
-            </a:extLst>
-          </p:cNvPr>
-          <p:cNvSpPr/>
-          <p:nvPr/>
-        </p:nvSpPr>
-        <p:spPr>
-          <a:xfrm>
-            <a:off x="4079489" y="425279"/>
-            <a:ext cx="4288353" cy="584775"/>
-          </a:xfrm>
-          <a:prstGeom prst="rect">
-            <a:avLst/>
-          </a:prstGeom>
-        </p:spPr>
-        <p:txBody>
-          <a:bodyPr wrap="none">
-            <a:spAutoFit/>
-          </a:bodyPr>
-          <a:lstStyle/>
-          <a:p>
-            <a:pPr algn="ctr"/>
-            <a:r>
-              <a:rPr lang="zh-CN" altLang="en-US" sz="3200" dirty="0">
-                <a:solidFill>
-                  <a:srgbClr val="00B050"/>
-                </a:solidFill>
-                <a:latin typeface="华文彩云" panose="02010800040101010101" pitchFamily="2" charset="-122"/>
-                <a:ea typeface="华文彩云" panose="02010800040101010101" pitchFamily="2" charset="-122"/>
-              </a:rPr>
-              <a:t>未来的研究方向（续）</a:t>
-            </a:r>
-          </a:p>
-        </p:txBody>
-      </p:sp>
-    </p:spTree>
-    <p:extLst>
-      <p:ext uri="{BB962C8B-B14F-4D97-AF65-F5344CB8AC3E}">
-        <p14:creationId xmlns:p14="http://schemas.microsoft.com/office/powerpoint/2010/main" val="329646631"/>
-      </p:ext>
-    </p:extLst>
-  </p:cSld>
-  <p:clrMapOvr>
-    <a:masterClrMapping/>
-  </p:clrMapOvr>
-</p:sld>
-</file>
-
-<file path=ppt/slides/slide19.xml><?xml version="1.0" encoding="utf-8"?>
-<p:sld xmlns:a="http://schemas.openxmlformats.org/drawingml/2006/main" xmlns:r="http://schemas.openxmlformats.org/officeDocument/2006/relationships" xmlns:p="http://schemas.openxmlformats.org/presentationml/2006/main">
-  <p:cSld>
-    <p:spTree>
-      <p:nvGrpSpPr>
-        <p:cNvPr id="1" name=""/>
-        <p:cNvGrpSpPr/>
-        <p:nvPr/>
-      </p:nvGrpSpPr>
-      <p:grpSpPr>
-        <a:xfrm>
-          <a:off x="0" y="0"/>
-          <a:ext cx="0" cy="0"/>
-          <a:chOff x="0" y="0"/>
-          <a:chExt cx="0" cy="0"/>
-        </a:xfrm>
-      </p:grpSpPr>
-      <p:sp>
-        <p:nvSpPr>
-          <p:cNvPr id="2" name="文本框 1">
-            <a:extLst>
-              <a:ext uri="{FF2B5EF4-FFF2-40B4-BE49-F238E27FC236}">
-                <a16:creationId xmlns:a16="http://schemas.microsoft.com/office/drawing/2014/main" id="{2358794D-4872-479A-830F-287956A7F29D}"/>
-              </a:ext>
-            </a:extLst>
-          </p:cNvPr>
-          <p:cNvSpPr txBox="1"/>
-          <p:nvPr/>
-        </p:nvSpPr>
-        <p:spPr>
-          <a:xfrm>
-            <a:off x="5088294" y="1660849"/>
-            <a:ext cx="2015412" cy="584775"/>
-          </a:xfrm>
-          <a:prstGeom prst="rect">
-            <a:avLst/>
-          </a:prstGeom>
-          <a:noFill/>
-        </p:spPr>
-        <p:txBody>
-          <a:bodyPr wrap="square" rtlCol="0">
-            <a:spAutoFit/>
-          </a:bodyPr>
-          <a:lstStyle/>
-          <a:p>
-            <a:pPr algn="ctr"/>
-            <a:r>
-              <a:rPr lang="en-US" altLang="zh-CN" sz="3200" dirty="0"/>
-              <a:t>Thanks</a:t>
-            </a:r>
-            <a:endParaRPr lang="zh-CN" altLang="en-US" sz="3200" dirty="0"/>
-          </a:p>
-        </p:txBody>
-      </p:sp>
-    </p:spTree>
-    <p:extLst>
-      <p:ext uri="{BB962C8B-B14F-4D97-AF65-F5344CB8AC3E}">
-        <p14:creationId xmlns:p14="http://schemas.microsoft.com/office/powerpoint/2010/main" val="3656270732"/>
+        <p14:creationId xmlns:p14="http://schemas.microsoft.com/office/powerpoint/2010/main" val="2131690225"/>
       </p:ext>
     </p:extLst>
   </p:cSld>
@@ -5003,12 +4030,42 @@
           <a:chExt cx="0" cy="0"/>
         </a:xfrm>
       </p:grpSpPr>
-      <p:sp>
-        <p:nvSpPr>
-          <p:cNvPr id="4" name="文本框 3">
+      <p:pic>
+        <p:nvPicPr>
+          <p:cNvPr id="2" name="图片 1">
             <a:extLst>
               <a:ext uri="{FF2B5EF4-FFF2-40B4-BE49-F238E27FC236}">
-                <a16:creationId xmlns:a16="http://schemas.microsoft.com/office/drawing/2014/main" id="{A01F2F56-C2E5-4F5E-8A80-8F1DFFDEFEE5}"/>
+                <a16:creationId xmlns:a16="http://schemas.microsoft.com/office/drawing/2014/main" id="{5ADFF282-BFB8-4FC2-A3C7-3C3327D42D81}"/>
+              </a:ext>
+            </a:extLst>
+          </p:cNvPr>
+          <p:cNvPicPr>
+            <a:picLocks noChangeAspect="1"/>
+          </p:cNvPicPr>
+          <p:nvPr/>
+        </p:nvPicPr>
+        <p:blipFill>
+          <a:blip r:embed="rId2"/>
+          <a:stretch>
+            <a:fillRect/>
+          </a:stretch>
+        </p:blipFill>
+        <p:spPr>
+          <a:xfrm>
+            <a:off x="6517688" y="1067775"/>
+            <a:ext cx="4863326" cy="5716746"/>
+          </a:xfrm>
+          <a:prstGeom prst="rect">
+            <a:avLst/>
+          </a:prstGeom>
+        </p:spPr>
+      </p:pic>
+      <p:sp>
+        <p:nvSpPr>
+          <p:cNvPr id="3" name="文本框 2">
+            <a:extLst>
+              <a:ext uri="{FF2B5EF4-FFF2-40B4-BE49-F238E27FC236}">
+                <a16:creationId xmlns:a16="http://schemas.microsoft.com/office/drawing/2014/main" id="{E89D2BC9-A782-4BCE-993D-D16DC005F8EA}"/>
               </a:ext>
             </a:extLst>
           </p:cNvPr>
@@ -5017,8 +4074,8 @@
         </p:nvSpPr>
         <p:spPr>
           <a:xfrm>
-            <a:off x="3695343" y="875834"/>
-            <a:ext cx="4801314" cy="646331"/>
+            <a:off x="326572" y="1397675"/>
+            <a:ext cx="5902778" cy="2031325"/>
           </a:xfrm>
           <a:prstGeom prst="rect">
             <a:avLst/>
@@ -5026,30 +4083,97 @@
           <a:noFill/>
         </p:spPr>
         <p:txBody>
-          <a:bodyPr wrap="none" rtlCol="0">
+          <a:bodyPr wrap="square" rtlCol="0">
             <a:spAutoFit/>
           </a:bodyPr>
           <a:lstStyle/>
           <a:p>
             <a:r>
-              <a:rPr lang="zh-CN" altLang="en-US" sz="3600" dirty="0">
+              <a:rPr lang="zh-CN" altLang="en-US" b="1" dirty="0">
+                <a:latin typeface="宋体" panose="02010600030101010101" pitchFamily="2" charset="-122"/>
+                <a:ea typeface="宋体" panose="02010600030101010101" pitchFamily="2" charset="-122"/>
+              </a:rPr>
+              <a:t>    </a:t>
+            </a:r>
+            <a:r>
+              <a:rPr lang="zh-CN" altLang="en-US" b="1" dirty="0">
                 <a:solidFill>
-                  <a:srgbClr val="00B050"/>
+                  <a:srgbClr val="FF0000"/>
                 </a:solidFill>
-                <a:latin typeface="华文彩云" panose="02010800040101010101" pitchFamily="2" charset="-122"/>
-                <a:ea typeface="华文彩云" panose="02010800040101010101" pitchFamily="2" charset="-122"/>
-              </a:rPr>
-              <a:t>推荐系统两大核心问题</a:t>
-            </a:r>
-          </a:p>
-        </p:txBody>
-      </p:sp>
-      <p:sp>
-        <p:nvSpPr>
-          <p:cNvPr id="6" name="椭圆 5">
+                <a:latin typeface="宋体" panose="02010600030101010101" pitchFamily="2" charset="-122"/>
+                <a:ea typeface="宋体" panose="02010600030101010101" pitchFamily="2" charset="-122"/>
+              </a:rPr>
+              <a:t>对于搭建精准的推荐系统而言，特征是至关重要的</a:t>
+            </a:r>
+            <a:r>
+              <a:rPr lang="zh-CN" altLang="en-US" dirty="0">
+                <a:latin typeface="宋体" panose="02010600030101010101" pitchFamily="2" charset="-122"/>
+                <a:ea typeface="宋体" panose="02010600030101010101" pitchFamily="2" charset="-122"/>
+              </a:rPr>
+              <a:t>。从特征构建的层面而言，现阶段深度学习技术在推荐系统中的应用可以大致分为</a:t>
+            </a:r>
+            <a:r>
+              <a:rPr lang="zh-CN" altLang="en-US" dirty="0">
+                <a:solidFill>
+                  <a:srgbClr val="FF0000"/>
+                </a:solidFill>
+                <a:latin typeface="宋体" panose="02010600030101010101" pitchFamily="2" charset="-122"/>
+                <a:ea typeface="宋体" panose="02010600030101010101" pitchFamily="2" charset="-122"/>
+              </a:rPr>
+              <a:t>两类</a:t>
+            </a:r>
+            <a:r>
+              <a:rPr lang="zh-CN" altLang="en-US" dirty="0">
+                <a:latin typeface="宋体" panose="02010600030101010101" pitchFamily="2" charset="-122"/>
+                <a:ea typeface="宋体" panose="02010600030101010101" pitchFamily="2" charset="-122"/>
+              </a:rPr>
+              <a:t>：</a:t>
+            </a:r>
+          </a:p>
+          <a:p>
+            <a:pPr marL="285750" indent="-285750">
+              <a:buFont typeface="Wingdings" panose="05000000000000000000" pitchFamily="2" charset="2"/>
+              <a:buChar char="p"/>
+            </a:pPr>
+            <a:r>
+              <a:rPr lang="zh-CN" altLang="en-US" b="1" dirty="0">
+                <a:latin typeface="宋体" panose="02010600030101010101" pitchFamily="2" charset="-122"/>
+                <a:ea typeface="宋体" panose="02010600030101010101" pitchFamily="2" charset="-122"/>
+              </a:rPr>
+              <a:t>从原始数据中自动学习出蕴含语义的隐特征，例如从本文、图像或者知识网络中提取出有效的隐特征。</a:t>
+            </a:r>
+          </a:p>
+          <a:p>
+            <a:pPr marL="285750" indent="-285750">
+              <a:buFont typeface="Wingdings" panose="05000000000000000000" pitchFamily="2" charset="2"/>
+              <a:buChar char="p"/>
+            </a:pPr>
+            <a:r>
+              <a:rPr lang="zh-CN" altLang="en-US" b="1" dirty="0">
+                <a:latin typeface="宋体" panose="02010600030101010101" pitchFamily="2" charset="-122"/>
+                <a:ea typeface="宋体" panose="02010600030101010101" pitchFamily="2" charset="-122"/>
+              </a:rPr>
+              <a:t>自动学习多个相关特征之间的交互关系</a:t>
+            </a:r>
+            <a:r>
+              <a:rPr lang="zh-CN" altLang="en-US" dirty="0">
+                <a:latin typeface="宋体" panose="02010600030101010101" pitchFamily="2" charset="-122"/>
+                <a:ea typeface="宋体" panose="02010600030101010101" pitchFamily="2" charset="-122"/>
+              </a:rPr>
+              <a:t>。</a:t>
+            </a:r>
+          </a:p>
+          <a:p>
+            <a:endParaRPr lang="zh-CN" altLang="en-US" dirty="0"/>
+          </a:p>
+        </p:txBody>
+      </p:sp>
+      <p:sp>
+        <p:nvSpPr>
+          <p:cNvPr id="5" name="矩形: 圆角 4">
             <a:extLst>
               <a:ext uri="{FF2B5EF4-FFF2-40B4-BE49-F238E27FC236}">
-                <a16:creationId xmlns:a16="http://schemas.microsoft.com/office/drawing/2014/main" id="{92912388-7ABA-4826-A363-0A976942CAE0}"/>
+                <a16:creationId xmlns:a16="http://schemas.microsoft.com/office/drawing/2014/main" id="{2F366FE0-B598-4EF3-AC8D-67399EBC9F45}"/>
               </a:ext>
             </a:extLst>
           </p:cNvPr>
@@ -5058,168 +4182,42 @@
         </p:nvSpPr>
         <p:spPr>
           <a:xfrm>
-            <a:off x="2593910" y="3004457"/>
-            <a:ext cx="1987420" cy="1031033"/>
-          </a:xfrm>
-          <a:prstGeom prst="ellipse">
+            <a:off x="628650" y="359230"/>
+            <a:ext cx="9903279" cy="522514"/>
+          </a:xfrm>
+          <a:prstGeom prst="roundRect">
             <a:avLst/>
           </a:prstGeom>
         </p:spPr>
         <p:style>
           <a:lnRef idx="2">
-            <a:schemeClr val="accent4">
+            <a:schemeClr val="accent1">
               <a:shade val="50000"/>
             </a:schemeClr>
           </a:lnRef>
           <a:fillRef idx="1">
-            <a:schemeClr val="accent4"/>
-          </a:fillRef>
-          <a:effectRef idx="0">
-            <a:schemeClr val="accent4"/>
-          </a:effectRef>
-          <a:fontRef idx="minor">
-            <a:schemeClr val="lt1"/>
-          </a:fontRef>
-        </p:style>
-        <p:txBody>
-          <a:bodyPr rtlCol="0" anchor="ctr"/>
-          <a:lstStyle/>
-          <a:p>
-            <a:pPr algn="ctr"/>
-            <a:r>
-              <a:rPr lang="zh-CN" altLang="en-US" dirty="0"/>
-              <a:t>预测</a:t>
-            </a:r>
-          </a:p>
-        </p:txBody>
-      </p:sp>
-      <p:sp>
-        <p:nvSpPr>
-          <p:cNvPr id="7" name="椭圆 6">
-            <a:extLst>
-              <a:ext uri="{FF2B5EF4-FFF2-40B4-BE49-F238E27FC236}">
-                <a16:creationId xmlns:a16="http://schemas.microsoft.com/office/drawing/2014/main" id="{FA546EA5-C45C-464F-854B-9B64569F61CA}"/>
-              </a:ext>
-            </a:extLst>
-          </p:cNvPr>
-          <p:cNvSpPr/>
-          <p:nvPr/>
-        </p:nvSpPr>
-        <p:spPr>
-          <a:xfrm>
-            <a:off x="7610670" y="3004457"/>
-            <a:ext cx="1987420" cy="1031033"/>
-          </a:xfrm>
-          <a:prstGeom prst="ellipse">
-            <a:avLst/>
-          </a:prstGeom>
-        </p:spPr>
-        <p:style>
-          <a:lnRef idx="2">
-            <a:schemeClr val="accent4">
-              <a:shade val="50000"/>
-            </a:schemeClr>
-          </a:lnRef>
-          <a:fillRef idx="1">
-            <a:schemeClr val="accent4"/>
-          </a:fillRef>
-          <a:effectRef idx="0">
-            <a:schemeClr val="accent4"/>
-          </a:effectRef>
-          <a:fontRef idx="minor">
-            <a:schemeClr val="lt1"/>
-          </a:fontRef>
-        </p:style>
-        <p:txBody>
-          <a:bodyPr rtlCol="0" anchor="ctr"/>
-          <a:lstStyle/>
-          <a:p>
-            <a:pPr algn="ctr"/>
-            <a:r>
-              <a:rPr lang="zh-CN" altLang="en-US" dirty="0"/>
-              <a:t>推荐</a:t>
-            </a:r>
-          </a:p>
-        </p:txBody>
-      </p:sp>
-      <p:cxnSp>
-        <p:nvCxnSpPr>
-          <p:cNvPr id="9" name="直接箭头连接符 8">
-            <a:extLst>
-              <a:ext uri="{FF2B5EF4-FFF2-40B4-BE49-F238E27FC236}">
-                <a16:creationId xmlns:a16="http://schemas.microsoft.com/office/drawing/2014/main" id="{416ACC02-81D6-4C5E-8B19-8C2BE463DEF0}"/>
-              </a:ext>
-            </a:extLst>
-          </p:cNvPr>
-          <p:cNvCxnSpPr/>
-          <p:nvPr/>
-        </p:nvCxnSpPr>
-        <p:spPr>
-          <a:xfrm flipH="1">
-            <a:off x="4030824" y="1642188"/>
-            <a:ext cx="737119" cy="1268963"/>
-          </a:xfrm>
-          <a:prstGeom prst="straightConnector1">
-            <a:avLst/>
-          </a:prstGeom>
-          <a:ln>
-            <a:tailEnd type="triangle"/>
-          </a:ln>
-        </p:spPr>
-        <p:style>
-          <a:lnRef idx="1">
-            <a:schemeClr val="accent1"/>
-          </a:lnRef>
-          <a:fillRef idx="0">
             <a:schemeClr val="accent1"/>
           </a:fillRef>
           <a:effectRef idx="0">
             <a:schemeClr val="accent1"/>
           </a:effectRef>
           <a:fontRef idx="minor">
-            <a:schemeClr val="tx1"/>
+            <a:schemeClr val="lt1"/>
           </a:fontRef>
         </p:style>
-      </p:cxnSp>
-      <p:cxnSp>
-        <p:nvCxnSpPr>
-          <p:cNvPr id="11" name="直接箭头连接符 10">
-            <a:extLst>
-              <a:ext uri="{FF2B5EF4-FFF2-40B4-BE49-F238E27FC236}">
-                <a16:creationId xmlns:a16="http://schemas.microsoft.com/office/drawing/2014/main" id="{ECD09AE9-FFEE-4BAD-9973-BED35A8A743F}"/>
-              </a:ext>
-            </a:extLst>
-          </p:cNvPr>
-          <p:cNvCxnSpPr/>
-          <p:nvPr/>
-        </p:nvCxnSpPr>
-        <p:spPr>
-          <a:xfrm>
-            <a:off x="7343192" y="1595535"/>
-            <a:ext cx="1035698" cy="1259632"/>
-          </a:xfrm>
-          <a:prstGeom prst="straightConnector1">
-            <a:avLst/>
-          </a:prstGeom>
-          <a:ln>
-            <a:tailEnd type="triangle"/>
-          </a:ln>
-        </p:spPr>
-        <p:style>
-          <a:lnRef idx="1">
-            <a:schemeClr val="accent1"/>
-          </a:lnRef>
-          <a:fillRef idx="0">
-            <a:schemeClr val="accent1"/>
-          </a:fillRef>
-          <a:effectRef idx="0">
-            <a:schemeClr val="accent1"/>
-          </a:effectRef>
-          <a:fontRef idx="minor">
-            <a:schemeClr val="tx1"/>
-          </a:fontRef>
-        </p:style>
-      </p:cxnSp>
+        <p:txBody>
+          <a:bodyPr rtlCol="0" anchor="ctr"/>
+          <a:lstStyle/>
+          <a:p>
+            <a:pPr algn="ctr"/>
+            <a:r>
+              <a:rPr lang="en-US" altLang="zh-CN" dirty="0"/>
+              <a:t>xDeepFM: Combining Explicit and Implicit Feature Interactions for Recommender Systems</a:t>
+            </a:r>
+            <a:endParaRPr lang="zh-CN" altLang="en-US" dirty="0"/>
+          </a:p>
+        </p:txBody>
+      </p:sp>
     </p:spTree>
     <p:extLst>
       <p:ext uri="{BB962C8B-B14F-4D97-AF65-F5344CB8AC3E}">
@@ -5255,7 +4253,7 @@
           <p:cNvPr id="2" name="文本框 1">
             <a:extLst>
               <a:ext uri="{FF2B5EF4-FFF2-40B4-BE49-F238E27FC236}">
-                <a16:creationId xmlns:a16="http://schemas.microsoft.com/office/drawing/2014/main" id="{73682B6E-7AAA-4BD9-94B0-CF444C7FD52E}"/>
+                <a16:creationId xmlns:a16="http://schemas.microsoft.com/office/drawing/2014/main" id="{6687BBAE-333A-424E-9983-C18089F47118}"/>
               </a:ext>
             </a:extLst>
           </p:cNvPr>
@@ -5264,8 +4262,8 @@
         </p:nvSpPr>
         <p:spPr>
           <a:xfrm>
-            <a:off x="2183363" y="2780528"/>
-            <a:ext cx="184731" cy="369332"/>
+            <a:off x="395969" y="1222704"/>
+            <a:ext cx="11400064" cy="830997"/>
           </a:xfrm>
           <a:prstGeom prst="rect">
             <a:avLst/>
@@ -5273,12 +4271,18 @@
           <a:noFill/>
         </p:spPr>
         <p:txBody>
-          <a:bodyPr wrap="none" rtlCol="0">
+          <a:bodyPr wrap="square" rtlCol="0">
             <a:spAutoFit/>
           </a:bodyPr>
           <a:lstStyle/>
           <a:p>
-            <a:endParaRPr lang="zh-CN" altLang="en-US" dirty="0"/>
+            <a:r>
+              <a:rPr lang="zh-CN" altLang="en-US" sz="2400" dirty="0">
+                <a:latin typeface="宋体" panose="02010600030101010101" pitchFamily="2" charset="-122"/>
+                <a:ea typeface="宋体" panose="02010600030101010101" pitchFamily="2" charset="-122"/>
+              </a:rPr>
+              <a:t>    在传统的推荐系统中，高阶交叉特征通常由工程师手工提取，不仅人力成本高昂、维度空间极大，而且不可泛化。</a:t>
+            </a:r>
           </a:p>
         </p:txBody>
       </p:sp>
@@ -5287,7 +4291,7 @@
           <p:cNvPr id="3" name="文本框 2">
             <a:extLst>
               <a:ext uri="{FF2B5EF4-FFF2-40B4-BE49-F238E27FC236}">
-                <a16:creationId xmlns:a16="http://schemas.microsoft.com/office/drawing/2014/main" id="{883D60A9-CACF-473C-BAB5-70AA89100F52}"/>
+                <a16:creationId xmlns:a16="http://schemas.microsoft.com/office/drawing/2014/main" id="{7B22E8FF-DF05-4C87-B882-365DD51E8F20}"/>
               </a:ext>
             </a:extLst>
           </p:cNvPr>
@@ -5296,8 +4300,8 @@
         </p:nvSpPr>
         <p:spPr>
           <a:xfrm>
-            <a:off x="597159" y="3102634"/>
-            <a:ext cx="10636898" cy="369332"/>
+            <a:off x="683289" y="2516484"/>
+            <a:ext cx="10737606" cy="2831544"/>
           </a:xfrm>
           <a:prstGeom prst="rect">
             <a:avLst/>
@@ -5310,21 +4314,144 @@
           </a:bodyPr>
           <a:lstStyle/>
           <a:p>
-            <a:pPr algn="ctr"/>
-            <a:r>
-              <a:rPr lang="zh-CN" altLang="en-US" dirty="0"/>
-              <a:t>该方法所基于的基本假设是“一个用户有可能会喜欢与其相似的用户所喜欢的物品”。</a:t>
-            </a:r>
-            <a:endParaRPr lang="en-US" altLang="zh-CN" dirty="0"/>
-          </a:p>
-        </p:txBody>
-      </p:sp>
-      <p:sp>
-        <p:nvSpPr>
-          <p:cNvPr id="5" name="矩形: 圆角 4">
+            <a:pPr marL="285750" indent="-285750">
+              <a:buFont typeface="Wingdings" panose="05000000000000000000" pitchFamily="2" charset="2"/>
+              <a:buChar char="Ø"/>
+            </a:pPr>
+            <a:r>
+              <a:rPr lang="zh-CN" altLang="en-US" sz="2000" b="1" dirty="0">
+                <a:latin typeface="+mj-ea"/>
+                <a:ea typeface="+mj-ea"/>
+              </a:rPr>
+              <a:t>人工提取的三种缺点：</a:t>
+            </a:r>
+            <a:endParaRPr lang="en-US" altLang="zh-CN" sz="2000" b="1" dirty="0">
+              <a:latin typeface="+mj-ea"/>
+              <a:ea typeface="+mj-ea"/>
+            </a:endParaRPr>
+          </a:p>
+          <a:p>
+            <a:pPr marL="285750" indent="-285750">
+              <a:buFont typeface="Wingdings" panose="05000000000000000000" pitchFamily="2" charset="2"/>
+              <a:buChar char="Ø"/>
+            </a:pPr>
+            <a:endParaRPr lang="en-US" altLang="zh-CN" sz="2000" dirty="0">
+              <a:latin typeface="宋体" panose="02010600030101010101" pitchFamily="2" charset="-122"/>
+              <a:ea typeface="宋体" panose="02010600030101010101" pitchFamily="2" charset="-122"/>
+            </a:endParaRPr>
+          </a:p>
+          <a:p>
+            <a:pPr marL="742950" lvl="1" indent="-285750">
+              <a:buFont typeface="Wingdings" panose="05000000000000000000" pitchFamily="2" charset="2"/>
+              <a:buChar char="n"/>
+            </a:pPr>
+            <a:r>
+              <a:rPr lang="zh-CN" altLang="en-US" sz="2000" dirty="0">
+                <a:latin typeface="宋体" panose="02010600030101010101" pitchFamily="2" charset="-122"/>
+                <a:ea typeface="宋体" panose="02010600030101010101" pitchFamily="2" charset="-122"/>
+              </a:rPr>
+              <a:t>重要的特征都是与应用场景息息相关的，针对每一种应用场景，工程师们都需要首先花费大量时间和精力深入了解数据的规律之后才能设计、提取出高效的高阶交叉特征，因此</a:t>
+            </a:r>
+            <a:r>
+              <a:rPr lang="zh-CN" altLang="en-US" sz="2000" b="1" dirty="0">
+                <a:solidFill>
+                  <a:srgbClr val="C00000"/>
+                </a:solidFill>
+                <a:latin typeface="宋体" panose="02010600030101010101" pitchFamily="2" charset="-122"/>
+                <a:ea typeface="宋体" panose="02010600030101010101" pitchFamily="2" charset="-122"/>
+              </a:rPr>
+              <a:t>人力成本高昂。</a:t>
+            </a:r>
+            <a:endParaRPr lang="zh-CN" altLang="en-US" sz="2000" dirty="0">
+              <a:latin typeface="宋体" panose="02010600030101010101" pitchFamily="2" charset="-122"/>
+              <a:ea typeface="宋体" panose="02010600030101010101" pitchFamily="2" charset="-122"/>
+            </a:endParaRPr>
+          </a:p>
+          <a:p>
+            <a:pPr marL="742950" lvl="1" indent="-285750">
+              <a:buFont typeface="Wingdings" panose="05000000000000000000" pitchFamily="2" charset="2"/>
+              <a:buChar char="n"/>
+            </a:pPr>
+            <a:r>
+              <a:rPr lang="zh-CN" altLang="en-US" sz="2000" dirty="0">
+                <a:latin typeface="宋体" panose="02010600030101010101" pitchFamily="2" charset="-122"/>
+                <a:ea typeface="宋体" panose="02010600030101010101" pitchFamily="2" charset="-122"/>
+              </a:rPr>
+              <a:t>原始数据中往往包含大量稀疏的特征，例如用户和物品的</a:t>
+            </a:r>
+            <a:r>
+              <a:rPr lang="en-US" altLang="zh-CN" sz="2000" dirty="0">
+                <a:latin typeface="宋体" panose="02010600030101010101" pitchFamily="2" charset="-122"/>
+                <a:ea typeface="宋体" panose="02010600030101010101" pitchFamily="2" charset="-122"/>
+              </a:rPr>
+              <a:t>ID</a:t>
+            </a:r>
+            <a:r>
+              <a:rPr lang="zh-CN" altLang="en-US" sz="2000" dirty="0">
+                <a:latin typeface="宋体" panose="02010600030101010101" pitchFamily="2" charset="-122"/>
+                <a:ea typeface="宋体" panose="02010600030101010101" pitchFamily="2" charset="-122"/>
+              </a:rPr>
+              <a:t>，交叉特征的维度空间是原始特征维度的乘积，因此很容易带来</a:t>
+            </a:r>
+            <a:r>
+              <a:rPr lang="zh-CN" altLang="en-US" sz="2000" b="1" dirty="0">
+                <a:solidFill>
+                  <a:srgbClr val="C00000"/>
+                </a:solidFill>
+                <a:latin typeface="宋体" panose="02010600030101010101" pitchFamily="2" charset="-122"/>
+                <a:ea typeface="宋体" panose="02010600030101010101" pitchFamily="2" charset="-122"/>
+              </a:rPr>
+              <a:t>维度灾难</a:t>
+            </a:r>
+            <a:r>
+              <a:rPr lang="zh-CN" altLang="en-US" sz="2000" dirty="0">
+                <a:latin typeface="宋体" panose="02010600030101010101" pitchFamily="2" charset="-122"/>
+                <a:ea typeface="宋体" panose="02010600030101010101" pitchFamily="2" charset="-122"/>
+              </a:rPr>
+              <a:t>的问题。</a:t>
+            </a:r>
+          </a:p>
+          <a:p>
+            <a:pPr marL="742950" lvl="1" indent="-285750">
+              <a:buFont typeface="Wingdings" panose="05000000000000000000" pitchFamily="2" charset="2"/>
+              <a:buChar char="n"/>
+            </a:pPr>
+            <a:r>
+              <a:rPr lang="zh-CN" altLang="en-US" sz="2000" dirty="0">
+                <a:latin typeface="宋体" panose="02010600030101010101" pitchFamily="2" charset="-122"/>
+                <a:ea typeface="宋体" panose="02010600030101010101" pitchFamily="2" charset="-122"/>
+              </a:rPr>
+              <a:t>人工提取的交叉特征</a:t>
+            </a:r>
+            <a:r>
+              <a:rPr lang="zh-CN" altLang="en-US" sz="2000" b="1" dirty="0">
+                <a:solidFill>
+                  <a:srgbClr val="C00000"/>
+                </a:solidFill>
+                <a:latin typeface="宋体" panose="02010600030101010101" pitchFamily="2" charset="-122"/>
+                <a:ea typeface="宋体" panose="02010600030101010101" pitchFamily="2" charset="-122"/>
+              </a:rPr>
+              <a:t>无法泛化</a:t>
+            </a:r>
+            <a:r>
+              <a:rPr lang="zh-CN" altLang="en-US" sz="2000" dirty="0">
+                <a:latin typeface="宋体" panose="02010600030101010101" pitchFamily="2" charset="-122"/>
+                <a:ea typeface="宋体" panose="02010600030101010101" pitchFamily="2" charset="-122"/>
+              </a:rPr>
+              <a:t>到未曾在训练样本中出现过的模式中。</a:t>
+            </a:r>
+          </a:p>
+          <a:p>
+            <a:endParaRPr lang="zh-CN" altLang="en-US" dirty="0"/>
+          </a:p>
+        </p:txBody>
+      </p:sp>
+      <p:sp>
+        <p:nvSpPr>
+          <p:cNvPr id="4" name="矩形: 圆角 3">
             <a:extLst>
               <a:ext uri="{FF2B5EF4-FFF2-40B4-BE49-F238E27FC236}">
-                <a16:creationId xmlns:a16="http://schemas.microsoft.com/office/drawing/2014/main" id="{62EB3865-0E75-410C-87E9-93C5FAAA5AB8}"/>
+                <a16:creationId xmlns:a16="http://schemas.microsoft.com/office/drawing/2014/main" id="{693F3D24-31B1-468F-A2C3-288D55B06612}"/>
               </a:ext>
             </a:extLst>
           </p:cNvPr>
@@ -5333,22 +4460,24 @@
         </p:nvSpPr>
         <p:spPr>
           <a:xfrm>
-            <a:off x="4044821" y="2099388"/>
-            <a:ext cx="2813180" cy="522514"/>
+            <a:off x="683289" y="291402"/>
+            <a:ext cx="2230733" cy="620541"/>
           </a:xfrm>
           <a:prstGeom prst="roundRect">
             <a:avLst/>
           </a:prstGeom>
         </p:spPr>
         <p:style>
-          <a:lnRef idx="0">
-            <a:schemeClr val="accent5"/>
+          <a:lnRef idx="2">
+            <a:schemeClr val="accent1">
+              <a:shade val="50000"/>
+            </a:schemeClr>
           </a:lnRef>
-          <a:fillRef idx="3">
-            <a:schemeClr val="accent5"/>
+          <a:fillRef idx="1">
+            <a:schemeClr val="accent1"/>
           </a:fillRef>
-          <a:effectRef idx="3">
-            <a:schemeClr val="accent5"/>
+          <a:effectRef idx="0">
+            <a:schemeClr val="accent1"/>
           </a:effectRef>
           <a:fontRef idx="minor">
             <a:schemeClr val="lt1"/>
@@ -5360,134 +4489,8 @@
           <a:p>
             <a:pPr algn="ctr"/>
             <a:r>
-              <a:rPr lang="zh-CN" altLang="en-US" dirty="0"/>
-              <a:t>基于人口统计学的推荐</a:t>
-            </a:r>
-          </a:p>
-        </p:txBody>
-      </p:sp>
-      <p:sp>
-        <p:nvSpPr>
-          <p:cNvPr id="6" name="矩形: 圆角 5">
-            <a:extLst>
-              <a:ext uri="{FF2B5EF4-FFF2-40B4-BE49-F238E27FC236}">
-                <a16:creationId xmlns:a16="http://schemas.microsoft.com/office/drawing/2014/main" id="{57A05FCC-8046-4AE9-8350-86FE9E6124A9}"/>
-              </a:ext>
-            </a:extLst>
-          </p:cNvPr>
-          <p:cNvSpPr/>
-          <p:nvPr/>
-        </p:nvSpPr>
-        <p:spPr>
-          <a:xfrm>
-            <a:off x="4128797" y="4586207"/>
-            <a:ext cx="2654559" cy="485191"/>
-          </a:xfrm>
-          <a:prstGeom prst="roundRect">
-            <a:avLst/>
-          </a:prstGeom>
-        </p:spPr>
-        <p:style>
-          <a:lnRef idx="0">
-            <a:schemeClr val="accent5"/>
-          </a:lnRef>
-          <a:fillRef idx="3">
-            <a:schemeClr val="accent5"/>
-          </a:fillRef>
-          <a:effectRef idx="3">
-            <a:schemeClr val="accent5"/>
-          </a:effectRef>
-          <a:fontRef idx="minor">
-            <a:schemeClr val="lt1"/>
-          </a:fontRef>
-        </p:style>
-        <p:txBody>
-          <a:bodyPr rtlCol="0" anchor="ctr"/>
-          <a:lstStyle/>
-          <a:p>
-            <a:pPr algn="ctr"/>
-            <a:r>
-              <a:rPr lang="zh-CN" altLang="en-US" dirty="0"/>
-              <a:t>基于内容的推荐</a:t>
-            </a:r>
-          </a:p>
-        </p:txBody>
-      </p:sp>
-      <p:sp>
-        <p:nvSpPr>
-          <p:cNvPr id="7" name="文本框 6">
-            <a:extLst>
-              <a:ext uri="{FF2B5EF4-FFF2-40B4-BE49-F238E27FC236}">
-                <a16:creationId xmlns:a16="http://schemas.microsoft.com/office/drawing/2014/main" id="{EC9CAEB7-A7A5-48C7-8405-E916DEFA7EF0}"/>
-              </a:ext>
-            </a:extLst>
-          </p:cNvPr>
-          <p:cNvSpPr txBox="1"/>
-          <p:nvPr/>
-        </p:nvSpPr>
-        <p:spPr>
-          <a:xfrm>
-            <a:off x="597159" y="5627338"/>
-            <a:ext cx="10636898" cy="369332"/>
-          </a:xfrm>
-          <a:prstGeom prst="rect">
-            <a:avLst/>
-          </a:prstGeom>
-          <a:noFill/>
-        </p:spPr>
-        <p:txBody>
-          <a:bodyPr wrap="square" rtlCol="0">
-            <a:spAutoFit/>
-          </a:bodyPr>
-          <a:lstStyle/>
-          <a:p>
-            <a:pPr algn="ctr"/>
-            <a:r>
-              <a:rPr lang="zh-CN" altLang="en-US" dirty="0"/>
-              <a:t>该方法所基于的基本假设是“一个用户可能会喜欢和他曾经喜欢过的物品相似的物品”。</a:t>
-            </a:r>
-            <a:endParaRPr lang="en-US" altLang="zh-CN" dirty="0"/>
-          </a:p>
-        </p:txBody>
-      </p:sp>
-      <p:sp>
-        <p:nvSpPr>
-          <p:cNvPr id="8" name="文本框 7">
-            <a:extLst>
-              <a:ext uri="{FF2B5EF4-FFF2-40B4-BE49-F238E27FC236}">
-                <a16:creationId xmlns:a16="http://schemas.microsoft.com/office/drawing/2014/main" id="{5695F0E2-C23F-4BE1-AC01-408B5149869A}"/>
-              </a:ext>
-            </a:extLst>
-          </p:cNvPr>
-          <p:cNvSpPr txBox="1"/>
-          <p:nvPr/>
-        </p:nvSpPr>
-        <p:spPr>
-          <a:xfrm>
-            <a:off x="3743909" y="375371"/>
-            <a:ext cx="3415004" cy="646331"/>
-          </a:xfrm>
-          <a:prstGeom prst="rect">
-            <a:avLst/>
-          </a:prstGeom>
-          <a:noFill/>
-        </p:spPr>
-        <p:txBody>
-          <a:bodyPr wrap="square" rtlCol="0">
-            <a:spAutoFit/>
-          </a:bodyPr>
-          <a:lstStyle/>
-          <a:p>
-            <a:pPr algn="ctr"/>
-            <a:r>
-              <a:rPr lang="zh-CN" altLang="en-US" sz="3600" dirty="0">
-                <a:solidFill>
-                  <a:srgbClr val="00B050"/>
-                </a:solidFill>
-                <a:latin typeface="华文彩云" panose="02010800040101010101" pitchFamily="2" charset="-122"/>
-                <a:ea typeface="华文彩云" panose="02010800040101010101" pitchFamily="2" charset="-122"/>
-              </a:rPr>
-              <a:t>典型推荐算法</a:t>
+              <a:rPr lang="zh-CN" altLang="en-US" sz="2800" b="1" dirty="0"/>
+              <a:t>模型的由来</a:t>
             </a:r>
           </a:p>
         </p:txBody>
@@ -5495,7 +4498,7 @@
     </p:spTree>
     <p:extLst>
       <p:ext uri="{BB962C8B-B14F-4D97-AF65-F5344CB8AC3E}">
-        <p14:creationId xmlns:p14="http://schemas.microsoft.com/office/powerpoint/2010/main" val="366820781"/>
+        <p14:creationId xmlns:p14="http://schemas.microsoft.com/office/powerpoint/2010/main" val="1968505344"/>
       </p:ext>
     </p:extLst>
   </p:cSld>
@@ -5524,10 +4527,337 @@
       </p:grpSpPr>
       <p:sp>
         <p:nvSpPr>
-          <p:cNvPr id="2" name="矩形: 圆角 1">
+          <p:cNvPr id="2" name="文本框 1">
             <a:extLst>
               <a:ext uri="{FF2B5EF4-FFF2-40B4-BE49-F238E27FC236}">
-                <a16:creationId xmlns:a16="http://schemas.microsoft.com/office/drawing/2014/main" id="{8C035F8F-61FA-4307-BA69-272A3A1F84EF}"/>
+                <a16:creationId xmlns:a16="http://schemas.microsoft.com/office/drawing/2014/main" id="{653D3624-E3BE-4615-8774-8271D3A8EE83}"/>
+              </a:ext>
+            </a:extLst>
+          </p:cNvPr>
+          <p:cNvSpPr txBox="1"/>
+          <p:nvPr/>
+        </p:nvSpPr>
+        <p:spPr>
+          <a:xfrm>
+            <a:off x="683289" y="2098095"/>
+            <a:ext cx="10834006" cy="3693319"/>
+          </a:xfrm>
+          <a:prstGeom prst="rect">
+            <a:avLst/>
+          </a:prstGeom>
+          <a:noFill/>
+        </p:spPr>
+        <p:txBody>
+          <a:bodyPr wrap="square" rtlCol="0">
+            <a:spAutoFit/>
+          </a:bodyPr>
+          <a:lstStyle/>
+          <a:p>
+            <a:pPr marL="285750" indent="-285750">
+              <a:buFont typeface="Wingdings" panose="05000000000000000000" pitchFamily="2" charset="2"/>
+              <a:buChar char="Ø"/>
+            </a:pPr>
+            <a:r>
+              <a:rPr lang="zh-CN" altLang="en-US" b="1" dirty="0"/>
+              <a:t>以上模型的缺点：</a:t>
+            </a:r>
+            <a:endParaRPr lang="en-US" altLang="zh-CN" b="1" dirty="0"/>
+          </a:p>
+          <a:p>
+            <a:pPr marL="742950" lvl="1" indent="-285750">
+              <a:buFont typeface="Wingdings" panose="05000000000000000000" pitchFamily="2" charset="2"/>
+              <a:buChar char="n"/>
+            </a:pPr>
+            <a:r>
+              <a:rPr lang="zh-CN" altLang="en-US" dirty="0">
+                <a:latin typeface="宋体" panose="02010600030101010101" pitchFamily="2" charset="-122"/>
+                <a:ea typeface="宋体" panose="02010600030101010101" pitchFamily="2" charset="-122"/>
+              </a:rPr>
+              <a:t>模型学习出的是隐式的交互特征，其形式是未知的、不可控的。</a:t>
+            </a:r>
+            <a:endParaRPr lang="en-US" altLang="zh-CN" dirty="0">
+              <a:latin typeface="宋体" panose="02010600030101010101" pitchFamily="2" charset="-122"/>
+              <a:ea typeface="宋体" panose="02010600030101010101" pitchFamily="2" charset="-122"/>
+            </a:endParaRPr>
+          </a:p>
+          <a:p>
+            <a:pPr marL="742950" lvl="1" indent="-285750">
+              <a:buFont typeface="Wingdings" panose="05000000000000000000" pitchFamily="2" charset="2"/>
+              <a:buChar char="n"/>
+            </a:pPr>
+            <a:r>
+              <a:rPr lang="zh-CN" altLang="en-US" dirty="0">
+                <a:latin typeface="宋体" panose="02010600030101010101" pitchFamily="2" charset="-122"/>
+                <a:ea typeface="宋体" panose="02010600030101010101" pitchFamily="2" charset="-122"/>
+              </a:rPr>
+              <a:t>它们的特征交互是发生在元素级而不是特征向量之间。</a:t>
+            </a:r>
+            <a:endParaRPr lang="en-US" altLang="zh-CN" dirty="0">
+              <a:latin typeface="宋体" panose="02010600030101010101" pitchFamily="2" charset="-122"/>
+              <a:ea typeface="宋体" panose="02010600030101010101" pitchFamily="2" charset="-122"/>
+            </a:endParaRPr>
+          </a:p>
+          <a:p>
+            <a:endParaRPr lang="en-US" altLang="zh-CN" dirty="0"/>
+          </a:p>
+          <a:p>
+            <a:r>
+              <a:rPr lang="zh-CN" altLang="en-US" sz="2000" b="1" dirty="0">
+                <a:solidFill>
+                  <a:srgbClr val="C00000"/>
+                </a:solidFill>
+                <a:latin typeface="宋体" panose="02010600030101010101" pitchFamily="2" charset="-122"/>
+                <a:ea typeface="宋体" panose="02010600030101010101" pitchFamily="2" charset="-122"/>
+              </a:rPr>
+              <a:t>元素级</a:t>
+            </a:r>
+            <a:r>
+              <a:rPr lang="en-US" altLang="zh-CN" sz="2000" b="1" dirty="0">
+                <a:solidFill>
+                  <a:srgbClr val="C00000"/>
+                </a:solidFill>
+                <a:latin typeface="宋体" panose="02010600030101010101" pitchFamily="2" charset="-122"/>
+                <a:ea typeface="宋体" panose="02010600030101010101" pitchFamily="2" charset="-122"/>
+              </a:rPr>
+              <a:t> VS </a:t>
+            </a:r>
+            <a:r>
+              <a:rPr lang="zh-CN" altLang="en-US" sz="2000" b="1" dirty="0">
+                <a:solidFill>
+                  <a:srgbClr val="C00000"/>
+                </a:solidFill>
+                <a:latin typeface="宋体" panose="02010600030101010101" pitchFamily="2" charset="-122"/>
+                <a:ea typeface="宋体" panose="02010600030101010101" pitchFamily="2" charset="-122"/>
+              </a:rPr>
+              <a:t>特征向量级：</a:t>
+            </a:r>
+            <a:endParaRPr lang="en-US" altLang="zh-CN" sz="2000" b="1" dirty="0">
+              <a:solidFill>
+                <a:srgbClr val="C00000"/>
+              </a:solidFill>
+              <a:latin typeface="宋体" panose="02010600030101010101" pitchFamily="2" charset="-122"/>
+              <a:ea typeface="宋体" panose="02010600030101010101" pitchFamily="2" charset="-122"/>
+            </a:endParaRPr>
+          </a:p>
+          <a:p>
+            <a:pPr marL="285750" indent="-285750">
+              <a:buFont typeface="Wingdings" panose="05000000000000000000" pitchFamily="2" charset="2"/>
+              <a:buChar char="p"/>
+            </a:pPr>
+            <a:r>
+              <a:rPr lang="zh-CN" altLang="en-US" dirty="0">
+                <a:latin typeface="宋体" panose="02010600030101010101" pitchFamily="2" charset="-122"/>
+                <a:ea typeface="宋体" panose="02010600030101010101" pitchFamily="2" charset="-122"/>
+              </a:rPr>
+              <a:t>假设隐向量的维度为</a:t>
+            </a:r>
+            <a:r>
+              <a:rPr lang="en-US" altLang="zh-CN" dirty="0">
+                <a:latin typeface="宋体" panose="02010600030101010101" pitchFamily="2" charset="-122"/>
+                <a:ea typeface="宋体" panose="02010600030101010101" pitchFamily="2" charset="-122"/>
+              </a:rPr>
+              <a:t>3</a:t>
+            </a:r>
+            <a:r>
+              <a:rPr lang="zh-CN" altLang="en-US" dirty="0">
+                <a:latin typeface="宋体" panose="02010600030101010101" pitchFamily="2" charset="-122"/>
+                <a:ea typeface="宋体" panose="02010600030101010101" pitchFamily="2" charset="-122"/>
+              </a:rPr>
+              <a:t>维，如果两个特征对应的向量分别为</a:t>
+            </a:r>
+            <a:r>
+              <a:rPr lang="en-US" altLang="zh-CN" dirty="0">
+                <a:latin typeface="宋体" panose="02010600030101010101" pitchFamily="2" charset="-122"/>
+                <a:ea typeface="宋体" panose="02010600030101010101" pitchFamily="2" charset="-122"/>
+              </a:rPr>
+              <a:t>(a1,b1,c1)</a:t>
+            </a:r>
+            <a:r>
+              <a:rPr lang="zh-CN" altLang="en-US" dirty="0">
+                <a:latin typeface="宋体" panose="02010600030101010101" pitchFamily="2" charset="-122"/>
+                <a:ea typeface="宋体" panose="02010600030101010101" pitchFamily="2" charset="-122"/>
+              </a:rPr>
+              <a:t>和</a:t>
+            </a:r>
+            <a:r>
+              <a:rPr lang="en-US" altLang="zh-CN" dirty="0">
+                <a:latin typeface="宋体" panose="02010600030101010101" pitchFamily="2" charset="-122"/>
+                <a:ea typeface="宋体" panose="02010600030101010101" pitchFamily="2" charset="-122"/>
+              </a:rPr>
+              <a:t>(a2,b2,c2)</a:t>
+            </a:r>
+            <a:r>
+              <a:rPr lang="zh-CN" altLang="en-US" dirty="0">
+                <a:latin typeface="宋体" panose="02010600030101010101" pitchFamily="2" charset="-122"/>
+                <a:ea typeface="宋体" panose="02010600030101010101" pitchFamily="2" charset="-122"/>
+              </a:rPr>
+              <a:t>的话，在进行交互时，交互的形式类似于</a:t>
+            </a:r>
+            <a:r>
+              <a:rPr lang="en-US" altLang="zh-CN" dirty="0">
+                <a:latin typeface="宋体" panose="02010600030101010101" pitchFamily="2" charset="-122"/>
+                <a:ea typeface="宋体" panose="02010600030101010101" pitchFamily="2" charset="-122"/>
+              </a:rPr>
+              <a:t>f(w1 * a1 * a2,w2 * b1 * b2 ,w3 * c1 * c2)</a:t>
+            </a:r>
+            <a:r>
+              <a:rPr lang="zh-CN" altLang="en-US" dirty="0">
+                <a:latin typeface="宋体" panose="02010600030101010101" pitchFamily="2" charset="-122"/>
+                <a:ea typeface="宋体" panose="02010600030101010101" pitchFamily="2" charset="-122"/>
+              </a:rPr>
+              <a:t>的话，此时我们认为特征交互是发生在元素级（</a:t>
+            </a:r>
+            <a:r>
+              <a:rPr lang="en-US" altLang="zh-CN" dirty="0">
+                <a:latin typeface="宋体" panose="02010600030101010101" pitchFamily="2" charset="-122"/>
+                <a:ea typeface="宋体" panose="02010600030101010101" pitchFamily="2" charset="-122"/>
+              </a:rPr>
+              <a:t>bit-wise</a:t>
+            </a:r>
+            <a:r>
+              <a:rPr lang="zh-CN" altLang="en-US" dirty="0">
+                <a:latin typeface="宋体" panose="02010600030101010101" pitchFamily="2" charset="-122"/>
+                <a:ea typeface="宋体" panose="02010600030101010101" pitchFamily="2" charset="-122"/>
+              </a:rPr>
+              <a:t>）上。如果特征交互形式类似于 </a:t>
+            </a:r>
+            <a:r>
+              <a:rPr lang="en-US" altLang="zh-CN" dirty="0">
+                <a:latin typeface="宋体" panose="02010600030101010101" pitchFamily="2" charset="-122"/>
+                <a:ea typeface="宋体" panose="02010600030101010101" pitchFamily="2" charset="-122"/>
+              </a:rPr>
+              <a:t>f(w * (a1 * a2 ,b1 * b2,c1 * c2))</a:t>
+            </a:r>
+            <a:r>
+              <a:rPr lang="zh-CN" altLang="en-US" dirty="0">
+                <a:latin typeface="宋体" panose="02010600030101010101" pitchFamily="2" charset="-122"/>
+                <a:ea typeface="宋体" panose="02010600030101010101" pitchFamily="2" charset="-122"/>
+              </a:rPr>
+              <a:t>的话，那么我们认为特征交互是发生在特征向量级（</a:t>
+            </a:r>
+            <a:r>
+              <a:rPr lang="en-US" altLang="zh-CN" dirty="0">
+                <a:latin typeface="宋体" panose="02010600030101010101" pitchFamily="2" charset="-122"/>
+                <a:ea typeface="宋体" panose="02010600030101010101" pitchFamily="2" charset="-122"/>
+              </a:rPr>
+              <a:t>vector-wise</a:t>
+            </a:r>
+            <a:r>
+              <a:rPr lang="zh-CN" altLang="en-US" dirty="0">
+                <a:latin typeface="宋体" panose="02010600030101010101" pitchFamily="2" charset="-122"/>
+                <a:ea typeface="宋体" panose="02010600030101010101" pitchFamily="2" charset="-122"/>
+              </a:rPr>
+              <a:t>）。</a:t>
+            </a:r>
+            <a:endParaRPr lang="en-US" altLang="zh-CN" dirty="0">
+              <a:latin typeface="宋体" panose="02010600030101010101" pitchFamily="2" charset="-122"/>
+              <a:ea typeface="宋体" panose="02010600030101010101" pitchFamily="2" charset="-122"/>
+            </a:endParaRPr>
+          </a:p>
+          <a:p>
+            <a:pPr marL="285750" indent="-285750">
+              <a:buFont typeface="Wingdings" panose="05000000000000000000" pitchFamily="2" charset="2"/>
+              <a:buChar char="p"/>
+            </a:pPr>
+            <a:endParaRPr lang="en-US" altLang="zh-CN" dirty="0">
+              <a:latin typeface="宋体" panose="02010600030101010101" pitchFamily="2" charset="-122"/>
+              <a:ea typeface="宋体" panose="02010600030101010101" pitchFamily="2" charset="-122"/>
+            </a:endParaRPr>
+          </a:p>
+          <a:p>
+            <a:r>
+              <a:rPr lang="zh-CN" altLang="en-US" dirty="0">
+                <a:solidFill>
+                  <a:srgbClr val="C00000"/>
+                </a:solidFill>
+              </a:rPr>
+              <a:t>显示</a:t>
+            </a:r>
+            <a:r>
+              <a:rPr lang="en-US" altLang="zh-CN" dirty="0">
+                <a:solidFill>
+                  <a:srgbClr val="C00000"/>
+                </a:solidFill>
+              </a:rPr>
+              <a:t> VS </a:t>
+            </a:r>
+            <a:r>
+              <a:rPr lang="zh-CN" altLang="en-US" dirty="0">
+                <a:solidFill>
+                  <a:srgbClr val="C00000"/>
+                </a:solidFill>
+              </a:rPr>
+              <a:t>隐式：</a:t>
+            </a:r>
+            <a:endParaRPr lang="en-US" altLang="zh-CN" dirty="0">
+              <a:solidFill>
+                <a:srgbClr val="C00000"/>
+              </a:solidFill>
+            </a:endParaRPr>
+          </a:p>
+          <a:p>
+            <a:pPr marL="285750" indent="-285750">
+              <a:buFont typeface="Wingdings" panose="05000000000000000000" pitchFamily="2" charset="2"/>
+              <a:buChar char="p"/>
+            </a:pPr>
+            <a:r>
+              <a:rPr lang="zh-CN" altLang="en-US" dirty="0">
+                <a:latin typeface="宋体" panose="02010600030101010101" pitchFamily="2" charset="-122"/>
+                <a:ea typeface="宋体" panose="02010600030101010101" pitchFamily="2" charset="-122"/>
+              </a:rPr>
+              <a:t>以两个特征为例，</a:t>
+            </a:r>
+            <a:r>
+              <a:rPr lang="en-US" altLang="zh-CN" dirty="0">
+                <a:latin typeface="宋体" panose="02010600030101010101" pitchFamily="2" charset="-122"/>
+                <a:ea typeface="宋体" panose="02010600030101010101" pitchFamily="2" charset="-122"/>
+              </a:rPr>
+              <a:t>xi</a:t>
+            </a:r>
+            <a:r>
+              <a:rPr lang="zh-CN" altLang="en-US" dirty="0">
+                <a:latin typeface="宋体" panose="02010600030101010101" pitchFamily="2" charset="-122"/>
+                <a:ea typeface="宋体" panose="02010600030101010101" pitchFamily="2" charset="-122"/>
+              </a:rPr>
+              <a:t>和</a:t>
+            </a:r>
+            <a:r>
+              <a:rPr lang="en-US" altLang="zh-CN" dirty="0">
+                <a:latin typeface="宋体" panose="02010600030101010101" pitchFamily="2" charset="-122"/>
+                <a:ea typeface="宋体" panose="02010600030101010101" pitchFamily="2" charset="-122"/>
+              </a:rPr>
+              <a:t>xj</a:t>
+            </a:r>
+            <a:r>
+              <a:rPr lang="zh-CN" altLang="en-US" dirty="0">
+                <a:latin typeface="宋体" panose="02010600030101010101" pitchFamily="2" charset="-122"/>
+                <a:ea typeface="宋体" panose="02010600030101010101" pitchFamily="2" charset="-122"/>
+              </a:rPr>
+              <a:t>，在经过一系列变换后，我们可以表示成 </a:t>
+            </a:r>
+            <a:r>
+              <a:rPr lang="en-US" altLang="zh-CN" dirty="0">
+                <a:latin typeface="宋体" panose="02010600030101010101" pitchFamily="2" charset="-122"/>
+                <a:ea typeface="宋体" panose="02010600030101010101" pitchFamily="2" charset="-122"/>
+              </a:rPr>
+              <a:t>wij * (xi * xj)</a:t>
+            </a:r>
+            <a:r>
+              <a:rPr lang="zh-CN" altLang="en-US" dirty="0">
+                <a:latin typeface="宋体" panose="02010600030101010101" pitchFamily="2" charset="-122"/>
+                <a:ea typeface="宋体" panose="02010600030101010101" pitchFamily="2" charset="-122"/>
+              </a:rPr>
+              <a:t>的形式，就可以认为是显式特征交互，否则的话，是隐式的特征交互。</a:t>
+            </a:r>
+          </a:p>
+        </p:txBody>
+      </p:sp>
+      <p:sp>
+        <p:nvSpPr>
+          <p:cNvPr id="4" name="矩形: 圆角 3">
+            <a:extLst>
+              <a:ext uri="{FF2B5EF4-FFF2-40B4-BE49-F238E27FC236}">
+                <a16:creationId xmlns:a16="http://schemas.microsoft.com/office/drawing/2014/main" id="{D2A9E52B-B4D7-407B-A59C-2439CFFAC44B}"/>
               </a:ext>
             </a:extLst>
           </p:cNvPr>
@@ -5536,64 +4866,12 @@
         </p:nvSpPr>
         <p:spPr>
           <a:xfrm>
-            <a:off x="4556447" y="419883"/>
-            <a:ext cx="3079105" cy="662468"/>
+            <a:off x="683289" y="291402"/>
+            <a:ext cx="4264268" cy="620541"/>
           </a:xfrm>
           <a:prstGeom prst="roundRect">
             <a:avLst/>
           </a:prstGeom>
-        </p:spPr>
-        <p:style>
-          <a:lnRef idx="0">
-            <a:schemeClr val="accent5"/>
-          </a:lnRef>
-          <a:fillRef idx="3">
-            <a:schemeClr val="accent5"/>
-          </a:fillRef>
-          <a:effectRef idx="3">
-            <a:schemeClr val="accent5"/>
-          </a:effectRef>
-          <a:fontRef idx="minor">
-            <a:schemeClr val="lt1"/>
-          </a:fontRef>
-        </p:style>
-        <p:txBody>
-          <a:bodyPr rtlCol="0" anchor="ctr"/>
-          <a:lstStyle/>
-          <a:p>
-            <a:pPr algn="ctr"/>
-            <a:r>
-              <a:rPr lang="zh-CN" altLang="en-US" dirty="0"/>
-              <a:t>基于协同过滤的推荐</a:t>
-            </a:r>
-          </a:p>
-        </p:txBody>
-      </p:sp>
-      <p:sp>
-        <p:nvSpPr>
-          <p:cNvPr id="3" name="椭圆 2">
-            <a:extLst>
-              <a:ext uri="{FF2B5EF4-FFF2-40B4-BE49-F238E27FC236}">
-                <a16:creationId xmlns:a16="http://schemas.microsoft.com/office/drawing/2014/main" id="{9A7E5D3C-55D6-45FC-A30A-C83B648D46DC}"/>
-              </a:ext>
-            </a:extLst>
-          </p:cNvPr>
-          <p:cNvSpPr/>
-          <p:nvPr/>
-        </p:nvSpPr>
-        <p:spPr>
-          <a:xfrm>
-            <a:off x="1119673" y="3041779"/>
-            <a:ext cx="2062066" cy="681136"/>
-          </a:xfrm>
-          <a:prstGeom prst="ellipse">
-            <a:avLst/>
-          </a:prstGeom>
-          <a:solidFill>
-            <a:schemeClr val="accent5">
-              <a:lumMod val="75000"/>
-            </a:schemeClr>
-          </a:solidFill>
         </p:spPr>
         <p:style>
           <a:lnRef idx="2">
@@ -5617,581 +4895,84 @@
           <a:p>
             <a:pPr algn="ctr"/>
             <a:r>
-              <a:rPr lang="zh-CN" altLang="en-US" sz="1600" dirty="0"/>
-              <a:t>基于历史记录的推荐</a:t>
-            </a:r>
-          </a:p>
-        </p:txBody>
-      </p:sp>
-      <p:sp>
-        <p:nvSpPr>
-          <p:cNvPr id="5" name="矩形 4">
+              <a:rPr lang="zh-CN" altLang="en-US" sz="2800" b="1" dirty="0"/>
+              <a:t>当前研究工作存在的问题</a:t>
+            </a:r>
+          </a:p>
+        </p:txBody>
+      </p:sp>
+      <p:sp>
+        <p:nvSpPr>
+          <p:cNvPr id="5" name="文本框 4">
             <a:extLst>
               <a:ext uri="{FF2B5EF4-FFF2-40B4-BE49-F238E27FC236}">
-                <a16:creationId xmlns:a16="http://schemas.microsoft.com/office/drawing/2014/main" id="{C1E1FC8D-CD7C-4C3E-89DE-4E6D49EF6BBE}"/>
+                <a16:creationId xmlns:a16="http://schemas.microsoft.com/office/drawing/2014/main" id="{435C30AE-CF92-4B1B-9A55-0C17B5A08126}"/>
               </a:ext>
             </a:extLst>
           </p:cNvPr>
-          <p:cNvSpPr/>
+          <p:cNvSpPr txBox="1"/>
           <p:nvPr/>
         </p:nvSpPr>
         <p:spPr>
           <a:xfrm>
-            <a:off x="1119673" y="5127170"/>
-            <a:ext cx="2062066" cy="1007705"/>
+            <a:off x="816430" y="1235045"/>
+            <a:ext cx="10352313" cy="646331"/>
           </a:xfrm>
           <a:prstGeom prst="rect">
             <a:avLst/>
           </a:prstGeom>
-          <a:solidFill>
-            <a:schemeClr val="accent5">
-              <a:lumMod val="75000"/>
-            </a:schemeClr>
-          </a:solidFill>
-        </p:spPr>
-        <p:style>
-          <a:lnRef idx="2">
-            <a:schemeClr val="accent1">
-              <a:shade val="50000"/>
-            </a:schemeClr>
-          </a:lnRef>
-          <a:fillRef idx="1">
-            <a:schemeClr val="accent1"/>
-          </a:fillRef>
-          <a:effectRef idx="0">
-            <a:schemeClr val="accent1"/>
-          </a:effectRef>
-          <a:fontRef idx="minor">
-            <a:schemeClr val="lt1"/>
-          </a:fontRef>
-        </p:style>
-        <p:txBody>
-          <a:bodyPr rtlCol="0" anchor="ctr"/>
+          <a:noFill/>
+        </p:spPr>
+        <p:txBody>
+          <a:bodyPr wrap="square" rtlCol="0">
+            <a:spAutoFit/>
+          </a:bodyPr>
           <a:lstStyle/>
           <a:p>
-            <a:pPr algn="ctr"/>
             <a:r>
               <a:rPr lang="zh-CN" altLang="en-US" dirty="0"/>
-              <a:t>基于用户的推荐</a:t>
+              <a:t>       目前大部分相关的研究工作是</a:t>
+            </a:r>
+            <a:r>
+              <a:rPr lang="zh-CN" altLang="en-US" b="1" dirty="0"/>
+              <a:t>基于因子分解机的框架</a:t>
+            </a:r>
+            <a:r>
+              <a:rPr lang="zh-CN" altLang="en-US" dirty="0"/>
+              <a:t>，利用多层全连接神经网络去自动学习特征间的高阶交互关系，例如</a:t>
+            </a:r>
+            <a:r>
+              <a:rPr lang="en-US" altLang="zh-CN" dirty="0"/>
+              <a:t>FNN</a:t>
+            </a:r>
+            <a:r>
+              <a:rPr lang="zh-CN" altLang="en-US" dirty="0"/>
+              <a:t>、</a:t>
+            </a:r>
+            <a:r>
+              <a:rPr lang="en-US" altLang="zh-CN" dirty="0"/>
+              <a:t>PNN</a:t>
+            </a:r>
+            <a:r>
+              <a:rPr lang="zh-CN" altLang="en-US" dirty="0"/>
+              <a:t>和</a:t>
+            </a:r>
+            <a:r>
+              <a:rPr lang="en-US" altLang="zh-CN" dirty="0"/>
+              <a:t>DeepFM</a:t>
+            </a:r>
+            <a:r>
+              <a:rPr lang="zh-CN" altLang="en-US" dirty="0"/>
+              <a:t>等。</a:t>
             </a:r>
             <a:endParaRPr lang="en-US" altLang="zh-CN" dirty="0"/>
-          </a:p>
-          <a:p>
-            <a:pPr algn="ctr"/>
-            <a:r>
-              <a:rPr lang="zh-CN" altLang="en-US" dirty="0"/>
-              <a:t>基于物品的推荐</a:t>
-            </a:r>
-            <a:endParaRPr lang="en-US" altLang="zh-CN" dirty="0"/>
-          </a:p>
-        </p:txBody>
-      </p:sp>
-      <p:sp>
-        <p:nvSpPr>
-          <p:cNvPr id="6" name="椭圆 5">
-            <a:extLst>
-              <a:ext uri="{FF2B5EF4-FFF2-40B4-BE49-F238E27FC236}">
-                <a16:creationId xmlns:a16="http://schemas.microsoft.com/office/drawing/2014/main" id="{B1136923-384E-40F9-813F-43189041F869}"/>
-              </a:ext>
-            </a:extLst>
-          </p:cNvPr>
-          <p:cNvSpPr/>
-          <p:nvPr/>
-        </p:nvSpPr>
-        <p:spPr>
-          <a:xfrm>
-            <a:off x="4914897" y="3041778"/>
-            <a:ext cx="2362203" cy="681137"/>
-          </a:xfrm>
-          <a:prstGeom prst="ellipse">
-            <a:avLst/>
-          </a:prstGeom>
-          <a:solidFill>
-            <a:schemeClr val="accent5">
-              <a:lumMod val="75000"/>
-            </a:schemeClr>
-          </a:solidFill>
-        </p:spPr>
-        <p:style>
-          <a:lnRef idx="2">
-            <a:schemeClr val="accent1">
-              <a:shade val="50000"/>
-            </a:schemeClr>
-          </a:lnRef>
-          <a:fillRef idx="1">
-            <a:schemeClr val="accent1"/>
-          </a:fillRef>
-          <a:effectRef idx="0">
-            <a:schemeClr val="accent1"/>
-          </a:effectRef>
-          <a:fontRef idx="minor">
-            <a:schemeClr val="lt1"/>
-          </a:fontRef>
-        </p:style>
-        <p:txBody>
-          <a:bodyPr rtlCol="0" anchor="ctr"/>
-          <a:lstStyle/>
-          <a:p>
-            <a:pPr algn="ctr"/>
-            <a:r>
-              <a:rPr lang="zh-CN" altLang="en-US" sz="1600" dirty="0"/>
-              <a:t>基于模型的推荐</a:t>
-            </a:r>
-          </a:p>
-        </p:txBody>
-      </p:sp>
-      <p:sp>
-        <p:nvSpPr>
-          <p:cNvPr id="7" name="椭圆 6">
-            <a:extLst>
-              <a:ext uri="{FF2B5EF4-FFF2-40B4-BE49-F238E27FC236}">
-                <a16:creationId xmlns:a16="http://schemas.microsoft.com/office/drawing/2014/main" id="{407A8E40-FB1C-4C31-BB43-441D8C3DA1C4}"/>
-              </a:ext>
-            </a:extLst>
-          </p:cNvPr>
-          <p:cNvSpPr/>
-          <p:nvPr/>
-        </p:nvSpPr>
-        <p:spPr>
-          <a:xfrm>
-            <a:off x="8787879" y="3041779"/>
-            <a:ext cx="2362203" cy="681137"/>
-          </a:xfrm>
-          <a:prstGeom prst="ellipse">
-            <a:avLst/>
-          </a:prstGeom>
-          <a:solidFill>
-            <a:schemeClr val="accent5">
-              <a:lumMod val="75000"/>
-            </a:schemeClr>
-          </a:solidFill>
-        </p:spPr>
-        <p:style>
-          <a:lnRef idx="2">
-            <a:schemeClr val="accent1">
-              <a:shade val="50000"/>
-            </a:schemeClr>
-          </a:lnRef>
-          <a:fillRef idx="1">
-            <a:schemeClr val="accent1"/>
-          </a:fillRef>
-          <a:effectRef idx="0">
-            <a:schemeClr val="accent1"/>
-          </a:effectRef>
-          <a:fontRef idx="minor">
-            <a:schemeClr val="lt1"/>
-          </a:fontRef>
-        </p:style>
-        <p:txBody>
-          <a:bodyPr rtlCol="0" anchor="ctr"/>
-          <a:lstStyle/>
-          <a:p>
-            <a:pPr algn="ctr"/>
-            <a:r>
-              <a:rPr lang="zh-CN" altLang="en-US" sz="1600" dirty="0"/>
-              <a:t>混合型推荐</a:t>
-            </a:r>
-          </a:p>
-        </p:txBody>
-      </p:sp>
-      <p:sp>
-        <p:nvSpPr>
-          <p:cNvPr id="8" name="矩形 7">
-            <a:extLst>
-              <a:ext uri="{FF2B5EF4-FFF2-40B4-BE49-F238E27FC236}">
-                <a16:creationId xmlns:a16="http://schemas.microsoft.com/office/drawing/2014/main" id="{0A803F3E-81D0-4B3F-8B97-2E26C3ECEA41}"/>
-              </a:ext>
-            </a:extLst>
-          </p:cNvPr>
-          <p:cNvSpPr/>
-          <p:nvPr/>
-        </p:nvSpPr>
-        <p:spPr>
-          <a:xfrm>
-            <a:off x="4460033" y="5127171"/>
-            <a:ext cx="3175519" cy="1007706"/>
-          </a:xfrm>
-          <a:prstGeom prst="rect">
-            <a:avLst/>
-          </a:prstGeom>
-          <a:solidFill>
-            <a:schemeClr val="accent5">
-              <a:lumMod val="75000"/>
-            </a:schemeClr>
-          </a:solidFill>
-        </p:spPr>
-        <p:style>
-          <a:lnRef idx="2">
-            <a:schemeClr val="accent1">
-              <a:shade val="50000"/>
-            </a:schemeClr>
-          </a:lnRef>
-          <a:fillRef idx="1">
-            <a:schemeClr val="accent1"/>
-          </a:fillRef>
-          <a:effectRef idx="0">
-            <a:schemeClr val="accent1"/>
-          </a:effectRef>
-          <a:fontRef idx="minor">
-            <a:schemeClr val="lt1"/>
-          </a:fontRef>
-        </p:style>
-        <p:txBody>
-          <a:bodyPr rtlCol="0" anchor="ctr"/>
-          <a:lstStyle/>
-          <a:p>
-            <a:pPr algn="ctr"/>
-            <a:r>
-              <a:rPr lang="zh-CN" altLang="en-US" dirty="0"/>
-              <a:t>先用历史数据训练得到一个模型，再用此模型进行预测</a:t>
-            </a:r>
-          </a:p>
-        </p:txBody>
-      </p:sp>
-      <p:sp>
-        <p:nvSpPr>
-          <p:cNvPr id="9" name="矩形 8">
-            <a:extLst>
-              <a:ext uri="{FF2B5EF4-FFF2-40B4-BE49-F238E27FC236}">
-                <a16:creationId xmlns:a16="http://schemas.microsoft.com/office/drawing/2014/main" id="{91BA54FA-A75A-4311-9E4A-6B96511A3669}"/>
-              </a:ext>
-            </a:extLst>
-          </p:cNvPr>
-          <p:cNvSpPr/>
-          <p:nvPr/>
-        </p:nvSpPr>
-        <p:spPr>
-          <a:xfrm>
-            <a:off x="8429428" y="5127171"/>
-            <a:ext cx="3079104" cy="1007706"/>
-          </a:xfrm>
-          <a:prstGeom prst="rect">
-            <a:avLst/>
-          </a:prstGeom>
-          <a:solidFill>
-            <a:schemeClr val="accent5">
-              <a:lumMod val="75000"/>
-            </a:schemeClr>
-          </a:solidFill>
-        </p:spPr>
-        <p:style>
-          <a:lnRef idx="2">
-            <a:schemeClr val="accent1">
-              <a:shade val="50000"/>
-            </a:schemeClr>
-          </a:lnRef>
-          <a:fillRef idx="1">
-            <a:schemeClr val="accent1"/>
-          </a:fillRef>
-          <a:effectRef idx="0">
-            <a:schemeClr val="accent1"/>
-          </a:effectRef>
-          <a:fontRef idx="minor">
-            <a:schemeClr val="lt1"/>
-          </a:fontRef>
-        </p:style>
-        <p:txBody>
-          <a:bodyPr rtlCol="0" anchor="ctr"/>
-          <a:lstStyle/>
-          <a:p>
-            <a:pPr algn="ctr"/>
-            <a:r>
-              <a:rPr lang="zh-CN" altLang="en-US" dirty="0"/>
-              <a:t>加权融合、切换、混合</a:t>
-            </a:r>
-            <a:endParaRPr lang="en-US" altLang="zh-CN" dirty="0"/>
-          </a:p>
-          <a:p>
-            <a:pPr algn="ctr"/>
-            <a:r>
-              <a:rPr lang="zh-CN" altLang="en-US" dirty="0"/>
-              <a:t>特征组合、级联型、</a:t>
-            </a:r>
-            <a:endParaRPr lang="en-US" altLang="zh-CN" dirty="0"/>
-          </a:p>
-          <a:p>
-            <a:pPr algn="ctr"/>
-            <a:r>
-              <a:rPr lang="zh-CN" altLang="en-US" dirty="0"/>
-              <a:t>特征递增、元层次混合</a:t>
-            </a:r>
-          </a:p>
-        </p:txBody>
-      </p:sp>
-      <p:cxnSp>
-        <p:nvCxnSpPr>
-          <p:cNvPr id="14" name="直接箭头连接符 13">
-            <a:extLst>
-              <a:ext uri="{FF2B5EF4-FFF2-40B4-BE49-F238E27FC236}">
-                <a16:creationId xmlns:a16="http://schemas.microsoft.com/office/drawing/2014/main" id="{C63EA56F-D461-47E1-830A-94DABD106A12}"/>
-              </a:ext>
-            </a:extLst>
-          </p:cNvPr>
-          <p:cNvCxnSpPr/>
-          <p:nvPr/>
-        </p:nvCxnSpPr>
-        <p:spPr>
-          <a:xfrm flipH="1">
-            <a:off x="2873829" y="1250302"/>
-            <a:ext cx="2041068" cy="1688841"/>
-          </a:xfrm>
-          <a:prstGeom prst="straightConnector1">
-            <a:avLst/>
-          </a:prstGeom>
-          <a:ln>
-            <a:tailEnd type="triangle"/>
-          </a:ln>
-        </p:spPr>
-        <p:style>
-          <a:lnRef idx="1">
-            <a:schemeClr val="accent1"/>
-          </a:lnRef>
-          <a:fillRef idx="0">
-            <a:schemeClr val="accent1"/>
-          </a:fillRef>
-          <a:effectRef idx="0">
-            <a:schemeClr val="accent1"/>
-          </a:effectRef>
-          <a:fontRef idx="minor">
-            <a:schemeClr val="tx1"/>
-          </a:fontRef>
-        </p:style>
-      </p:cxnSp>
-      <p:cxnSp>
-        <p:nvCxnSpPr>
-          <p:cNvPr id="16" name="直接箭头连接符 15">
-            <a:extLst>
-              <a:ext uri="{FF2B5EF4-FFF2-40B4-BE49-F238E27FC236}">
-                <a16:creationId xmlns:a16="http://schemas.microsoft.com/office/drawing/2014/main" id="{D96AFFDD-E50C-4246-ABD0-265D6F7474E1}"/>
-              </a:ext>
-            </a:extLst>
-          </p:cNvPr>
-          <p:cNvCxnSpPr/>
-          <p:nvPr/>
-        </p:nvCxnSpPr>
-        <p:spPr>
-          <a:xfrm>
-            <a:off x="6096000" y="1250302"/>
-            <a:ext cx="0" cy="1688841"/>
-          </a:xfrm>
-          <a:prstGeom prst="straightConnector1">
-            <a:avLst/>
-          </a:prstGeom>
-          <a:ln>
-            <a:tailEnd type="triangle"/>
-          </a:ln>
-        </p:spPr>
-        <p:style>
-          <a:lnRef idx="1">
-            <a:schemeClr val="accent1"/>
-          </a:lnRef>
-          <a:fillRef idx="0">
-            <a:schemeClr val="accent1"/>
-          </a:fillRef>
-          <a:effectRef idx="0">
-            <a:schemeClr val="accent1"/>
-          </a:effectRef>
-          <a:fontRef idx="minor">
-            <a:schemeClr val="tx1"/>
-          </a:fontRef>
-        </p:style>
-      </p:cxnSp>
-      <p:cxnSp>
-        <p:nvCxnSpPr>
-          <p:cNvPr id="18" name="直接箭头连接符 17">
-            <a:extLst>
-              <a:ext uri="{FF2B5EF4-FFF2-40B4-BE49-F238E27FC236}">
-                <a16:creationId xmlns:a16="http://schemas.microsoft.com/office/drawing/2014/main" id="{09DCE5EE-7ED7-467A-923B-0A0482699523}"/>
-              </a:ext>
-            </a:extLst>
-          </p:cNvPr>
-          <p:cNvCxnSpPr/>
-          <p:nvPr/>
-        </p:nvCxnSpPr>
-        <p:spPr>
-          <a:xfrm>
-            <a:off x="7277100" y="1343608"/>
-            <a:ext cx="2277447" cy="1455576"/>
-          </a:xfrm>
-          <a:prstGeom prst="straightConnector1">
-            <a:avLst/>
-          </a:prstGeom>
-          <a:ln>
-            <a:tailEnd type="triangle"/>
-          </a:ln>
-        </p:spPr>
-        <p:style>
-          <a:lnRef idx="1">
-            <a:schemeClr val="accent1"/>
-          </a:lnRef>
-          <a:fillRef idx="0">
-            <a:schemeClr val="accent1"/>
-          </a:fillRef>
-          <a:effectRef idx="0">
-            <a:schemeClr val="accent1"/>
-          </a:effectRef>
-          <a:fontRef idx="minor">
-            <a:schemeClr val="tx1"/>
-          </a:fontRef>
-        </p:style>
-      </p:cxnSp>
-      <p:sp>
-        <p:nvSpPr>
-          <p:cNvPr id="19" name="箭头: 下 18">
-            <a:extLst>
-              <a:ext uri="{FF2B5EF4-FFF2-40B4-BE49-F238E27FC236}">
-                <a16:creationId xmlns:a16="http://schemas.microsoft.com/office/drawing/2014/main" id="{2179A185-8F40-408C-8FBF-08C0AB08EBAA}"/>
-              </a:ext>
-            </a:extLst>
-          </p:cNvPr>
-          <p:cNvSpPr/>
-          <p:nvPr/>
-        </p:nvSpPr>
-        <p:spPr>
-          <a:xfrm>
-            <a:off x="2015412" y="4096139"/>
-            <a:ext cx="279919" cy="755779"/>
-          </a:xfrm>
-          <a:prstGeom prst="downArrow">
-            <a:avLst/>
-          </a:prstGeom>
-          <a:solidFill>
-            <a:schemeClr val="accent5">
-              <a:lumMod val="75000"/>
-            </a:schemeClr>
-          </a:solidFill>
-        </p:spPr>
-        <p:style>
-          <a:lnRef idx="2">
-            <a:schemeClr val="accent1">
-              <a:shade val="50000"/>
-            </a:schemeClr>
-          </a:lnRef>
-          <a:fillRef idx="1">
-            <a:schemeClr val="accent1"/>
-          </a:fillRef>
-          <a:effectRef idx="0">
-            <a:schemeClr val="accent1"/>
-          </a:effectRef>
-          <a:fontRef idx="minor">
-            <a:schemeClr val="lt1"/>
-          </a:fontRef>
-        </p:style>
-        <p:txBody>
-          <a:bodyPr rtlCol="0" anchor="ctr"/>
-          <a:lstStyle/>
-          <a:p>
-            <a:pPr algn="ctr"/>
-            <a:endParaRPr lang="zh-CN" altLang="en-US"/>
-          </a:p>
-        </p:txBody>
-      </p:sp>
-      <p:sp>
-        <p:nvSpPr>
-          <p:cNvPr id="20" name="箭头: 下 19">
-            <a:extLst>
-              <a:ext uri="{FF2B5EF4-FFF2-40B4-BE49-F238E27FC236}">
-                <a16:creationId xmlns:a16="http://schemas.microsoft.com/office/drawing/2014/main" id="{CE5512E5-40E6-4187-A62E-FA05768FB395}"/>
-              </a:ext>
-            </a:extLst>
-          </p:cNvPr>
-          <p:cNvSpPr/>
-          <p:nvPr/>
-        </p:nvSpPr>
-        <p:spPr>
-          <a:xfrm>
-            <a:off x="5956038" y="4142791"/>
-            <a:ext cx="279919" cy="755779"/>
-          </a:xfrm>
-          <a:prstGeom prst="downArrow">
-            <a:avLst/>
-          </a:prstGeom>
-          <a:solidFill>
-            <a:schemeClr val="accent5">
-              <a:lumMod val="75000"/>
-            </a:schemeClr>
-          </a:solidFill>
-        </p:spPr>
-        <p:style>
-          <a:lnRef idx="2">
-            <a:schemeClr val="accent1">
-              <a:shade val="50000"/>
-            </a:schemeClr>
-          </a:lnRef>
-          <a:fillRef idx="1">
-            <a:schemeClr val="accent1"/>
-          </a:fillRef>
-          <a:effectRef idx="0">
-            <a:schemeClr val="accent1"/>
-          </a:effectRef>
-          <a:fontRef idx="minor">
-            <a:schemeClr val="lt1"/>
-          </a:fontRef>
-        </p:style>
-        <p:txBody>
-          <a:bodyPr rtlCol="0" anchor="ctr"/>
-          <a:lstStyle/>
-          <a:p>
-            <a:pPr algn="ctr"/>
-            <a:endParaRPr lang="zh-CN" altLang="en-US"/>
-          </a:p>
-        </p:txBody>
-      </p:sp>
-      <p:sp>
-        <p:nvSpPr>
-          <p:cNvPr id="21" name="箭头: 下 20">
-            <a:extLst>
-              <a:ext uri="{FF2B5EF4-FFF2-40B4-BE49-F238E27FC236}">
-                <a16:creationId xmlns:a16="http://schemas.microsoft.com/office/drawing/2014/main" id="{363E20C7-B08F-44AF-A8CB-19EEE2125998}"/>
-              </a:ext>
-            </a:extLst>
-          </p:cNvPr>
-          <p:cNvSpPr/>
-          <p:nvPr/>
-        </p:nvSpPr>
-        <p:spPr>
-          <a:xfrm>
-            <a:off x="9925434" y="4061148"/>
-            <a:ext cx="279919" cy="755779"/>
-          </a:xfrm>
-          <a:prstGeom prst="downArrow">
-            <a:avLst/>
-          </a:prstGeom>
-          <a:solidFill>
-            <a:schemeClr val="accent5">
-              <a:lumMod val="75000"/>
-            </a:schemeClr>
-          </a:solidFill>
-        </p:spPr>
-        <p:style>
-          <a:lnRef idx="2">
-            <a:schemeClr val="accent1">
-              <a:shade val="50000"/>
-            </a:schemeClr>
-          </a:lnRef>
-          <a:fillRef idx="1">
-            <a:schemeClr val="accent1"/>
-          </a:fillRef>
-          <a:effectRef idx="0">
-            <a:schemeClr val="accent1"/>
-          </a:effectRef>
-          <a:fontRef idx="minor">
-            <a:schemeClr val="lt1"/>
-          </a:fontRef>
-        </p:style>
-        <p:txBody>
-          <a:bodyPr rtlCol="0" anchor="ctr"/>
-          <a:lstStyle/>
-          <a:p>
-            <a:pPr algn="ctr"/>
-            <a:endParaRPr lang="zh-CN" altLang="en-US"/>
           </a:p>
         </p:txBody>
       </p:sp>
     </p:spTree>
     <p:extLst>
       <p:ext uri="{BB962C8B-B14F-4D97-AF65-F5344CB8AC3E}">
-        <p14:creationId xmlns:p14="http://schemas.microsoft.com/office/powerpoint/2010/main" val="3727128363"/>
+        <p14:creationId xmlns:p14="http://schemas.microsoft.com/office/powerpoint/2010/main" val="1918227775"/>
       </p:ext>
     </p:extLst>
   </p:cSld>
@@ -6220,10 +5001,10 @@
       </p:grpSpPr>
       <p:sp>
         <p:nvSpPr>
-          <p:cNvPr id="2" name="矩形: 圆角 1">
+          <p:cNvPr id="4" name="矩形: 圆角 3">
             <a:extLst>
               <a:ext uri="{FF2B5EF4-FFF2-40B4-BE49-F238E27FC236}">
-                <a16:creationId xmlns:a16="http://schemas.microsoft.com/office/drawing/2014/main" id="{6EA6C5FD-5883-40F0-B4A4-1F007C1C69D6}"/>
+                <a16:creationId xmlns:a16="http://schemas.microsoft.com/office/drawing/2014/main" id="{D2A9E52B-B4D7-407B-A59C-2439CFFAC44B}"/>
               </a:ext>
             </a:extLst>
           </p:cNvPr>
@@ -6232,15 +5013,12 @@
         </p:nvSpPr>
         <p:spPr>
           <a:xfrm>
-            <a:off x="3464765" y="625151"/>
-            <a:ext cx="5262465" cy="989045"/>
+            <a:off x="683289" y="291402"/>
+            <a:ext cx="3643782" cy="620541"/>
           </a:xfrm>
           <a:prstGeom prst="roundRect">
             <a:avLst/>
           </a:prstGeom>
-          <a:solidFill>
-            <a:srgbClr val="235787"/>
-          </a:solidFill>
         </p:spPr>
         <p:style>
           <a:lnRef idx="2">
@@ -6264,18 +5042,18 @@
           <a:p>
             <a:pPr algn="ctr"/>
             <a:r>
-              <a:rPr lang="en-US" altLang="zh-CN" b="1" dirty="0"/>
-              <a:t>Deep Learning based Recommender System: A Survey and New Perspectives</a:t>
-            </a:r>
-          </a:p>
-        </p:txBody>
-      </p:sp>
-      <p:sp>
-        <p:nvSpPr>
-          <p:cNvPr id="5" name="文本框 4">
+              <a:rPr lang="zh-CN" altLang="en-US" sz="2800" b="1" dirty="0"/>
+              <a:t>该模型解决的问题</a:t>
+            </a:r>
+          </a:p>
+        </p:txBody>
+      </p:sp>
+      <p:sp>
+        <p:nvSpPr>
+          <p:cNvPr id="6" name="文本框 5">
             <a:extLst>
               <a:ext uri="{FF2B5EF4-FFF2-40B4-BE49-F238E27FC236}">
-                <a16:creationId xmlns:a16="http://schemas.microsoft.com/office/drawing/2014/main" id="{65F8804A-CDCF-49DC-B1FA-CBE1A2BEE57F}"/>
+                <a16:creationId xmlns:a16="http://schemas.microsoft.com/office/drawing/2014/main" id="{E64531CB-377A-4CE3-850D-86E361CDA3F3}"/>
               </a:ext>
             </a:extLst>
           </p:cNvPr>
@@ -6284,8 +5062,8 @@
         </p:nvSpPr>
         <p:spPr>
           <a:xfrm>
-            <a:off x="3332762" y="2090057"/>
-            <a:ext cx="5526475" cy="461665"/>
+            <a:off x="1069521" y="1567543"/>
+            <a:ext cx="9802684" cy="646331"/>
           </a:xfrm>
           <a:prstGeom prst="rect">
             <a:avLst/>
@@ -6293,119 +5071,58 @@
           <a:noFill/>
         </p:spPr>
         <p:txBody>
-          <a:bodyPr wrap="square" rtlCol="0">
+          <a:bodyPr wrap="none" rtlCol="0">
             <a:spAutoFit/>
           </a:bodyPr>
           <a:lstStyle/>
           <a:p>
-            <a:pPr algn="ctr"/>
-            <a:r>
-              <a:rPr lang="zh-CN" altLang="en-US" sz="2400" dirty="0"/>
-              <a:t>基于深度学习的推荐系统综述</a:t>
-            </a:r>
-          </a:p>
-        </p:txBody>
-      </p:sp>
-      <p:sp>
-        <p:nvSpPr>
-          <p:cNvPr id="6" name="文本框 5">
-            <a:extLst>
-              <a:ext uri="{FF2B5EF4-FFF2-40B4-BE49-F238E27FC236}">
-                <a16:creationId xmlns:a16="http://schemas.microsoft.com/office/drawing/2014/main" id="{6980B47E-3995-427D-BB0D-7835DF37FD02}"/>
-              </a:ext>
-            </a:extLst>
-          </p:cNvPr>
-          <p:cNvSpPr txBox="1"/>
-          <p:nvPr/>
-        </p:nvSpPr>
-        <p:spPr>
-          <a:xfrm>
-            <a:off x="1293065" y="3429000"/>
-            <a:ext cx="10384585" cy="2092881"/>
-          </a:xfrm>
-          <a:prstGeom prst="rect">
-            <a:avLst/>
-          </a:prstGeom>
-          <a:noFill/>
-        </p:spPr>
-        <p:txBody>
-          <a:bodyPr wrap="square" rtlCol="0">
-            <a:spAutoFit/>
-          </a:bodyPr>
-          <a:lstStyle/>
-          <a:p>
-            <a:r>
-              <a:rPr lang="zh-CN" altLang="en-US" sz="2000" b="1" dirty="0">
+            <a:r>
+              <a:rPr lang="zh-CN" altLang="en-US" dirty="0"/>
+              <a:t>       极深因子分解机模型</a:t>
+            </a:r>
+            <a:r>
+              <a:rPr lang="en-US" altLang="zh-CN" dirty="0"/>
+              <a:t>(xDeepFM)</a:t>
+            </a:r>
+            <a:r>
+              <a:rPr lang="zh-CN" altLang="en-US" dirty="0"/>
+              <a:t>不仅能同时以</a:t>
+            </a:r>
+            <a:r>
+              <a:rPr lang="zh-CN" altLang="en-US" dirty="0">
                 <a:solidFill>
-                  <a:srgbClr val="0070C0"/>
+                  <a:srgbClr val="FF0000"/>
                 </a:solidFill>
               </a:rPr>
-              <a:t>摘要：</a:t>
-            </a:r>
-            <a:endParaRPr lang="en-US" altLang="zh-CN" sz="2000" b="1" dirty="0">
+              <a:t>显式和隐式的方式自动学习高阶的特征交互，</a:t>
+            </a:r>
+            <a:endParaRPr lang="en-US" altLang="zh-CN" dirty="0">
               <a:solidFill>
-                <a:srgbClr val="0070C0"/>
+                <a:srgbClr val="FF0000"/>
               </a:solidFill>
             </a:endParaRPr>
           </a:p>
           <a:p>
-            <a:endParaRPr lang="en-US" altLang="zh-CN" sz="2000" b="1" dirty="0">
-              <a:solidFill>
-                <a:srgbClr val="0070C0"/>
-              </a:solidFill>
-            </a:endParaRPr>
-          </a:p>
-          <a:p>
+            <a:r>
+              <a:rPr lang="zh-CN" altLang="en-US" dirty="0">
+                <a:solidFill>
+                  <a:srgbClr val="FF0000"/>
+                </a:solidFill>
+              </a:rPr>
+              <a:t>使特征交互发生在向量级，还兼具记忆与泛化的学习能力</a:t>
+            </a:r>
             <a:r>
               <a:rPr lang="zh-CN" altLang="en-US" dirty="0"/>
-              <a:t>      随着线上信息的体量、复杂度和动态性的不断增长，推荐系统已经成为了一种可以有效解决这种信息过载问题的关键性解决方案。近几年，深度学习的革命性进步在语音识别、图像分析和自然语言处理方面都受到了广泛关注。与此同时，近期的一些研究也说明了深度学习在处理信息检索和推荐任务中的有效性。由于其一流的性能表现和高质量的推荐结果，将深度学习应用于推荐系统已经获得了动力。与传统推荐模型相比，深度学习可以更好的理解用户需求、项目特征及其之间的历史性互动。</a:t>
-            </a:r>
-          </a:p>
-        </p:txBody>
-      </p:sp>
-      <p:sp>
-        <p:nvSpPr>
-          <p:cNvPr id="9" name="文本框 8">
-            <a:extLst>
-              <a:ext uri="{FF2B5EF4-FFF2-40B4-BE49-F238E27FC236}">
-                <a16:creationId xmlns:a16="http://schemas.microsoft.com/office/drawing/2014/main" id="{790D35C8-1502-4D8D-BBBB-71B8BAEB6945}"/>
-              </a:ext>
-            </a:extLst>
-          </p:cNvPr>
-          <p:cNvSpPr txBox="1"/>
-          <p:nvPr/>
-        </p:nvSpPr>
-        <p:spPr>
-          <a:xfrm>
-            <a:off x="294114" y="381897"/>
-            <a:ext cx="461665" cy="1938992"/>
-          </a:xfrm>
-          <a:prstGeom prst="rect">
-            <a:avLst/>
-          </a:prstGeom>
-          <a:noFill/>
-        </p:spPr>
-        <p:txBody>
-          <a:bodyPr vert="eaVert" wrap="none" rtlCol="0">
-            <a:spAutoFit/>
-          </a:bodyPr>
-          <a:lstStyle/>
-          <a:p>
-            <a:r>
-              <a:rPr lang="zh-CN" altLang="en-US" dirty="0">
-                <a:solidFill>
-                  <a:srgbClr val="EDB159"/>
-                </a:solidFill>
-              </a:rPr>
-              <a:t>推荐系统最新动态</a:t>
-            </a:r>
+              <a:t>。</a:t>
+            </a:r>
+            <a:endParaRPr lang="en-US" altLang="zh-CN" dirty="0"/>
           </a:p>
         </p:txBody>
       </p:sp>
     </p:spTree>
     <p:extLst>
       <p:ext uri="{BB962C8B-B14F-4D97-AF65-F5344CB8AC3E}">
-        <p14:creationId xmlns:p14="http://schemas.microsoft.com/office/powerpoint/2010/main" val="3559860444"/>
+        <p14:creationId xmlns:p14="http://schemas.microsoft.com/office/powerpoint/2010/main" val="1590907818"/>
       </p:ext>
     </p:extLst>
   </p:cSld>
@@ -6432,12 +5149,70 @@
           <a:chExt cx="0" cy="0"/>
         </a:xfrm>
       </p:grpSpPr>
+      <p:sp>
+        <p:nvSpPr>
+          <p:cNvPr id="2" name="矩形: 圆角 1">
+            <a:extLst>
+              <a:ext uri="{FF2B5EF4-FFF2-40B4-BE49-F238E27FC236}">
+                <a16:creationId xmlns:a16="http://schemas.microsoft.com/office/drawing/2014/main" id="{3B58EAE0-6A80-4DBE-BD47-140DB493F692}"/>
+              </a:ext>
+            </a:extLst>
+          </p:cNvPr>
+          <p:cNvSpPr/>
+          <p:nvPr/>
+        </p:nvSpPr>
+        <p:spPr>
+          <a:xfrm>
+            <a:off x="661307" y="253093"/>
+            <a:ext cx="2612572" cy="685801"/>
+          </a:xfrm>
+          <a:prstGeom prst="roundRect">
+            <a:avLst/>
+          </a:prstGeom>
+        </p:spPr>
+        <p:style>
+          <a:lnRef idx="2">
+            <a:schemeClr val="accent1">
+              <a:shade val="50000"/>
+            </a:schemeClr>
+          </a:lnRef>
+          <a:fillRef idx="1">
+            <a:schemeClr val="accent1"/>
+          </a:fillRef>
+          <a:effectRef idx="0">
+            <a:schemeClr val="accent1"/>
+          </a:effectRef>
+          <a:fontRef idx="minor">
+            <a:schemeClr val="lt1"/>
+          </a:fontRef>
+        </p:style>
+        <p:txBody>
+          <a:bodyPr rtlCol="0" anchor="ctr"/>
+          <a:lstStyle/>
+          <a:p>
+            <a:pPr algn="ctr"/>
+            <a:r>
+              <a:rPr lang="zh-CN" altLang="en-US" sz="2000" b="1" dirty="0"/>
+              <a:t>压缩交互网络（</a:t>
+            </a:r>
+            <a:r>
+              <a:rPr lang="en-US" altLang="zh-CN" sz="2000" b="1" dirty="0"/>
+              <a:t>CIN</a:t>
+            </a:r>
+            <a:r>
+              <a:rPr lang="zh-CN" altLang="en-US" sz="2000" b="1" dirty="0"/>
+              <a:t>）</a:t>
+            </a:r>
+            <a:endParaRPr lang="zh-CN" altLang="en-US" sz="2000" dirty="0"/>
+          </a:p>
+        </p:txBody>
+      </p:sp>
       <p:pic>
         <p:nvPicPr>
-          <p:cNvPr id="2" name="图片 1">
+          <p:cNvPr id="3" name="图片 2">
             <a:extLst>
               <a:ext uri="{FF2B5EF4-FFF2-40B4-BE49-F238E27FC236}">
-                <a16:creationId xmlns:a16="http://schemas.microsoft.com/office/drawing/2014/main" id="{4BE2077C-25B5-4558-B337-8A3E344219D1}"/>
+                <a16:creationId xmlns:a16="http://schemas.microsoft.com/office/drawing/2014/main" id="{ABC09465-CD32-4C95-A044-93E2CA17B824}"/>
               </a:ext>
             </a:extLst>
           </p:cNvPr>
@@ -6454,8 +5229,8 @@
         </p:blipFill>
         <p:spPr>
           <a:xfrm>
-            <a:off x="1878436" y="462060"/>
-            <a:ext cx="8435128" cy="5126976"/>
+            <a:off x="7774441" y="2520043"/>
+            <a:ext cx="3190875" cy="3124200"/>
           </a:xfrm>
           <a:prstGeom prst="rect">
             <a:avLst/>
@@ -6464,10 +5239,10 @@
       </p:pic>
       <p:sp>
         <p:nvSpPr>
-          <p:cNvPr id="3" name="文本框 2">
+          <p:cNvPr id="4" name="文本框 3">
             <a:extLst>
               <a:ext uri="{FF2B5EF4-FFF2-40B4-BE49-F238E27FC236}">
-                <a16:creationId xmlns:a16="http://schemas.microsoft.com/office/drawing/2014/main" id="{0BAB3EF9-C6C6-4C0E-ADA3-A10AFC2B87E2}"/>
+                <a16:creationId xmlns:a16="http://schemas.microsoft.com/office/drawing/2014/main" id="{792612E1-D02E-47D2-BFD8-73E769BB29DF}"/>
               </a:ext>
             </a:extLst>
           </p:cNvPr>
@@ -6476,8 +5251,8 @@
         </p:nvSpPr>
         <p:spPr>
           <a:xfrm>
-            <a:off x="3310622" y="5756210"/>
-            <a:ext cx="5570756" cy="523220"/>
+            <a:off x="661307" y="1295221"/>
+            <a:ext cx="6457950" cy="1323439"/>
           </a:xfrm>
           <a:prstGeom prst="rect">
             <a:avLst/>
@@ -6485,39 +5260,139 @@
           <a:noFill/>
         </p:spPr>
         <p:txBody>
-          <a:bodyPr wrap="none" rtlCol="0">
+          <a:bodyPr wrap="square" rtlCol="0">
             <a:spAutoFit/>
           </a:bodyPr>
           <a:lstStyle/>
           <a:p>
-            <a:pPr algn="ctr"/>
-            <a:r>
-              <a:rPr lang="zh-CN" altLang="en-US" sz="1400" dirty="0"/>
-              <a:t>图</a:t>
-            </a:r>
-            <a:r>
-              <a:rPr lang="en-US" altLang="zh-CN" sz="1400" dirty="0"/>
-              <a:t>1. </a:t>
-            </a:r>
-            <a:r>
-              <a:rPr lang="zh-CN" altLang="en-US" sz="1400" dirty="0"/>
-              <a:t>基于深度学习的推荐系统分类的二维体系</a:t>
-            </a:r>
-            <a:endParaRPr lang="en-US" altLang="zh-CN" sz="1400" dirty="0"/>
-          </a:p>
-          <a:p>
-            <a:pPr algn="ctr"/>
-            <a:r>
-              <a:rPr lang="zh-CN" altLang="en-US" sz="1400" dirty="0"/>
-              <a:t>左侧部分对神经网络模型进行了说明，右侧部分则说明了整合模型。</a:t>
-            </a:r>
-          </a:p>
-        </p:txBody>
-      </p:sp>
+            <a:r>
+              <a:rPr lang="zh-CN" altLang="en-US" dirty="0">
+                <a:latin typeface="宋体" panose="02010600030101010101" pitchFamily="2" charset="-122"/>
+                <a:ea typeface="宋体" panose="02010600030101010101" pitchFamily="2" charset="-122"/>
+              </a:rPr>
+              <a:t>    </a:t>
+            </a:r>
+            <a:r>
+              <a:rPr lang="zh-CN" altLang="en-US" sz="2000" dirty="0">
+                <a:latin typeface="宋体" panose="02010600030101010101" pitchFamily="2" charset="-122"/>
+                <a:ea typeface="宋体" panose="02010600030101010101" pitchFamily="2" charset="-122"/>
+              </a:rPr>
+              <a:t>在</a:t>
+            </a:r>
+            <a:r>
+              <a:rPr lang="en-US" altLang="zh-CN" sz="2000" dirty="0">
+                <a:latin typeface="宋体" panose="02010600030101010101" pitchFamily="2" charset="-122"/>
+                <a:ea typeface="宋体" panose="02010600030101010101" pitchFamily="2" charset="-122"/>
+              </a:rPr>
+              <a:t>CIN</a:t>
+            </a:r>
+            <a:r>
+              <a:rPr lang="zh-CN" altLang="en-US" sz="2000" dirty="0">
+                <a:latin typeface="宋体" panose="02010600030101010101" pitchFamily="2" charset="-122"/>
+                <a:ea typeface="宋体" panose="02010600030101010101" pitchFamily="2" charset="-122"/>
+              </a:rPr>
+              <a:t>中，隐向量是一个单元对象，因此我们将输入的原特征和神经网络中的隐层都分别组织成一个矩阵，记为</a:t>
+            </a:r>
+            <a:r>
+              <a:rPr lang="en-US" altLang="zh-CN" sz="2000" dirty="0">
+                <a:latin typeface="宋体" panose="02010600030101010101" pitchFamily="2" charset="-122"/>
+                <a:ea typeface="宋体" panose="02010600030101010101" pitchFamily="2" charset="-122"/>
+              </a:rPr>
+              <a:t>X^0 </a:t>
+            </a:r>
+            <a:r>
+              <a:rPr lang="zh-CN" altLang="en-US" sz="2000" dirty="0">
+                <a:latin typeface="宋体" panose="02010600030101010101" pitchFamily="2" charset="-122"/>
+                <a:ea typeface="宋体" panose="02010600030101010101" pitchFamily="2" charset="-122"/>
+              </a:rPr>
+              <a:t>和</a:t>
+            </a:r>
+            <a:r>
+              <a:rPr lang="en-US" altLang="zh-CN" sz="2000" dirty="0">
+                <a:latin typeface="宋体" panose="02010600030101010101" pitchFamily="2" charset="-122"/>
+                <a:ea typeface="宋体" panose="02010600030101010101" pitchFamily="2" charset="-122"/>
+              </a:rPr>
+              <a:t>X^k</a:t>
+            </a:r>
+            <a:r>
+              <a:rPr lang="zh-CN" altLang="en-US" sz="2000" dirty="0">
+                <a:latin typeface="宋体" panose="02010600030101010101" pitchFamily="2" charset="-122"/>
+                <a:ea typeface="宋体" panose="02010600030101010101" pitchFamily="2" charset="-122"/>
+              </a:rPr>
+              <a:t>。</a:t>
+            </a:r>
+            <a:r>
+              <a:rPr lang="en-US" altLang="zh-CN" sz="2000" dirty="0">
+                <a:latin typeface="宋体" panose="02010600030101010101" pitchFamily="2" charset="-122"/>
+                <a:ea typeface="宋体" panose="02010600030101010101" pitchFamily="2" charset="-122"/>
+              </a:rPr>
+              <a:t>CIN</a:t>
+            </a:r>
+            <a:r>
+              <a:rPr lang="zh-CN" altLang="en-US" sz="2000" dirty="0">
+                <a:latin typeface="宋体" panose="02010600030101010101" pitchFamily="2" charset="-122"/>
+                <a:ea typeface="宋体" panose="02010600030101010101" pitchFamily="2" charset="-122"/>
+              </a:rPr>
+              <a:t>中每一层的神经元都是根据前一层的隐层以及原特征向量推算而来，</a:t>
+            </a:r>
+            <a:r>
+              <a:rPr lang="zh-CN" altLang="en-US" sz="2000" b="1" dirty="0">
+                <a:solidFill>
+                  <a:srgbClr val="FF0000"/>
+                </a:solidFill>
+                <a:latin typeface="宋体" panose="02010600030101010101" pitchFamily="2" charset="-122"/>
+                <a:ea typeface="宋体" panose="02010600030101010101" pitchFamily="2" charset="-122"/>
+              </a:rPr>
+              <a:t>其计算公式如下</a:t>
+            </a:r>
+            <a:r>
+              <a:rPr lang="zh-CN" altLang="en-US" sz="2000" dirty="0">
+                <a:latin typeface="宋体" panose="02010600030101010101" pitchFamily="2" charset="-122"/>
+                <a:ea typeface="宋体" panose="02010600030101010101" pitchFamily="2" charset="-122"/>
+              </a:rPr>
+              <a:t>：</a:t>
+            </a:r>
+            <a:endParaRPr lang="zh-CN" altLang="en-US" dirty="0">
+              <a:latin typeface="宋体" panose="02010600030101010101" pitchFamily="2" charset="-122"/>
+              <a:ea typeface="宋体" panose="02010600030101010101" pitchFamily="2" charset="-122"/>
+            </a:endParaRPr>
+          </a:p>
+        </p:txBody>
+      </p:sp>
+      <p:pic>
+        <p:nvPicPr>
+          <p:cNvPr id="5" name="图片 4">
+            <a:extLst>
+              <a:ext uri="{FF2B5EF4-FFF2-40B4-BE49-F238E27FC236}">
+                <a16:creationId xmlns:a16="http://schemas.microsoft.com/office/drawing/2014/main" id="{FCAAA52F-03F4-458F-8C26-CE1999D250FC}"/>
+              </a:ext>
+            </a:extLst>
+          </p:cNvPr>
+          <p:cNvPicPr>
+            <a:picLocks noChangeAspect="1"/>
+          </p:cNvPicPr>
+          <p:nvPr/>
+        </p:nvPicPr>
+        <p:blipFill>
+          <a:blip r:embed="rId3"/>
+          <a:stretch>
+            <a:fillRect/>
+          </a:stretch>
+        </p:blipFill>
+        <p:spPr>
+          <a:xfrm>
+            <a:off x="999444" y="2926001"/>
+            <a:ext cx="5781675" cy="1466850"/>
+          </a:xfrm>
+          <a:prstGeom prst="rect">
+            <a:avLst/>
+          </a:prstGeom>
+        </p:spPr>
+      </p:pic>
     </p:spTree>
     <p:extLst>
       <p:ext uri="{BB962C8B-B14F-4D97-AF65-F5344CB8AC3E}">
-        <p14:creationId xmlns:p14="http://schemas.microsoft.com/office/powerpoint/2010/main" val="2069413276"/>
+        <p14:creationId xmlns:p14="http://schemas.microsoft.com/office/powerpoint/2010/main" val="2181983987"/>
       </p:ext>
     </p:extLst>
   </p:cSld>
@@ -6546,58 +5421,68 @@
       </p:grpSpPr>
       <p:sp>
         <p:nvSpPr>
-          <p:cNvPr id="2" name="文本框 1">
+          <p:cNvPr id="2" name="矩形: 圆角 1">
             <a:extLst>
               <a:ext uri="{FF2B5EF4-FFF2-40B4-BE49-F238E27FC236}">
-                <a16:creationId xmlns:a16="http://schemas.microsoft.com/office/drawing/2014/main" id="{DDAB0FE8-8504-43C0-86D3-F1CA90030D8D}"/>
+                <a16:creationId xmlns:a16="http://schemas.microsoft.com/office/drawing/2014/main" id="{3B58EAE0-6A80-4DBE-BD47-140DB493F692}"/>
               </a:ext>
             </a:extLst>
           </p:cNvPr>
-          <p:cNvSpPr txBox="1"/>
+          <p:cNvSpPr/>
           <p:nvPr/>
         </p:nvSpPr>
         <p:spPr>
           <a:xfrm>
-            <a:off x="625150" y="634484"/>
-            <a:ext cx="5159829" cy="461665"/>
-          </a:xfrm>
-          <a:prstGeom prst="rect">
+            <a:off x="661307" y="253093"/>
+            <a:ext cx="2612572" cy="685801"/>
+          </a:xfrm>
+          <a:prstGeom prst="roundRect">
             <a:avLst/>
           </a:prstGeom>
-          <a:noFill/>
-        </p:spPr>
-        <p:txBody>
-          <a:bodyPr wrap="square" rtlCol="0">
-            <a:spAutoFit/>
-          </a:bodyPr>
+        </p:spPr>
+        <p:style>
+          <a:lnRef idx="2">
+            <a:schemeClr val="accent1">
+              <a:shade val="50000"/>
+            </a:schemeClr>
+          </a:lnRef>
+          <a:fillRef idx="1">
+            <a:schemeClr val="accent1"/>
+          </a:fillRef>
+          <a:effectRef idx="0">
+            <a:schemeClr val="accent1"/>
+          </a:effectRef>
+          <a:fontRef idx="minor">
+            <a:schemeClr val="lt1"/>
+          </a:fontRef>
+        </p:style>
+        <p:txBody>
+          <a:bodyPr rtlCol="0" anchor="ctr"/>
           <a:lstStyle/>
           <a:p>
-            <a:pPr marL="342900" indent="-342900">
-              <a:buFont typeface="Wingdings" panose="05000000000000000000" pitchFamily="2" charset="2"/>
-              <a:buChar char="l"/>
-            </a:pPr>
-            <a:r>
-              <a:rPr lang="zh-CN" altLang="en-US" sz="2400" dirty="0"/>
-              <a:t>基于多层感知机</a:t>
-            </a:r>
-            <a:r>
-              <a:rPr lang="en-US" altLang="zh-CN" sz="2400" dirty="0"/>
-              <a:t>(MLP)</a:t>
-            </a:r>
-            <a:r>
-              <a:rPr lang="zh-CN" altLang="en-US" sz="2400" dirty="0"/>
-              <a:t>的推荐系统</a:t>
-            </a:r>
-            <a:endParaRPr lang="en-US" altLang="zh-CN" sz="2400" dirty="0"/>
+            <a:pPr algn="ctr"/>
+            <a:r>
+              <a:rPr lang="zh-CN" altLang="en-US" sz="2000" b="1" dirty="0"/>
+              <a:t>压缩交互网络（</a:t>
+            </a:r>
+            <a:r>
+              <a:rPr lang="en-US" altLang="zh-CN" sz="2000" b="1" dirty="0"/>
+              <a:t>CIN</a:t>
+            </a:r>
+            <a:r>
+              <a:rPr lang="zh-CN" altLang="en-US" sz="2000" b="1" dirty="0"/>
+              <a:t>）</a:t>
+            </a:r>
+            <a:endParaRPr lang="zh-CN" altLang="en-US" sz="2000" dirty="0"/>
           </a:p>
         </p:txBody>
       </p:sp>
       <p:pic>
         <p:nvPicPr>
-          <p:cNvPr id="4" name="图片 3">
+          <p:cNvPr id="3" name="图片 2">
             <a:extLst>
               <a:ext uri="{FF2B5EF4-FFF2-40B4-BE49-F238E27FC236}">
-                <a16:creationId xmlns:a16="http://schemas.microsoft.com/office/drawing/2014/main" id="{AAA3C56F-2417-446F-9DBF-698BCA12CCF1}"/>
+                <a16:creationId xmlns:a16="http://schemas.microsoft.com/office/drawing/2014/main" id="{ABC09465-CD32-4C95-A044-93E2CA17B824}"/>
               </a:ext>
             </a:extLst>
           </p:cNvPr>
@@ -6614,8 +5499,8 @@
         </p:blipFill>
         <p:spPr>
           <a:xfrm>
-            <a:off x="1384041" y="1894466"/>
-            <a:ext cx="8767665" cy="2555654"/>
+            <a:off x="3990634" y="2359698"/>
+            <a:ext cx="4210731" cy="4122745"/>
           </a:xfrm>
           <a:prstGeom prst="rect">
             <a:avLst/>
@@ -6624,10 +5509,10 @@
       </p:pic>
       <p:sp>
         <p:nvSpPr>
-          <p:cNvPr id="5" name="文本框 4">
+          <p:cNvPr id="4" name="文本框 3">
             <a:extLst>
               <a:ext uri="{FF2B5EF4-FFF2-40B4-BE49-F238E27FC236}">
-                <a16:creationId xmlns:a16="http://schemas.microsoft.com/office/drawing/2014/main" id="{652B8920-E906-42F2-ABAD-62A7F8CC98C2}"/>
+                <a16:creationId xmlns:a16="http://schemas.microsoft.com/office/drawing/2014/main" id="{792612E1-D02E-47D2-BFD8-73E769BB29DF}"/>
               </a:ext>
             </a:extLst>
           </p:cNvPr>
@@ -6636,8 +5521,8 @@
         </p:nvSpPr>
         <p:spPr>
           <a:xfrm>
-            <a:off x="1296955" y="1310641"/>
-            <a:ext cx="3025187" cy="369332"/>
+            <a:off x="661306" y="1295222"/>
+            <a:ext cx="8368393" cy="923330"/>
           </a:xfrm>
           <a:prstGeom prst="rect">
             <a:avLst/>
@@ -6645,166 +5530,114 @@
           <a:noFill/>
         </p:spPr>
         <p:txBody>
-          <a:bodyPr wrap="none" rtlCol="0">
+          <a:bodyPr wrap="square" rtlCol="0">
             <a:spAutoFit/>
           </a:bodyPr>
           <a:lstStyle/>
           <a:p>
-            <a:pPr marL="285750" indent="-285750">
-              <a:buFont typeface="Wingdings" panose="05000000000000000000" pitchFamily="2" charset="2"/>
-              <a:buChar char="p"/>
-            </a:pPr>
-            <a:r>
-              <a:rPr lang="zh-CN" altLang="en-US" dirty="0"/>
-              <a:t>仅仅基于</a:t>
-            </a:r>
-            <a:r>
-              <a:rPr lang="en-US" altLang="zh-CN" dirty="0"/>
-              <a:t>MLP</a:t>
-            </a:r>
-            <a:r>
-              <a:rPr lang="zh-CN" altLang="en-US" dirty="0"/>
-              <a:t>的推荐系统</a:t>
-            </a:r>
-          </a:p>
-        </p:txBody>
-      </p:sp>
-      <p:sp>
-        <p:nvSpPr>
-          <p:cNvPr id="6" name="文本框 5">
-            <a:extLst>
-              <a:ext uri="{FF2B5EF4-FFF2-40B4-BE49-F238E27FC236}">
-                <a16:creationId xmlns:a16="http://schemas.microsoft.com/office/drawing/2014/main" id="{3F2CA4A8-7A4E-46C4-B8BE-4EE56D5AEDA5}"/>
-              </a:ext>
-            </a:extLst>
-          </p:cNvPr>
-          <p:cNvSpPr txBox="1"/>
-          <p:nvPr/>
-        </p:nvSpPr>
-        <p:spPr>
-          <a:xfrm>
-            <a:off x="1296954" y="4879105"/>
-            <a:ext cx="3717684" cy="369332"/>
-          </a:xfrm>
-          <a:prstGeom prst="rect">
-            <a:avLst/>
-          </a:prstGeom>
-          <a:noFill/>
-        </p:spPr>
-        <p:txBody>
-          <a:bodyPr wrap="none" rtlCol="0">
-            <a:spAutoFit/>
-          </a:bodyPr>
-          <a:lstStyle/>
-          <a:p>
-            <a:pPr marL="285750" indent="-285750">
-              <a:buFont typeface="Wingdings" panose="05000000000000000000" pitchFamily="2" charset="2"/>
-              <a:buChar char="p"/>
-            </a:pPr>
-            <a:r>
-              <a:rPr lang="zh-CN" altLang="en-US" dirty="0"/>
-              <a:t>传统推荐系统与</a:t>
-            </a:r>
-            <a:r>
-              <a:rPr lang="en-US" altLang="zh-CN" dirty="0"/>
-              <a:t>MLP</a:t>
-            </a:r>
-            <a:r>
-              <a:rPr lang="zh-CN" altLang="en-US" dirty="0"/>
-              <a:t>整合的系统</a:t>
-            </a:r>
-          </a:p>
-        </p:txBody>
-      </p:sp>
-      <p:sp>
-        <p:nvSpPr>
-          <p:cNvPr id="7" name="文本框 6">
-            <a:extLst>
-              <a:ext uri="{FF2B5EF4-FFF2-40B4-BE49-F238E27FC236}">
-                <a16:creationId xmlns:a16="http://schemas.microsoft.com/office/drawing/2014/main" id="{67567988-974B-4698-B1A6-421295830EFE}"/>
-              </a:ext>
-            </a:extLst>
-          </p:cNvPr>
-          <p:cNvSpPr txBox="1"/>
-          <p:nvPr/>
-        </p:nvSpPr>
-        <p:spPr>
-          <a:xfrm>
-            <a:off x="1483566" y="5462929"/>
-            <a:ext cx="10315644" cy="923330"/>
-          </a:xfrm>
-          <a:prstGeom prst="rect">
-            <a:avLst/>
-          </a:prstGeom>
-          <a:noFill/>
-        </p:spPr>
-        <p:txBody>
-          <a:bodyPr wrap="none" rtlCol="0">
-            <a:spAutoFit/>
-          </a:bodyPr>
-          <a:lstStyle/>
-          <a:p>
-            <a:r>
-              <a:rPr lang="zh-CN" altLang="en-US" dirty="0"/>
-              <a:t>       使用引入注意力模型的协同过滤。注意力模型是一个</a:t>
-            </a:r>
-            <a:r>
-              <a:rPr lang="en-US" altLang="zh-CN" dirty="0"/>
-              <a:t>MLP</a:t>
-            </a:r>
-            <a:r>
-              <a:rPr lang="zh-CN" altLang="en-US" dirty="0"/>
-              <a:t>，包含</a:t>
-            </a:r>
-            <a:r>
-              <a:rPr lang="en-US" altLang="zh-CN" dirty="0"/>
-              <a:t>item-level </a:t>
-            </a:r>
-            <a:r>
-              <a:rPr lang="zh-CN" altLang="en-US" dirty="0"/>
-              <a:t>和</a:t>
-            </a:r>
-            <a:r>
-              <a:rPr lang="en-US" altLang="zh-CN" dirty="0"/>
-              <a:t>component-level</a:t>
-            </a:r>
-            <a:r>
-              <a:rPr lang="zh-CN" altLang="en-US" dirty="0"/>
-              <a:t>。</a:t>
-            </a:r>
-            <a:endParaRPr lang="en-US" altLang="zh-CN" dirty="0"/>
-          </a:p>
-          <a:p>
-            <a:r>
-              <a:rPr lang="zh-CN" altLang="en-US" dirty="0"/>
-              <a:t>其中</a:t>
-            </a:r>
-            <a:r>
-              <a:rPr lang="en-US" altLang="zh-CN" dirty="0"/>
-              <a:t>item-level</a:t>
-            </a:r>
-            <a:r>
-              <a:rPr lang="zh-CN" altLang="en-US" dirty="0"/>
-              <a:t>用于选择最具用标识用户特征的</a:t>
-            </a:r>
-            <a:r>
-              <a:rPr lang="en-US" altLang="zh-CN" dirty="0"/>
-              <a:t>item</a:t>
-            </a:r>
-            <a:r>
-              <a:rPr lang="zh-CN" altLang="en-US" dirty="0"/>
-              <a:t>。</a:t>
-            </a:r>
-            <a:endParaRPr lang="en-US" altLang="zh-CN" dirty="0"/>
-          </a:p>
-          <a:p>
-            <a:r>
-              <a:rPr lang="en-US" altLang="zh-CN" dirty="0"/>
-              <a:t>component-level</a:t>
-            </a:r>
-            <a:r>
-              <a:rPr lang="zh-CN" altLang="en-US" dirty="0"/>
-              <a:t>用于从每个用户的多媒体辅助信息中捕获最具信息量的特征。</a:t>
+            <a:r>
+              <a:rPr lang="zh-CN" altLang="en-US" dirty="0">
+                <a:latin typeface="宋体" panose="02010600030101010101" pitchFamily="2" charset="-122"/>
+                <a:ea typeface="宋体" panose="02010600030101010101" pitchFamily="2" charset="-122"/>
+              </a:rPr>
+              <a:t>    其中，第</a:t>
+            </a:r>
+            <a:r>
+              <a:rPr lang="en-US" altLang="zh-CN" dirty="0">
+                <a:latin typeface="宋体" panose="02010600030101010101" pitchFamily="2" charset="-122"/>
+                <a:ea typeface="宋体" panose="02010600030101010101" pitchFamily="2" charset="-122"/>
+              </a:rPr>
+              <a:t>k</a:t>
+            </a:r>
+            <a:r>
+              <a:rPr lang="zh-CN" altLang="en-US" dirty="0">
+                <a:latin typeface="宋体" panose="02010600030101010101" pitchFamily="2" charset="-122"/>
+                <a:ea typeface="宋体" panose="02010600030101010101" pitchFamily="2" charset="-122"/>
+              </a:rPr>
+              <a:t>层隐层含有</a:t>
+            </a:r>
+            <a:r>
+              <a:rPr lang="en-US" altLang="zh-CN" dirty="0">
+                <a:latin typeface="宋体" panose="02010600030101010101" pitchFamily="2" charset="-122"/>
+                <a:ea typeface="宋体" panose="02010600030101010101" pitchFamily="2" charset="-122"/>
+              </a:rPr>
+              <a:t>H_k</a:t>
+            </a:r>
+            <a:r>
+              <a:rPr lang="zh-CN" altLang="en-US" dirty="0">
+                <a:latin typeface="宋体" panose="02010600030101010101" pitchFamily="2" charset="-122"/>
+                <a:ea typeface="宋体" panose="02010600030101010101" pitchFamily="2" charset="-122"/>
+              </a:rPr>
+              <a:t>条神经元向量。隐层的计算可以分成两个步骤：</a:t>
+            </a:r>
+            <a:endParaRPr lang="en-US" altLang="zh-CN" dirty="0">
+              <a:latin typeface="宋体" panose="02010600030101010101" pitchFamily="2" charset="-122"/>
+              <a:ea typeface="宋体" panose="02010600030101010101" pitchFamily="2" charset="-122"/>
+            </a:endParaRPr>
+          </a:p>
+          <a:p>
+            <a:r>
+              <a:rPr lang="zh-CN" altLang="en-US" dirty="0">
+                <a:latin typeface="宋体" panose="02010600030101010101" pitchFamily="2" charset="-122"/>
+                <a:ea typeface="宋体" panose="02010600030101010101" pitchFamily="2" charset="-122"/>
+              </a:rPr>
+              <a:t>（</a:t>
+            </a:r>
+            <a:r>
+              <a:rPr lang="en-US" altLang="zh-CN" dirty="0">
+                <a:latin typeface="宋体" panose="02010600030101010101" pitchFamily="2" charset="-122"/>
+                <a:ea typeface="宋体" panose="02010600030101010101" pitchFamily="2" charset="-122"/>
+              </a:rPr>
+              <a:t>1</a:t>
+            </a:r>
+            <a:r>
+              <a:rPr lang="zh-CN" altLang="en-US" dirty="0">
+                <a:latin typeface="宋体" panose="02010600030101010101" pitchFamily="2" charset="-122"/>
+                <a:ea typeface="宋体" panose="02010600030101010101" pitchFamily="2" charset="-122"/>
+              </a:rPr>
+              <a:t>）根据前一层隐层的状态</a:t>
+            </a:r>
+            <a:r>
+              <a:rPr lang="en-US" altLang="zh-CN" dirty="0">
+                <a:latin typeface="宋体" panose="02010600030101010101" pitchFamily="2" charset="-122"/>
+                <a:ea typeface="宋体" panose="02010600030101010101" pitchFamily="2" charset="-122"/>
+              </a:rPr>
+              <a:t>X^k</a:t>
+            </a:r>
+            <a:r>
+              <a:rPr lang="zh-CN" altLang="en-US" dirty="0">
+                <a:latin typeface="宋体" panose="02010600030101010101" pitchFamily="2" charset="-122"/>
+                <a:ea typeface="宋体" panose="02010600030101010101" pitchFamily="2" charset="-122"/>
+              </a:rPr>
+              <a:t>和原特征矩阵</a:t>
+            </a:r>
+            <a:r>
+              <a:rPr lang="en-US" altLang="zh-CN" dirty="0">
+                <a:latin typeface="宋体" panose="02010600030101010101" pitchFamily="2" charset="-122"/>
+                <a:ea typeface="宋体" panose="02010600030101010101" pitchFamily="2" charset="-122"/>
+              </a:rPr>
+              <a:t>X^0</a:t>
+            </a:r>
+            <a:r>
+              <a:rPr lang="zh-CN" altLang="en-US" dirty="0">
+                <a:latin typeface="宋体" panose="02010600030101010101" pitchFamily="2" charset="-122"/>
+                <a:ea typeface="宋体" panose="02010600030101010101" pitchFamily="2" charset="-122"/>
+              </a:rPr>
+              <a:t>，计算出一个中间结果</a:t>
+            </a:r>
+            <a:r>
+              <a:rPr lang="en-US" altLang="zh-CN" dirty="0">
+                <a:latin typeface="宋体" panose="02010600030101010101" pitchFamily="2" charset="-122"/>
+                <a:ea typeface="宋体" panose="02010600030101010101" pitchFamily="2" charset="-122"/>
+              </a:rPr>
+              <a:t>Z^k+1</a:t>
+            </a:r>
+            <a:r>
+              <a:rPr lang="zh-CN" altLang="en-US" dirty="0">
+                <a:latin typeface="宋体" panose="02010600030101010101" pitchFamily="2" charset="-122"/>
+                <a:ea typeface="宋体" panose="02010600030101010101" pitchFamily="2" charset="-122"/>
+              </a:rPr>
+              <a:t>，  它是一个三维的张量，如下图所示：</a:t>
             </a:r>
           </a:p>
         </p:txBody>
@@ -6812,7 +5645,7 @@
     </p:spTree>
     <p:extLst>
       <p:ext uri="{BB962C8B-B14F-4D97-AF65-F5344CB8AC3E}">
-        <p14:creationId xmlns:p14="http://schemas.microsoft.com/office/powerpoint/2010/main" val="3213220879"/>
+        <p14:creationId xmlns:p14="http://schemas.microsoft.com/office/powerpoint/2010/main" val="2564641331"/>
       </p:ext>
     </p:extLst>
   </p:cSld>
@@ -6844,7 +5677,7 @@
           <p:cNvPr id="2" name="文本框 1">
             <a:extLst>
               <a:ext uri="{FF2B5EF4-FFF2-40B4-BE49-F238E27FC236}">
-                <a16:creationId xmlns:a16="http://schemas.microsoft.com/office/drawing/2014/main" id="{DDAB0FE8-8504-43C0-86D3-F1CA90030D8D}"/>
+                <a16:creationId xmlns:a16="http://schemas.microsoft.com/office/drawing/2014/main" id="{10173406-843A-41C6-81AF-52265714B5A1}"/>
               </a:ext>
             </a:extLst>
           </p:cNvPr>
@@ -6853,8 +5686,8 @@
         </p:nvSpPr>
         <p:spPr>
           <a:xfrm>
-            <a:off x="625150" y="634484"/>
-            <a:ext cx="5159829" cy="461665"/>
+            <a:off x="547008" y="1110344"/>
+            <a:ext cx="8967948" cy="1477328"/>
           </a:xfrm>
           <a:prstGeom prst="rect">
             <a:avLst/>
@@ -6867,112 +5700,134 @@
           </a:bodyPr>
           <a:lstStyle/>
           <a:p>
-            <a:pPr marL="342900" indent="-342900">
-              <a:buFont typeface="Wingdings" panose="05000000000000000000" pitchFamily="2" charset="2"/>
-              <a:buChar char="l"/>
-            </a:pPr>
-            <a:r>
-              <a:rPr lang="zh-CN" altLang="en-US" sz="2400" dirty="0"/>
-              <a:t>基于自动编码器</a:t>
-            </a:r>
-            <a:r>
-              <a:rPr lang="en-US" altLang="zh-CN" sz="2400" dirty="0"/>
-              <a:t>(AE)</a:t>
-            </a:r>
-            <a:r>
-              <a:rPr lang="zh-CN" altLang="en-US" sz="2400" dirty="0"/>
-              <a:t>的推荐系统</a:t>
-            </a:r>
-            <a:endParaRPr lang="en-US" altLang="zh-CN" sz="2400" dirty="0"/>
-          </a:p>
-        </p:txBody>
-      </p:sp>
-      <p:sp>
-        <p:nvSpPr>
-          <p:cNvPr id="3" name="文本框 2">
+            <a:r>
+              <a:rPr lang="zh-CN" altLang="en-US" dirty="0">
+                <a:latin typeface="宋体" panose="02010600030101010101" pitchFamily="2" charset="-122"/>
+                <a:ea typeface="宋体" panose="02010600030101010101" pitchFamily="2" charset="-122"/>
+              </a:rPr>
+              <a:t>    （</a:t>
+            </a:r>
+            <a:r>
+              <a:rPr lang="en-US" altLang="zh-CN" dirty="0">
+                <a:latin typeface="宋体" panose="02010600030101010101" pitchFamily="2" charset="-122"/>
+                <a:ea typeface="宋体" panose="02010600030101010101" pitchFamily="2" charset="-122"/>
+              </a:rPr>
+              <a:t>2</a:t>
+            </a:r>
+            <a:r>
+              <a:rPr lang="zh-CN" altLang="en-US" dirty="0">
+                <a:latin typeface="宋体" panose="02010600030101010101" pitchFamily="2" charset="-122"/>
+                <a:ea typeface="宋体" panose="02010600030101010101" pitchFamily="2" charset="-122"/>
+              </a:rPr>
+              <a:t>）在这个中间结果上，我们用</a:t>
+            </a:r>
+            <a:r>
+              <a:rPr lang="en-US" altLang="zh-CN" dirty="0">
+                <a:latin typeface="宋体" panose="02010600030101010101" pitchFamily="2" charset="-122"/>
+                <a:ea typeface="宋体" panose="02010600030101010101" pitchFamily="2" charset="-122"/>
+              </a:rPr>
+              <a:t>H^k+1</a:t>
+            </a:r>
+            <a:r>
+              <a:rPr lang="zh-CN" altLang="en-US" dirty="0">
+                <a:latin typeface="宋体" panose="02010600030101010101" pitchFamily="2" charset="-122"/>
+                <a:ea typeface="宋体" panose="02010600030101010101" pitchFamily="2" charset="-122"/>
+              </a:rPr>
+              <a:t>个尺寸为</a:t>
+            </a:r>
+            <a:r>
+              <a:rPr lang="en-US" altLang="zh-CN" dirty="0">
+                <a:latin typeface="宋体" panose="02010600030101010101" pitchFamily="2" charset="-122"/>
+                <a:ea typeface="宋体" panose="02010600030101010101" pitchFamily="2" charset="-122"/>
+              </a:rPr>
+              <a:t>m * H^k</a:t>
+            </a:r>
+            <a:r>
+              <a:rPr lang="zh-CN" altLang="en-US" dirty="0">
+                <a:latin typeface="宋体" panose="02010600030101010101" pitchFamily="2" charset="-122"/>
+                <a:ea typeface="宋体" panose="02010600030101010101" pitchFamily="2" charset="-122"/>
+              </a:rPr>
+              <a:t>的卷积核生成下一层隐层的状态，该过程如图</a:t>
+            </a:r>
+            <a:r>
+              <a:rPr lang="en-US" altLang="zh-CN" dirty="0">
+                <a:latin typeface="宋体" panose="02010600030101010101" pitchFamily="2" charset="-122"/>
+                <a:ea typeface="宋体" panose="02010600030101010101" pitchFamily="2" charset="-122"/>
+              </a:rPr>
+              <a:t>2</a:t>
+            </a:r>
+            <a:r>
+              <a:rPr lang="zh-CN" altLang="en-US" dirty="0">
+                <a:latin typeface="宋体" panose="02010600030101010101" pitchFamily="2" charset="-122"/>
+                <a:ea typeface="宋体" panose="02010600030101010101" pitchFamily="2" charset="-122"/>
+              </a:rPr>
+              <a:t>所示。这一操作与计算机视觉中最流行的卷积神经网络大体是一致的，唯一的区别在于卷积核的设计。</a:t>
+            </a:r>
+            <a:r>
+              <a:rPr lang="en-US" altLang="zh-CN" dirty="0">
+                <a:latin typeface="宋体" panose="02010600030101010101" pitchFamily="2" charset="-122"/>
+                <a:ea typeface="宋体" panose="02010600030101010101" pitchFamily="2" charset="-122"/>
+              </a:rPr>
+              <a:t>CIN</a:t>
+            </a:r>
+            <a:r>
+              <a:rPr lang="zh-CN" altLang="en-US" dirty="0">
+                <a:latin typeface="宋体" panose="02010600030101010101" pitchFamily="2" charset="-122"/>
+                <a:ea typeface="宋体" panose="02010600030101010101" pitchFamily="2" charset="-122"/>
+              </a:rPr>
+              <a:t>中一个神经元相关的接受域是垂直于特征维度</a:t>
+            </a:r>
+            <a:r>
+              <a:rPr lang="en-US" altLang="zh-CN" dirty="0">
+                <a:latin typeface="宋体" panose="02010600030101010101" pitchFamily="2" charset="-122"/>
+                <a:ea typeface="宋体" panose="02010600030101010101" pitchFamily="2" charset="-122"/>
+              </a:rPr>
+              <a:t>D</a:t>
+            </a:r>
+            <a:r>
+              <a:rPr lang="zh-CN" altLang="en-US" dirty="0">
+                <a:latin typeface="宋体" panose="02010600030101010101" pitchFamily="2" charset="-122"/>
+                <a:ea typeface="宋体" panose="02010600030101010101" pitchFamily="2" charset="-122"/>
+              </a:rPr>
+              <a:t>的整个平面，而</a:t>
+            </a:r>
+            <a:r>
+              <a:rPr lang="en-US" altLang="zh-CN" dirty="0">
+                <a:latin typeface="宋体" panose="02010600030101010101" pitchFamily="2" charset="-122"/>
+                <a:ea typeface="宋体" panose="02010600030101010101" pitchFamily="2" charset="-122"/>
+              </a:rPr>
+              <a:t>CNN</a:t>
+            </a:r>
+            <a:r>
+              <a:rPr lang="zh-CN" altLang="en-US" dirty="0">
+                <a:latin typeface="宋体" panose="02010600030101010101" pitchFamily="2" charset="-122"/>
+                <a:ea typeface="宋体" panose="02010600030101010101" pitchFamily="2" charset="-122"/>
+              </a:rPr>
+              <a:t>中的接受域是当前神经元周围的局部小范围区域，因此</a:t>
+            </a:r>
+            <a:r>
+              <a:rPr lang="en-US" altLang="zh-CN" dirty="0">
+                <a:latin typeface="宋体" panose="02010600030101010101" pitchFamily="2" charset="-122"/>
+                <a:ea typeface="宋体" panose="02010600030101010101" pitchFamily="2" charset="-122"/>
+              </a:rPr>
+              <a:t>CIN</a:t>
+            </a:r>
+            <a:r>
+              <a:rPr lang="zh-CN" altLang="en-US" dirty="0">
+                <a:latin typeface="宋体" panose="02010600030101010101" pitchFamily="2" charset="-122"/>
+                <a:ea typeface="宋体" panose="02010600030101010101" pitchFamily="2" charset="-122"/>
+              </a:rPr>
+              <a:t>中经过卷积操作得到的特征图是一个向量，而不是一个矩阵。</a:t>
+            </a:r>
+          </a:p>
+        </p:txBody>
+      </p:sp>
+      <p:pic>
+        <p:nvPicPr>
+          <p:cNvPr id="3" name="图片 2">
             <a:extLst>
               <a:ext uri="{FF2B5EF4-FFF2-40B4-BE49-F238E27FC236}">
-                <a16:creationId xmlns:a16="http://schemas.microsoft.com/office/drawing/2014/main" id="{6714C99D-67E7-400A-B08F-5E8C1F111F19}"/>
-              </a:ext>
-            </a:extLst>
-          </p:cNvPr>
-          <p:cNvSpPr txBox="1"/>
-          <p:nvPr/>
-        </p:nvSpPr>
-        <p:spPr>
-          <a:xfrm>
-            <a:off x="1156186" y="1474237"/>
-            <a:ext cx="9879628" cy="369332"/>
-          </a:xfrm>
-          <a:prstGeom prst="rect">
-            <a:avLst/>
-          </a:prstGeom>
-          <a:noFill/>
-        </p:spPr>
-        <p:txBody>
-          <a:bodyPr wrap="none" rtlCol="0">
-            <a:spAutoFit/>
-          </a:bodyPr>
-          <a:lstStyle/>
-          <a:p>
-            <a:r>
-              <a:rPr lang="zh-CN" altLang="en-US" dirty="0"/>
-              <a:t>基于自动编码器的推荐系统通常在模型中加入随机噪声和正则化项进行训练以增强模型鲁棒性。</a:t>
-            </a:r>
-          </a:p>
-        </p:txBody>
-      </p:sp>
-      <p:sp>
-        <p:nvSpPr>
-          <p:cNvPr id="8" name="AutoShape 2" descr="https://img-blog.csdn.net/20171204173707812?watermark/2/text/aHR0cDovL2Jsb2cuY3Nkbi5uZXQvY3NreXdpdA==/font/5a6L5L2T/fontsize/400/fill/I0JBQkFCMA==/dissolve/70/gravity/Center">
-            <a:extLst>
-              <a:ext uri="{FF2B5EF4-FFF2-40B4-BE49-F238E27FC236}">
-                <a16:creationId xmlns:a16="http://schemas.microsoft.com/office/drawing/2014/main" id="{0AB325FB-3B56-439D-9987-C7500E6CB8C1}"/>
-              </a:ext>
-            </a:extLst>
-          </p:cNvPr>
-          <p:cNvSpPr>
-            <a:spLocks noChangeAspect="1" noChangeArrowheads="1"/>
-          </p:cNvSpPr>
-          <p:nvPr/>
-        </p:nvSpPr>
-        <p:spPr bwMode="auto">
-          <a:xfrm>
-            <a:off x="5943600" y="3079102"/>
-            <a:ext cx="304800" cy="502298"/>
-          </a:xfrm>
-          <a:prstGeom prst="rect">
-            <a:avLst/>
-          </a:prstGeom>
-          <a:noFill/>
-          <a:extLst>
-            <a:ext uri="{909E8E84-426E-40DD-AFC4-6F175D3DCCD1}">
-              <a14:hiddenFill xmlns:a14="http://schemas.microsoft.com/office/drawing/2010/main">
-                <a:solidFill>
-                  <a:srgbClr val="FFFFFF"/>
-                </a:solidFill>
-              </a14:hiddenFill>
-            </a:ext>
-          </a:extLst>
-        </p:spPr>
-        <p:txBody>
-          <a:bodyPr vert="horz" wrap="square" lIns="91440" tIns="45720" rIns="91440" bIns="45720" numCol="1" anchor="t" anchorCtr="0" compatLnSpc="1">
-            <a:prstTxWarp prst="textNoShape">
-              <a:avLst/>
-            </a:prstTxWarp>
-          </a:bodyPr>
-          <a:lstStyle/>
-          <a:p>
-            <a:endParaRPr lang="zh-CN" altLang="en-US"/>
-          </a:p>
-        </p:txBody>
-      </p:sp>
-      <p:pic>
-        <p:nvPicPr>
-          <p:cNvPr id="10" name="图片 9">
-            <a:extLst>
-              <a:ext uri="{FF2B5EF4-FFF2-40B4-BE49-F238E27FC236}">
-                <a16:creationId xmlns:a16="http://schemas.microsoft.com/office/drawing/2014/main" id="{B6CC3B2E-BE70-46EB-90F2-F16FA4DB973B}"/>
+                <a16:creationId xmlns:a16="http://schemas.microsoft.com/office/drawing/2014/main" id="{D02F1523-7C74-449A-A84C-FB266FF4BE8A}"/>
               </a:ext>
             </a:extLst>
           </p:cNvPr>
@@ -6989,18 +5844,76 @@
         </p:blipFill>
         <p:spPr>
           <a:xfrm>
-            <a:off x="1156186" y="2811922"/>
-            <a:ext cx="9879628" cy="2202510"/>
+            <a:off x="3903889" y="2587672"/>
+            <a:ext cx="4384221" cy="3973578"/>
           </a:xfrm>
           <a:prstGeom prst="rect">
             <a:avLst/>
           </a:prstGeom>
         </p:spPr>
       </p:pic>
+      <p:sp>
+        <p:nvSpPr>
+          <p:cNvPr id="4" name="矩形: 圆角 3">
+            <a:extLst>
+              <a:ext uri="{FF2B5EF4-FFF2-40B4-BE49-F238E27FC236}">
+                <a16:creationId xmlns:a16="http://schemas.microsoft.com/office/drawing/2014/main" id="{6B0E7E04-E6ED-4978-9102-512A52770CAE}"/>
+              </a:ext>
+            </a:extLst>
+          </p:cNvPr>
+          <p:cNvSpPr/>
+          <p:nvPr/>
+        </p:nvSpPr>
+        <p:spPr>
+          <a:xfrm>
+            <a:off x="661307" y="253093"/>
+            <a:ext cx="2612572" cy="685801"/>
+          </a:xfrm>
+          <a:prstGeom prst="roundRect">
+            <a:avLst/>
+          </a:prstGeom>
+        </p:spPr>
+        <p:style>
+          <a:lnRef idx="2">
+            <a:schemeClr val="accent1">
+              <a:shade val="50000"/>
+            </a:schemeClr>
+          </a:lnRef>
+          <a:fillRef idx="1">
+            <a:schemeClr val="accent1"/>
+          </a:fillRef>
+          <a:effectRef idx="0">
+            <a:schemeClr val="accent1"/>
+          </a:effectRef>
+          <a:fontRef idx="minor">
+            <a:schemeClr val="lt1"/>
+          </a:fontRef>
+        </p:style>
+        <p:txBody>
+          <a:bodyPr rtlCol="0" anchor="ctr"/>
+          <a:lstStyle/>
+          <a:p>
+            <a:pPr algn="ctr"/>
+            <a:r>
+              <a:rPr lang="zh-CN" altLang="en-US" sz="2000" b="1" dirty="0"/>
+              <a:t>压缩交互网络（</a:t>
+            </a:r>
+            <a:r>
+              <a:rPr lang="en-US" altLang="zh-CN" sz="2000" b="1" dirty="0"/>
+              <a:t>CIN</a:t>
+            </a:r>
+            <a:r>
+              <a:rPr lang="zh-CN" altLang="en-US" sz="2000" b="1" dirty="0"/>
+              <a:t>）</a:t>
+            </a:r>
+            <a:endParaRPr lang="zh-CN" altLang="en-US" sz="2000" dirty="0"/>
+          </a:p>
+        </p:txBody>
+      </p:sp>
     </p:spTree>
     <p:extLst>
       <p:ext uri="{BB962C8B-B14F-4D97-AF65-F5344CB8AC3E}">
-        <p14:creationId xmlns:p14="http://schemas.microsoft.com/office/powerpoint/2010/main" val="2575050195"/>
+        <p14:creationId xmlns:p14="http://schemas.microsoft.com/office/powerpoint/2010/main" val="730253601"/>
       </p:ext>
     </p:extLst>
   </p:cSld>
@@ -7032,7 +5945,7 @@
           <p:cNvPr id="2" name="文本框 1">
             <a:extLst>
               <a:ext uri="{FF2B5EF4-FFF2-40B4-BE49-F238E27FC236}">
-                <a16:creationId xmlns:a16="http://schemas.microsoft.com/office/drawing/2014/main" id="{DDAB0FE8-8504-43C0-86D3-F1CA90030D8D}"/>
+                <a16:creationId xmlns:a16="http://schemas.microsoft.com/office/drawing/2014/main" id="{344404D7-8C8B-4564-9EB3-6506639BABCF}"/>
               </a:ext>
             </a:extLst>
           </p:cNvPr>
@@ -7041,8 +5954,8 @@
         </p:nvSpPr>
         <p:spPr>
           <a:xfrm>
-            <a:off x="625150" y="634484"/>
-            <a:ext cx="5159829" cy="461665"/>
+            <a:off x="612322" y="1110070"/>
+            <a:ext cx="10363744" cy="1477328"/>
           </a:xfrm>
           <a:prstGeom prst="rect">
             <a:avLst/>
@@ -7055,111 +5968,131 @@
           </a:bodyPr>
           <a:lstStyle/>
           <a:p>
-            <a:pPr marL="342900" indent="-342900">
-              <a:buFont typeface="Wingdings" panose="05000000000000000000" pitchFamily="2" charset="2"/>
-              <a:buChar char="l"/>
-            </a:pPr>
-            <a:r>
-              <a:rPr lang="zh-CN" altLang="en-US" sz="2400" dirty="0"/>
-              <a:t>基于卷积神经网络</a:t>
-            </a:r>
-            <a:r>
-              <a:rPr lang="en-US" altLang="zh-CN" sz="2400" dirty="0"/>
-              <a:t>(CNN)</a:t>
-            </a:r>
-          </a:p>
-        </p:txBody>
-      </p:sp>
-      <p:sp>
-        <p:nvSpPr>
-          <p:cNvPr id="3" name="文本框 2">
+            <a:r>
+              <a:rPr lang="en-US" altLang="zh-CN" dirty="0"/>
+              <a:t>       </a:t>
+            </a:r>
+            <a:r>
+              <a:rPr lang="en-US" altLang="zh-CN" dirty="0">
+                <a:latin typeface="宋体" panose="02010600030101010101" pitchFamily="2" charset="-122"/>
+                <a:ea typeface="宋体" panose="02010600030101010101" pitchFamily="2" charset="-122"/>
+              </a:rPr>
+              <a:t>CIN</a:t>
+            </a:r>
+            <a:r>
+              <a:rPr lang="zh-CN" altLang="en-US" dirty="0">
+                <a:latin typeface="宋体" panose="02010600030101010101" pitchFamily="2" charset="-122"/>
+                <a:ea typeface="宋体" panose="02010600030101010101" pitchFamily="2" charset="-122"/>
+              </a:rPr>
+              <a:t>的宏观框架可以总结为如下图所示。它的特点是，最终学习出的特征交互的阶数是由网络的层数决定的，每一层隐层都通过一个池化操作连接到输出层，从而保证了输出单元可以见到不同阶数的特征交互模式。同时不难看出，</a:t>
+            </a:r>
+            <a:r>
+              <a:rPr lang="en-US" altLang="zh-CN" dirty="0">
+                <a:latin typeface="宋体" panose="02010600030101010101" pitchFamily="2" charset="-122"/>
+                <a:ea typeface="宋体" panose="02010600030101010101" pitchFamily="2" charset="-122"/>
+              </a:rPr>
+              <a:t>CIN</a:t>
+            </a:r>
+            <a:r>
+              <a:rPr lang="zh-CN" altLang="en-US" dirty="0">
+                <a:latin typeface="宋体" panose="02010600030101010101" pitchFamily="2" charset="-122"/>
+                <a:ea typeface="宋体" panose="02010600030101010101" pitchFamily="2" charset="-122"/>
+              </a:rPr>
+              <a:t>的结构与循环神经网络</a:t>
+            </a:r>
+            <a:r>
+              <a:rPr lang="en-US" altLang="zh-CN" dirty="0">
+                <a:latin typeface="宋体" panose="02010600030101010101" pitchFamily="2" charset="-122"/>
+                <a:ea typeface="宋体" panose="02010600030101010101" pitchFamily="2" charset="-122"/>
+              </a:rPr>
+              <a:t>RNN</a:t>
+            </a:r>
+            <a:r>
+              <a:rPr lang="zh-CN" altLang="en-US" dirty="0">
+                <a:latin typeface="宋体" panose="02010600030101010101" pitchFamily="2" charset="-122"/>
+                <a:ea typeface="宋体" panose="02010600030101010101" pitchFamily="2" charset="-122"/>
+              </a:rPr>
+              <a:t>是很类似的，即每一层的状态是由前一层隐层的值与一个额外的输入数据计算所得。不同的是，</a:t>
+            </a:r>
+            <a:r>
+              <a:rPr lang="en-US" altLang="zh-CN" dirty="0">
+                <a:latin typeface="宋体" panose="02010600030101010101" pitchFamily="2" charset="-122"/>
+                <a:ea typeface="宋体" panose="02010600030101010101" pitchFamily="2" charset="-122"/>
+              </a:rPr>
+              <a:t>CIN</a:t>
+            </a:r>
+            <a:r>
+              <a:rPr lang="zh-CN" altLang="en-US" dirty="0">
+                <a:latin typeface="宋体" panose="02010600030101010101" pitchFamily="2" charset="-122"/>
+                <a:ea typeface="宋体" panose="02010600030101010101" pitchFamily="2" charset="-122"/>
+              </a:rPr>
+              <a:t>中不同层的参数是不一样的，而在</a:t>
+            </a:r>
+            <a:r>
+              <a:rPr lang="en-US" altLang="zh-CN" dirty="0">
+                <a:latin typeface="宋体" panose="02010600030101010101" pitchFamily="2" charset="-122"/>
+                <a:ea typeface="宋体" panose="02010600030101010101" pitchFamily="2" charset="-122"/>
+              </a:rPr>
+              <a:t>RNN</a:t>
+            </a:r>
+            <a:r>
+              <a:rPr lang="zh-CN" altLang="en-US" dirty="0">
+                <a:latin typeface="宋体" panose="02010600030101010101" pitchFamily="2" charset="-122"/>
+                <a:ea typeface="宋体" panose="02010600030101010101" pitchFamily="2" charset="-122"/>
+              </a:rPr>
+              <a:t>中是相同的；</a:t>
+            </a:r>
+            <a:r>
+              <a:rPr lang="en-US" altLang="zh-CN" dirty="0">
+                <a:latin typeface="宋体" panose="02010600030101010101" pitchFamily="2" charset="-122"/>
+                <a:ea typeface="宋体" panose="02010600030101010101" pitchFamily="2" charset="-122"/>
+              </a:rPr>
+              <a:t>RNN</a:t>
+            </a:r>
+            <a:r>
+              <a:rPr lang="zh-CN" altLang="en-US" dirty="0">
+                <a:latin typeface="宋体" panose="02010600030101010101" pitchFamily="2" charset="-122"/>
+                <a:ea typeface="宋体" panose="02010600030101010101" pitchFamily="2" charset="-122"/>
+              </a:rPr>
+              <a:t>中每次额外的输入数据是不一样的，而</a:t>
+            </a:r>
+            <a:r>
+              <a:rPr lang="en-US" altLang="zh-CN" dirty="0">
+                <a:latin typeface="宋体" panose="02010600030101010101" pitchFamily="2" charset="-122"/>
+                <a:ea typeface="宋体" panose="02010600030101010101" pitchFamily="2" charset="-122"/>
+              </a:rPr>
+              <a:t>CIN</a:t>
+            </a:r>
+            <a:r>
+              <a:rPr lang="zh-CN" altLang="en-US" dirty="0">
+                <a:latin typeface="宋体" panose="02010600030101010101" pitchFamily="2" charset="-122"/>
+                <a:ea typeface="宋体" panose="02010600030101010101" pitchFamily="2" charset="-122"/>
+              </a:rPr>
+              <a:t>中额外的输入数据是固定的，始终是</a:t>
+            </a:r>
+            <a:r>
+              <a:rPr lang="en-US" altLang="zh-CN" dirty="0">
+                <a:latin typeface="宋体" panose="02010600030101010101" pitchFamily="2" charset="-122"/>
+                <a:ea typeface="宋体" panose="02010600030101010101" pitchFamily="2" charset="-122"/>
+              </a:rPr>
+              <a:t>X^0</a:t>
+            </a:r>
+            <a:r>
+              <a:rPr lang="zh-CN" altLang="en-US" dirty="0">
+                <a:latin typeface="宋体" panose="02010600030101010101" pitchFamily="2" charset="-122"/>
+                <a:ea typeface="宋体" panose="02010600030101010101" pitchFamily="2" charset="-122"/>
+              </a:rPr>
+              <a:t>。</a:t>
+            </a:r>
+          </a:p>
+        </p:txBody>
+      </p:sp>
+      <p:pic>
+        <p:nvPicPr>
+          <p:cNvPr id="3" name="图片 2">
             <a:extLst>
               <a:ext uri="{FF2B5EF4-FFF2-40B4-BE49-F238E27FC236}">
-                <a16:creationId xmlns:a16="http://schemas.microsoft.com/office/drawing/2014/main" id="{6714C99D-67E7-400A-B08F-5E8C1F111F19}"/>
-              </a:ext>
-            </a:extLst>
-          </p:cNvPr>
-          <p:cNvSpPr txBox="1"/>
-          <p:nvPr/>
-        </p:nvSpPr>
-        <p:spPr>
-          <a:xfrm>
-            <a:off x="1003773" y="1408437"/>
-            <a:ext cx="3454792" cy="369332"/>
-          </a:xfrm>
-          <a:prstGeom prst="rect">
-            <a:avLst/>
-          </a:prstGeom>
-          <a:noFill/>
-        </p:spPr>
-        <p:txBody>
-          <a:bodyPr wrap="none" rtlCol="0">
-            <a:spAutoFit/>
-          </a:bodyPr>
-          <a:lstStyle/>
-          <a:p>
-            <a:r>
-              <a:rPr lang="en-US" altLang="zh-CN" dirty="0"/>
-              <a:t>CNN</a:t>
-            </a:r>
-            <a:r>
-              <a:rPr lang="zh-CN" altLang="en-US" dirty="0"/>
-              <a:t>在其中主要用于特征提取。</a:t>
-            </a:r>
-          </a:p>
-        </p:txBody>
-      </p:sp>
-      <p:sp>
-        <p:nvSpPr>
-          <p:cNvPr id="8" name="AutoShape 2" descr="https://img-blog.csdn.net/20171204173707812?watermark/2/text/aHR0cDovL2Jsb2cuY3Nkbi5uZXQvY3NreXdpdA==/font/5a6L5L2T/fontsize/400/fill/I0JBQkFCMA==/dissolve/70/gravity/Center">
-            <a:extLst>
-              <a:ext uri="{FF2B5EF4-FFF2-40B4-BE49-F238E27FC236}">
-                <a16:creationId xmlns:a16="http://schemas.microsoft.com/office/drawing/2014/main" id="{0AB325FB-3B56-439D-9987-C7500E6CB8C1}"/>
-              </a:ext>
-            </a:extLst>
-          </p:cNvPr>
-          <p:cNvSpPr>
-            <a:spLocks noChangeAspect="1" noChangeArrowheads="1"/>
-          </p:cNvSpPr>
-          <p:nvPr/>
-        </p:nvSpPr>
-        <p:spPr bwMode="auto">
-          <a:xfrm>
-            <a:off x="5943600" y="3079102"/>
-            <a:ext cx="304800" cy="502298"/>
-          </a:xfrm>
-          <a:prstGeom prst="rect">
-            <a:avLst/>
-          </a:prstGeom>
-          <a:noFill/>
-          <a:extLst>
-            <a:ext uri="{909E8E84-426E-40DD-AFC4-6F175D3DCCD1}">
-              <a14:hiddenFill xmlns:a14="http://schemas.microsoft.com/office/drawing/2010/main">
-                <a:solidFill>
-                  <a:srgbClr val="FFFFFF"/>
-                </a:solidFill>
-              </a14:hiddenFill>
-            </a:ext>
-          </a:extLst>
-        </p:spPr>
-        <p:txBody>
-          <a:bodyPr vert="horz" wrap="square" lIns="91440" tIns="45720" rIns="91440" bIns="45720" numCol="1" anchor="t" anchorCtr="0" compatLnSpc="1">
-            <a:prstTxWarp prst="textNoShape">
-              <a:avLst/>
-            </a:prstTxWarp>
-          </a:bodyPr>
-          <a:lstStyle/>
-          <a:p>
-            <a:endParaRPr lang="zh-CN" altLang="en-US"/>
-          </a:p>
-        </p:txBody>
-      </p:sp>
-      <p:pic>
-        <p:nvPicPr>
-          <p:cNvPr id="5" name="图片 4">
-            <a:extLst>
-              <a:ext uri="{FF2B5EF4-FFF2-40B4-BE49-F238E27FC236}">
-                <a16:creationId xmlns:a16="http://schemas.microsoft.com/office/drawing/2014/main" id="{18CA4AEA-EA57-4C5B-9878-8ADDE8BCD880}"/>
+                <a16:creationId xmlns:a16="http://schemas.microsoft.com/office/drawing/2014/main" id="{09CDB7E6-54EE-4C31-82B4-5CB0CD2F3631}"/>
               </a:ext>
             </a:extLst>
           </p:cNvPr>
@@ -7176,18 +6109,76 @@
         </p:blipFill>
         <p:spPr>
           <a:xfrm>
-            <a:off x="1003773" y="2090057"/>
-            <a:ext cx="10184454" cy="3572713"/>
+            <a:off x="4267199" y="2758574"/>
+            <a:ext cx="3853651" cy="3683047"/>
           </a:xfrm>
           <a:prstGeom prst="rect">
             <a:avLst/>
           </a:prstGeom>
         </p:spPr>
       </p:pic>
+      <p:sp>
+        <p:nvSpPr>
+          <p:cNvPr id="4" name="矩形: 圆角 3">
+            <a:extLst>
+              <a:ext uri="{FF2B5EF4-FFF2-40B4-BE49-F238E27FC236}">
+                <a16:creationId xmlns:a16="http://schemas.microsoft.com/office/drawing/2014/main" id="{A8BB73B8-BF2A-4D0E-85CC-7A81896A4E94}"/>
+              </a:ext>
+            </a:extLst>
+          </p:cNvPr>
+          <p:cNvSpPr/>
+          <p:nvPr/>
+        </p:nvSpPr>
+        <p:spPr>
+          <a:xfrm>
+            <a:off x="661307" y="253093"/>
+            <a:ext cx="2612572" cy="685801"/>
+          </a:xfrm>
+          <a:prstGeom prst="roundRect">
+            <a:avLst/>
+          </a:prstGeom>
+        </p:spPr>
+        <p:style>
+          <a:lnRef idx="2">
+            <a:schemeClr val="accent1">
+              <a:shade val="50000"/>
+            </a:schemeClr>
+          </a:lnRef>
+          <a:fillRef idx="1">
+            <a:schemeClr val="accent1"/>
+          </a:fillRef>
+          <a:effectRef idx="0">
+            <a:schemeClr val="accent1"/>
+          </a:effectRef>
+          <a:fontRef idx="minor">
+            <a:schemeClr val="lt1"/>
+          </a:fontRef>
+        </p:style>
+        <p:txBody>
+          <a:bodyPr rtlCol="0" anchor="ctr"/>
+          <a:lstStyle/>
+          <a:p>
+            <a:pPr algn="ctr"/>
+            <a:r>
+              <a:rPr lang="zh-CN" altLang="en-US" sz="2000" b="1" dirty="0"/>
+              <a:t>压缩交互网络（</a:t>
+            </a:r>
+            <a:r>
+              <a:rPr lang="en-US" altLang="zh-CN" sz="2000" b="1" dirty="0"/>
+              <a:t>CIN</a:t>
+            </a:r>
+            <a:r>
+              <a:rPr lang="zh-CN" altLang="en-US" sz="2000" b="1" dirty="0"/>
+              <a:t>）</a:t>
+            </a:r>
+            <a:endParaRPr lang="zh-CN" altLang="en-US" sz="2000" dirty="0"/>
+          </a:p>
+        </p:txBody>
+      </p:sp>
     </p:spTree>
     <p:extLst>
       <p:ext uri="{BB962C8B-B14F-4D97-AF65-F5344CB8AC3E}">
-        <p14:creationId xmlns:p14="http://schemas.microsoft.com/office/powerpoint/2010/main" val="2737811802"/>
+        <p14:creationId xmlns:p14="http://schemas.microsoft.com/office/powerpoint/2010/main" val="2872769313"/>
       </p:ext>
     </p:extLst>
   </p:cSld>
